--- a/dapr3_lectures/dapr3_lmer_lec/img_sandbox/rt_example.pptx
+++ b/dapr3_lectures/dapr3_lmer_lec/img_sandbox/rt_example.pptx
@@ -166,7 +166,7 @@
           </a:lstStyle>
           <a:p>
             <a:r>
-              <a:rPr lang="en-US" smtClean="0"/>
+              <a:rPr lang="en-US"/>
               <a:t>Click to edit Master title style</a:t>
             </a:r>
             <a:endParaRPr lang="en-GB"/>
@@ -231,7 +231,7 @@
           </a:lstStyle>
           <a:p>
             <a:r>
-              <a:rPr lang="en-US" smtClean="0"/>
+              <a:rPr lang="en-US"/>
               <a:t>Click to edit Master subtitle style</a:t>
             </a:r>
             <a:endParaRPr lang="en-GB"/>
@@ -255,7 +255,7 @@
           <a:p>
             <a:fld id="{7A1285AE-E03F-47B2-A2F3-DF9918B4361A}" type="datetimeFigureOut">
               <a:rPr lang="en-GB" smtClean="0"/>
-              <a:t>09/10/2022</a:t>
+              <a:t>11/10/2024</a:t>
             </a:fld>
             <a:endParaRPr lang="en-GB"/>
           </a:p>
@@ -349,7 +349,7 @@
           <a:lstStyle/>
           <a:p>
             <a:r>
-              <a:rPr lang="en-US" smtClean="0"/>
+              <a:rPr lang="en-US"/>
               <a:t>Click to edit Master title style</a:t>
             </a:r>
             <a:endParaRPr lang="en-GB"/>
@@ -373,35 +373,35 @@
           <a:p>
             <a:pPr lvl="0"/>
             <a:r>
-              <a:rPr lang="en-US" smtClean="0"/>
+              <a:rPr lang="en-US"/>
               <a:t>Edit Master text styles</a:t>
             </a:r>
           </a:p>
           <a:p>
             <a:pPr lvl="1"/>
             <a:r>
-              <a:rPr lang="en-US" smtClean="0"/>
+              <a:rPr lang="en-US"/>
               <a:t>Second level</a:t>
             </a:r>
           </a:p>
           <a:p>
             <a:pPr lvl="2"/>
             <a:r>
-              <a:rPr lang="en-US" smtClean="0"/>
+              <a:rPr lang="en-US"/>
               <a:t>Third level</a:t>
             </a:r>
           </a:p>
           <a:p>
             <a:pPr lvl="3"/>
             <a:r>
-              <a:rPr lang="en-US" smtClean="0"/>
+              <a:rPr lang="en-US"/>
               <a:t>Fourth level</a:t>
             </a:r>
           </a:p>
           <a:p>
             <a:pPr lvl="4"/>
             <a:r>
-              <a:rPr lang="en-US" smtClean="0"/>
+              <a:rPr lang="en-US"/>
               <a:t>Fifth level</a:t>
             </a:r>
             <a:endParaRPr lang="en-GB"/>
@@ -425,7 +425,7 @@
           <a:p>
             <a:fld id="{7A1285AE-E03F-47B2-A2F3-DF9918B4361A}" type="datetimeFigureOut">
               <a:rPr lang="en-GB" smtClean="0"/>
-              <a:t>09/10/2022</a:t>
+              <a:t>11/10/2024</a:t>
             </a:fld>
             <a:endParaRPr lang="en-GB"/>
           </a:p>
@@ -524,7 +524,7 @@
           <a:lstStyle/>
           <a:p>
             <a:r>
-              <a:rPr lang="en-US" smtClean="0"/>
+              <a:rPr lang="en-US"/>
               <a:t>Click to edit Master title style</a:t>
             </a:r>
             <a:endParaRPr lang="en-GB"/>
@@ -553,35 +553,35 @@
           <a:p>
             <a:pPr lvl="0"/>
             <a:r>
-              <a:rPr lang="en-US" smtClean="0"/>
+              <a:rPr lang="en-US"/>
               <a:t>Edit Master text styles</a:t>
             </a:r>
           </a:p>
           <a:p>
             <a:pPr lvl="1"/>
             <a:r>
-              <a:rPr lang="en-US" smtClean="0"/>
+              <a:rPr lang="en-US"/>
               <a:t>Second level</a:t>
             </a:r>
           </a:p>
           <a:p>
             <a:pPr lvl="2"/>
             <a:r>
-              <a:rPr lang="en-US" smtClean="0"/>
+              <a:rPr lang="en-US"/>
               <a:t>Third level</a:t>
             </a:r>
           </a:p>
           <a:p>
             <a:pPr lvl="3"/>
             <a:r>
-              <a:rPr lang="en-US" smtClean="0"/>
+              <a:rPr lang="en-US"/>
               <a:t>Fourth level</a:t>
             </a:r>
           </a:p>
           <a:p>
             <a:pPr lvl="4"/>
             <a:r>
-              <a:rPr lang="en-US" smtClean="0"/>
+              <a:rPr lang="en-US"/>
               <a:t>Fifth level</a:t>
             </a:r>
             <a:endParaRPr lang="en-GB"/>
@@ -605,7 +605,7 @@
           <a:p>
             <a:fld id="{7A1285AE-E03F-47B2-A2F3-DF9918B4361A}" type="datetimeFigureOut">
               <a:rPr lang="en-GB" smtClean="0"/>
-              <a:t>09/10/2022</a:t>
+              <a:t>11/10/2024</a:t>
             </a:fld>
             <a:endParaRPr lang="en-GB"/>
           </a:p>
@@ -699,7 +699,7 @@
           <a:lstStyle/>
           <a:p>
             <a:r>
-              <a:rPr lang="en-US" smtClean="0"/>
+              <a:rPr lang="en-US"/>
               <a:t>Click to edit Master title style</a:t>
             </a:r>
             <a:endParaRPr lang="en-GB"/>
@@ -723,35 +723,35 @@
           <a:p>
             <a:pPr lvl="0"/>
             <a:r>
-              <a:rPr lang="en-US" smtClean="0"/>
+              <a:rPr lang="en-US"/>
               <a:t>Edit Master text styles</a:t>
             </a:r>
           </a:p>
           <a:p>
             <a:pPr lvl="1"/>
             <a:r>
-              <a:rPr lang="en-US" smtClean="0"/>
+              <a:rPr lang="en-US"/>
               <a:t>Second level</a:t>
             </a:r>
           </a:p>
           <a:p>
             <a:pPr lvl="2"/>
             <a:r>
-              <a:rPr lang="en-US" smtClean="0"/>
+              <a:rPr lang="en-US"/>
               <a:t>Third level</a:t>
             </a:r>
           </a:p>
           <a:p>
             <a:pPr lvl="3"/>
             <a:r>
-              <a:rPr lang="en-US" smtClean="0"/>
+              <a:rPr lang="en-US"/>
               <a:t>Fourth level</a:t>
             </a:r>
           </a:p>
           <a:p>
             <a:pPr lvl="4"/>
             <a:r>
-              <a:rPr lang="en-US" smtClean="0"/>
+              <a:rPr lang="en-US"/>
               <a:t>Fifth level</a:t>
             </a:r>
             <a:endParaRPr lang="en-GB"/>
@@ -775,7 +775,7 @@
           <a:p>
             <a:fld id="{7A1285AE-E03F-47B2-A2F3-DF9918B4361A}" type="datetimeFigureOut">
               <a:rPr lang="en-GB" smtClean="0"/>
-              <a:t>09/10/2022</a:t>
+              <a:t>11/10/2024</a:t>
             </a:fld>
             <a:endParaRPr lang="en-GB"/>
           </a:p>
@@ -878,7 +878,7 @@
           </a:lstStyle>
           <a:p>
             <a:r>
-              <a:rPr lang="en-US" smtClean="0"/>
+              <a:rPr lang="en-US"/>
               <a:t>Click to edit Master title style</a:t>
             </a:r>
             <a:endParaRPr lang="en-GB"/>
@@ -998,7 +998,7 @@
           <a:p>
             <a:pPr lvl="0"/>
             <a:r>
-              <a:rPr lang="en-US" smtClean="0"/>
+              <a:rPr lang="en-US"/>
               <a:t>Edit Master text styles</a:t>
             </a:r>
           </a:p>
@@ -1021,7 +1021,7 @@
           <a:p>
             <a:fld id="{7A1285AE-E03F-47B2-A2F3-DF9918B4361A}" type="datetimeFigureOut">
               <a:rPr lang="en-GB" smtClean="0"/>
-              <a:t>09/10/2022</a:t>
+              <a:t>11/10/2024</a:t>
             </a:fld>
             <a:endParaRPr lang="en-GB"/>
           </a:p>
@@ -1115,7 +1115,7 @@
           <a:lstStyle/>
           <a:p>
             <a:r>
-              <a:rPr lang="en-US" smtClean="0"/>
+              <a:rPr lang="en-US"/>
               <a:t>Click to edit Master title style</a:t>
             </a:r>
             <a:endParaRPr lang="en-GB"/>
@@ -1144,35 +1144,35 @@
           <a:p>
             <a:pPr lvl="0"/>
             <a:r>
-              <a:rPr lang="en-US" smtClean="0"/>
+              <a:rPr lang="en-US"/>
               <a:t>Edit Master text styles</a:t>
             </a:r>
           </a:p>
           <a:p>
             <a:pPr lvl="1"/>
             <a:r>
-              <a:rPr lang="en-US" smtClean="0"/>
+              <a:rPr lang="en-US"/>
               <a:t>Second level</a:t>
             </a:r>
           </a:p>
           <a:p>
             <a:pPr lvl="2"/>
             <a:r>
-              <a:rPr lang="en-US" smtClean="0"/>
+              <a:rPr lang="en-US"/>
               <a:t>Third level</a:t>
             </a:r>
           </a:p>
           <a:p>
             <a:pPr lvl="3"/>
             <a:r>
-              <a:rPr lang="en-US" smtClean="0"/>
+              <a:rPr lang="en-US"/>
               <a:t>Fourth level</a:t>
             </a:r>
           </a:p>
           <a:p>
             <a:pPr lvl="4"/>
             <a:r>
-              <a:rPr lang="en-US" smtClean="0"/>
+              <a:rPr lang="en-US"/>
               <a:t>Fifth level</a:t>
             </a:r>
             <a:endParaRPr lang="en-GB"/>
@@ -1201,35 +1201,35 @@
           <a:p>
             <a:pPr lvl="0"/>
             <a:r>
-              <a:rPr lang="en-US" smtClean="0"/>
+              <a:rPr lang="en-US"/>
               <a:t>Edit Master text styles</a:t>
             </a:r>
           </a:p>
           <a:p>
             <a:pPr lvl="1"/>
             <a:r>
-              <a:rPr lang="en-US" smtClean="0"/>
+              <a:rPr lang="en-US"/>
               <a:t>Second level</a:t>
             </a:r>
           </a:p>
           <a:p>
             <a:pPr lvl="2"/>
             <a:r>
-              <a:rPr lang="en-US" smtClean="0"/>
+              <a:rPr lang="en-US"/>
               <a:t>Third level</a:t>
             </a:r>
           </a:p>
           <a:p>
             <a:pPr lvl="3"/>
             <a:r>
-              <a:rPr lang="en-US" smtClean="0"/>
+              <a:rPr lang="en-US"/>
               <a:t>Fourth level</a:t>
             </a:r>
           </a:p>
           <a:p>
             <a:pPr lvl="4"/>
             <a:r>
-              <a:rPr lang="en-US" smtClean="0"/>
+              <a:rPr lang="en-US"/>
               <a:t>Fifth level</a:t>
             </a:r>
             <a:endParaRPr lang="en-GB"/>
@@ -1253,7 +1253,7 @@
           <a:p>
             <a:fld id="{7A1285AE-E03F-47B2-A2F3-DF9918B4361A}" type="datetimeFigureOut">
               <a:rPr lang="en-GB" smtClean="0"/>
-              <a:t>09/10/2022</a:t>
+              <a:t>11/10/2024</a:t>
             </a:fld>
             <a:endParaRPr lang="en-GB"/>
           </a:p>
@@ -1352,7 +1352,7 @@
           <a:lstStyle/>
           <a:p>
             <a:r>
-              <a:rPr lang="en-US" smtClean="0"/>
+              <a:rPr lang="en-US"/>
               <a:t>Click to edit Master title style</a:t>
             </a:r>
             <a:endParaRPr lang="en-GB"/>
@@ -1418,7 +1418,7 @@
           <a:p>
             <a:pPr lvl="0"/>
             <a:r>
-              <a:rPr lang="en-US" smtClean="0"/>
+              <a:rPr lang="en-US"/>
               <a:t>Edit Master text styles</a:t>
             </a:r>
           </a:p>
@@ -1446,35 +1446,35 @@
           <a:p>
             <a:pPr lvl="0"/>
             <a:r>
-              <a:rPr lang="en-US" smtClean="0"/>
+              <a:rPr lang="en-US"/>
               <a:t>Edit Master text styles</a:t>
             </a:r>
           </a:p>
           <a:p>
             <a:pPr lvl="1"/>
             <a:r>
-              <a:rPr lang="en-US" smtClean="0"/>
+              <a:rPr lang="en-US"/>
               <a:t>Second level</a:t>
             </a:r>
           </a:p>
           <a:p>
             <a:pPr lvl="2"/>
             <a:r>
-              <a:rPr lang="en-US" smtClean="0"/>
+              <a:rPr lang="en-US"/>
               <a:t>Third level</a:t>
             </a:r>
           </a:p>
           <a:p>
             <a:pPr lvl="3"/>
             <a:r>
-              <a:rPr lang="en-US" smtClean="0"/>
+              <a:rPr lang="en-US"/>
               <a:t>Fourth level</a:t>
             </a:r>
           </a:p>
           <a:p>
             <a:pPr lvl="4"/>
             <a:r>
-              <a:rPr lang="en-US" smtClean="0"/>
+              <a:rPr lang="en-US"/>
               <a:t>Fifth level</a:t>
             </a:r>
             <a:endParaRPr lang="en-GB"/>
@@ -1540,7 +1540,7 @@
           <a:p>
             <a:pPr lvl="0"/>
             <a:r>
-              <a:rPr lang="en-US" smtClean="0"/>
+              <a:rPr lang="en-US"/>
               <a:t>Edit Master text styles</a:t>
             </a:r>
           </a:p>
@@ -1568,35 +1568,35 @@
           <a:p>
             <a:pPr lvl="0"/>
             <a:r>
-              <a:rPr lang="en-US" smtClean="0"/>
+              <a:rPr lang="en-US"/>
               <a:t>Edit Master text styles</a:t>
             </a:r>
           </a:p>
           <a:p>
             <a:pPr lvl="1"/>
             <a:r>
-              <a:rPr lang="en-US" smtClean="0"/>
+              <a:rPr lang="en-US"/>
               <a:t>Second level</a:t>
             </a:r>
           </a:p>
           <a:p>
             <a:pPr lvl="2"/>
             <a:r>
-              <a:rPr lang="en-US" smtClean="0"/>
+              <a:rPr lang="en-US"/>
               <a:t>Third level</a:t>
             </a:r>
           </a:p>
           <a:p>
             <a:pPr lvl="3"/>
             <a:r>
-              <a:rPr lang="en-US" smtClean="0"/>
+              <a:rPr lang="en-US"/>
               <a:t>Fourth level</a:t>
             </a:r>
           </a:p>
           <a:p>
             <a:pPr lvl="4"/>
             <a:r>
-              <a:rPr lang="en-US" smtClean="0"/>
+              <a:rPr lang="en-US"/>
               <a:t>Fifth level</a:t>
             </a:r>
             <a:endParaRPr lang="en-GB"/>
@@ -1620,7 +1620,7 @@
           <a:p>
             <a:fld id="{7A1285AE-E03F-47B2-A2F3-DF9918B4361A}" type="datetimeFigureOut">
               <a:rPr lang="en-GB" smtClean="0"/>
-              <a:t>09/10/2022</a:t>
+              <a:t>11/10/2024</a:t>
             </a:fld>
             <a:endParaRPr lang="en-GB"/>
           </a:p>
@@ -1714,7 +1714,7 @@
           <a:lstStyle/>
           <a:p>
             <a:r>
-              <a:rPr lang="en-US" smtClean="0"/>
+              <a:rPr lang="en-US"/>
               <a:t>Click to edit Master title style</a:t>
             </a:r>
             <a:endParaRPr lang="en-GB"/>
@@ -1738,7 +1738,7 @@
           <a:p>
             <a:fld id="{7A1285AE-E03F-47B2-A2F3-DF9918B4361A}" type="datetimeFigureOut">
               <a:rPr lang="en-GB" smtClean="0"/>
-              <a:t>09/10/2022</a:t>
+              <a:t>11/10/2024</a:t>
             </a:fld>
             <a:endParaRPr lang="en-GB"/>
           </a:p>
@@ -1833,7 +1833,7 @@
           <a:p>
             <a:fld id="{7A1285AE-E03F-47B2-A2F3-DF9918B4361A}" type="datetimeFigureOut">
               <a:rPr lang="en-GB" smtClean="0"/>
-              <a:t>09/10/2022</a:t>
+              <a:t>11/10/2024</a:t>
             </a:fld>
             <a:endParaRPr lang="en-GB"/>
           </a:p>
@@ -1936,7 +1936,7 @@
           </a:lstStyle>
           <a:p>
             <a:r>
-              <a:rPr lang="en-US" smtClean="0"/>
+              <a:rPr lang="en-US"/>
               <a:t>Click to edit Master title style</a:t>
             </a:r>
             <a:endParaRPr lang="en-GB"/>
@@ -1993,35 +1993,35 @@
           <a:p>
             <a:pPr lvl="0"/>
             <a:r>
-              <a:rPr lang="en-US" smtClean="0"/>
+              <a:rPr lang="en-US"/>
               <a:t>Edit Master text styles</a:t>
             </a:r>
           </a:p>
           <a:p>
             <a:pPr lvl="1"/>
             <a:r>
-              <a:rPr lang="en-US" smtClean="0"/>
+              <a:rPr lang="en-US"/>
               <a:t>Second level</a:t>
             </a:r>
           </a:p>
           <a:p>
             <a:pPr lvl="2"/>
             <a:r>
-              <a:rPr lang="en-US" smtClean="0"/>
+              <a:rPr lang="en-US"/>
               <a:t>Third level</a:t>
             </a:r>
           </a:p>
           <a:p>
             <a:pPr lvl="3"/>
             <a:r>
-              <a:rPr lang="en-US" smtClean="0"/>
+              <a:rPr lang="en-US"/>
               <a:t>Fourth level</a:t>
             </a:r>
           </a:p>
           <a:p>
             <a:pPr lvl="4"/>
             <a:r>
-              <a:rPr lang="en-US" smtClean="0"/>
+              <a:rPr lang="en-US"/>
               <a:t>Fifth level</a:t>
             </a:r>
             <a:endParaRPr lang="en-GB"/>
@@ -2087,7 +2087,7 @@
           <a:p>
             <a:pPr lvl="0"/>
             <a:r>
-              <a:rPr lang="en-US" smtClean="0"/>
+              <a:rPr lang="en-US"/>
               <a:t>Edit Master text styles</a:t>
             </a:r>
           </a:p>
@@ -2110,7 +2110,7 @@
           <a:p>
             <a:fld id="{7A1285AE-E03F-47B2-A2F3-DF9918B4361A}" type="datetimeFigureOut">
               <a:rPr lang="en-GB" smtClean="0"/>
-              <a:t>09/10/2022</a:t>
+              <a:t>11/10/2024</a:t>
             </a:fld>
             <a:endParaRPr lang="en-GB"/>
           </a:p>
@@ -2213,7 +2213,7 @@
           </a:lstStyle>
           <a:p>
             <a:r>
-              <a:rPr lang="en-US" smtClean="0"/>
+              <a:rPr lang="en-US"/>
               <a:t>Click to edit Master title style</a:t>
             </a:r>
             <a:endParaRPr lang="en-GB"/>
@@ -2340,7 +2340,7 @@
           <a:p>
             <a:pPr lvl="0"/>
             <a:r>
-              <a:rPr lang="en-US" smtClean="0"/>
+              <a:rPr lang="en-US"/>
               <a:t>Edit Master text styles</a:t>
             </a:r>
           </a:p>
@@ -2363,7 +2363,7 @@
           <a:p>
             <a:fld id="{7A1285AE-E03F-47B2-A2F3-DF9918B4361A}" type="datetimeFigureOut">
               <a:rPr lang="en-GB" smtClean="0"/>
-              <a:t>09/10/2022</a:t>
+              <a:t>11/10/2024</a:t>
             </a:fld>
             <a:endParaRPr lang="en-GB"/>
           </a:p>
@@ -2472,7 +2472,7 @@
           <a:lstStyle/>
           <a:p>
             <a:r>
-              <a:rPr lang="en-US" smtClean="0"/>
+              <a:rPr lang="en-US"/>
               <a:t>Click to edit Master title style</a:t>
             </a:r>
             <a:endParaRPr lang="en-GB"/>
@@ -2506,35 +2506,35 @@
           <a:p>
             <a:pPr lvl="0"/>
             <a:r>
-              <a:rPr lang="en-US" smtClean="0"/>
+              <a:rPr lang="en-US"/>
               <a:t>Edit Master text styles</a:t>
             </a:r>
           </a:p>
           <a:p>
             <a:pPr lvl="1"/>
             <a:r>
-              <a:rPr lang="en-US" smtClean="0"/>
+              <a:rPr lang="en-US"/>
               <a:t>Second level</a:t>
             </a:r>
           </a:p>
           <a:p>
             <a:pPr lvl="2"/>
             <a:r>
-              <a:rPr lang="en-US" smtClean="0"/>
+              <a:rPr lang="en-US"/>
               <a:t>Third level</a:t>
             </a:r>
           </a:p>
           <a:p>
             <a:pPr lvl="3"/>
             <a:r>
-              <a:rPr lang="en-US" smtClean="0"/>
+              <a:rPr lang="en-US"/>
               <a:t>Fourth level</a:t>
             </a:r>
           </a:p>
           <a:p>
             <a:pPr lvl="4"/>
             <a:r>
-              <a:rPr lang="en-US" smtClean="0"/>
+              <a:rPr lang="en-US"/>
               <a:t>Fifth level</a:t>
             </a:r>
             <a:endParaRPr lang="en-GB"/>
@@ -2576,7 +2576,7 @@
           <a:p>
             <a:fld id="{7A1285AE-E03F-47B2-A2F3-DF9918B4361A}" type="datetimeFigureOut">
               <a:rPr lang="en-GB" smtClean="0"/>
-              <a:t>09/10/2022</a:t>
+              <a:t>11/10/2024</a:t>
             </a:fld>
             <a:endParaRPr lang="en-GB"/>
           </a:p>
@@ -3076,10 +3076,9 @@
           <a:lstStyle/>
           <a:p>
             <a:r>
-              <a:rPr lang="en-GB" dirty="0" smtClean="0"/>
+              <a:rPr lang="en-GB" dirty="0"/>
               <a:t>RT</a:t>
             </a:r>
-            <a:endParaRPr lang="en-GB" dirty="0"/>
           </a:p>
         </p:txBody>
       </p:sp>
@@ -3114,8 +3113,8 @@
           </a:fontRef>
         </p:style>
       </p:cxnSp>
-      <mc:AlternateContent xmlns:mc="http://schemas.openxmlformats.org/markup-compatibility/2006" xmlns:a14="http://schemas.microsoft.com/office/drawing/2010/main">
-        <mc:Choice Requires="a14">
+      <mc:AlternateContent xmlns:mc="http://schemas.openxmlformats.org/markup-compatibility/2006">
+        <mc:Choice xmlns:a14="http://schemas.microsoft.com/office/drawing/2010/main" Requires="a14">
           <p:sp>
             <p:nvSpPr>
               <p:cNvPr id="15" name="TextBox 14"/>
@@ -3155,11 +3154,11 @@
                         </m:sSubPr>
                         <m:e>
                           <m:r>
-                            <a:rPr lang="en-GB" i="1" smtClean="0">
+                            <a:rPr lang="en-GB" b="0" i="1" smtClean="0">
                               <a:latin typeface="Cambria Math" panose="02040503050406030204" pitchFamily="18" charset="0"/>
                               <a:ea typeface="Cambria Math" panose="02040503050406030204" pitchFamily="18" charset="0"/>
                             </a:rPr>
-                            <m:t>𝛽</m:t>
+                            <m:t>𝑏</m:t>
                           </m:r>
                         </m:e>
                         <m:sub>
@@ -3179,7 +3178,7 @@
             </p:txBody>
           </p:sp>
         </mc:Choice>
-        <mc:Fallback xmlns="">
+        <mc:Fallback>
           <p:sp>
             <p:nvSpPr>
               <p:cNvPr id="15" name="TextBox 14"/>
@@ -3199,7 +3198,7 @@
               <a:blipFill>
                 <a:blip r:embed="rId2"/>
                 <a:stretch>
-                  <a:fillRect l="-30435" t="-2174" r="-8696" b="-32609"/>
+                  <a:fillRect l="-19565" r="-6522" b="-15217"/>
                 </a:stretch>
               </a:blipFill>
             </p:spPr>
@@ -3232,8 +3231,8 @@
             <a:chExt cx="833396" cy="491652"/>
           </a:xfrm>
         </p:grpSpPr>
-        <mc:AlternateContent xmlns:mc="http://schemas.openxmlformats.org/markup-compatibility/2006" xmlns:a14="http://schemas.microsoft.com/office/drawing/2010/main">
-          <mc:Choice Requires="a14">
+        <mc:AlternateContent xmlns:mc="http://schemas.openxmlformats.org/markup-compatibility/2006">
+          <mc:Choice xmlns:a14="http://schemas.microsoft.com/office/drawing/2010/main" Requires="a14">
             <p:sp>
               <p:nvSpPr>
                 <p:cNvPr id="17" name="TextBox 16"/>
@@ -3273,11 +3272,11 @@
                           </m:sSubPr>
                           <m:e>
                             <m:r>
-                              <a:rPr lang="en-GB" i="1" smtClean="0">
+                              <a:rPr lang="en-GB" b="0" i="1" smtClean="0">
                                 <a:latin typeface="Cambria Math" panose="02040503050406030204" pitchFamily="18" charset="0"/>
                                 <a:ea typeface="Cambria Math" panose="02040503050406030204" pitchFamily="18" charset="0"/>
                               </a:rPr>
-                              <m:t>𝛽</m:t>
+                              <m:t>𝑏</m:t>
                             </m:r>
                           </m:e>
                           <m:sub>
@@ -3297,7 +3296,7 @@
               </p:txBody>
             </p:sp>
           </mc:Choice>
-          <mc:Fallback xmlns="">
+          <mc:Fallback>
             <p:sp>
               <p:nvSpPr>
                 <p:cNvPr id="17" name="TextBox 16"/>
@@ -3317,7 +3316,7 @@
                 <a:blipFill>
                   <a:blip r:embed="rId3"/>
                   <a:stretch>
-                    <a:fillRect l="-30435" t="-2174" r="-8696" b="-32609"/>
+                    <a:fillRect l="-19565" r="-6522" b="-15217"/>
                   </a:stretch>
                 </a:blipFill>
               </p:spPr>
@@ -3430,16 +3429,15 @@
             <a:lstStyle/>
             <a:p>
               <a:r>
-                <a:rPr lang="en-GB" sz="1400" dirty="0" smtClean="0"/>
+                <a:rPr lang="en-GB" sz="1400" dirty="0"/>
                 <a:t>1</a:t>
               </a:r>
-              <a:endParaRPr lang="en-GB" sz="1400" dirty="0"/>
             </a:p>
           </p:txBody>
         </p:sp>
       </p:grpSp>
-      <mc:AlternateContent xmlns:mc="http://schemas.openxmlformats.org/markup-compatibility/2006" xmlns:a14="http://schemas.microsoft.com/office/drawing/2010/main">
-        <mc:Choice Requires="a14">
+      <mc:AlternateContent xmlns:mc="http://schemas.openxmlformats.org/markup-compatibility/2006">
+        <mc:Choice xmlns:a14="http://schemas.microsoft.com/office/drawing/2010/main" Requires="a14">
           <p:sp>
             <p:nvSpPr>
               <p:cNvPr id="21" name="TextBox 20"/>
@@ -3467,19 +3465,12 @@
                     <a:latin typeface="Courier New" panose="02070309020205020404" pitchFamily="49" charset="0"/>
                     <a:cs typeface="Courier New" panose="02070309020205020404" pitchFamily="49" charset="0"/>
                   </a:rPr>
-                  <a:t>l</a:t>
-                </a:r>
-                <a:r>
-                  <a:rPr lang="en-GB" dirty="0" smtClean="0">
-                    <a:latin typeface="Courier New" panose="02070309020205020404" pitchFamily="49" charset="0"/>
-                    <a:cs typeface="Courier New" panose="02070309020205020404" pitchFamily="49" charset="0"/>
-                  </a:rPr>
-                  <a:t>m(RT ~ 1 + Days)</a:t>
+                  <a:t>lm(RT ~ 1 + Days)</a:t>
                 </a:r>
               </a:p>
               <a:p>
                 <a:r>
-                  <a:rPr lang="en-GB" dirty="0" smtClean="0"/>
+                  <a:rPr lang="en-GB" dirty="0"/>
                   <a:t>Intercept </a:t>
                 </a:r>
                 <a:r>
@@ -3487,7 +3478,7 @@
                   <a:t>(RT at day 0) </a:t>
                 </a:r>
                 <a:r>
-                  <a:rPr lang="en-GB" dirty="0" smtClean="0"/>
+                  <a:rPr lang="en-GB" dirty="0"/>
                   <a:t>= </a:t>
                 </a:r>
                 <a14:m>
@@ -3502,11 +3493,10 @@
                       </m:sSubPr>
                       <m:e>
                         <m:r>
-                          <a:rPr lang="en-GB" i="1" smtClean="0">
+                          <a:rPr lang="en-GB" b="0" i="1" smtClean="0">
                             <a:latin typeface="Cambria Math" panose="02040503050406030204" pitchFamily="18" charset="0"/>
-                            <a:ea typeface="Cambria Math" panose="02040503050406030204" pitchFamily="18" charset="0"/>
                           </a:rPr>
-                          <m:t>𝛽</m:t>
+                          <m:t>𝑏</m:t>
                         </m:r>
                       </m:e>
                       <m:sub>
@@ -3520,23 +3510,19 @@
                     </m:sSub>
                   </m:oMath>
                 </a14:m>
-                <a:endParaRPr lang="en-GB" sz="1200" dirty="0" smtClean="0"/>
+                <a:endParaRPr lang="en-GB" sz="1200" dirty="0"/>
               </a:p>
               <a:p>
                 <a:r>
-                  <a:rPr lang="en-GB" dirty="0" smtClean="0"/>
+                  <a:rPr lang="en-GB" dirty="0"/>
                   <a:t>Slope </a:t>
                 </a:r>
                 <a:r>
                   <a:rPr lang="en-GB" sz="1200" dirty="0"/>
-                  <a:t>(Change in RT each day</a:t>
+                  <a:t>(Change in RT each day) </a:t>
                 </a:r>
                 <a:r>
-                  <a:rPr lang="en-GB" sz="1200" dirty="0" smtClean="0"/>
-                  <a:t>) </a:t>
-                </a:r>
-                <a:r>
-                  <a:rPr lang="en-GB" dirty="0" smtClean="0"/>
+                  <a:rPr lang="en-GB" dirty="0"/>
                   <a:t>= </a:t>
                 </a:r>
                 <a14:m>
@@ -3551,11 +3537,11 @@
                       </m:sSubPr>
                       <m:e>
                         <m:r>
-                          <a:rPr lang="en-GB" i="1" smtClean="0">
+                          <a:rPr lang="en-GB" b="0" i="1" smtClean="0">
                             <a:latin typeface="Cambria Math" panose="02040503050406030204" pitchFamily="18" charset="0"/>
                             <a:ea typeface="Cambria Math" panose="02040503050406030204" pitchFamily="18" charset="0"/>
                           </a:rPr>
-                          <m:t>𝛽</m:t>
+                          <m:t>𝑏</m:t>
                         </m:r>
                       </m:e>
                       <m:sub>
@@ -3575,7 +3561,7 @@
             </p:txBody>
           </p:sp>
         </mc:Choice>
-        <mc:Fallback xmlns="">
+        <mc:Fallback>
           <p:sp>
             <p:nvSpPr>
               <p:cNvPr id="21" name="TextBox 20"/>
@@ -3638,13 +3624,8 @@
           <a:p>
             <a:r>
               <a:rPr lang="en-GB" dirty="0"/>
-              <a:t>d</a:t>
+              <a:t>days of sleep deprivation</a:t>
             </a:r>
-            <a:r>
-              <a:rPr lang="en-GB" dirty="0" smtClean="0"/>
-              <a:t>ays of sleep deprivation</a:t>
-            </a:r>
-            <a:endParaRPr lang="en-GB" dirty="0"/>
           </a:p>
         </p:txBody>
       </p:sp>
@@ -3855,7 +3836,6 @@
               <a:headEnd/>
               <a:tailEnd/>
             </a:ln>
-            <a:extLst/>
           </p:spPr>
           <p:txBody>
             <a:bodyPr vert="horz" wrap="square" lIns="91440" tIns="45720" rIns="91440" bIns="45720" numCol="1" anchor="t" anchorCtr="0" compatLnSpc="1">
@@ -3895,7 +3875,6 @@
               <a:headEnd/>
               <a:tailEnd/>
             </a:ln>
-            <a:extLst/>
           </p:spPr>
           <p:txBody>
             <a:bodyPr vert="horz" wrap="square" lIns="91440" tIns="45720" rIns="91440" bIns="45720" numCol="1" anchor="t" anchorCtr="0" compatLnSpc="1">
@@ -3935,7 +3914,6 @@
               <a:headEnd/>
               <a:tailEnd/>
             </a:ln>
-            <a:extLst/>
           </p:spPr>
           <p:txBody>
             <a:bodyPr vert="horz" wrap="square" lIns="91440" tIns="45720" rIns="91440" bIns="45720" numCol="1" anchor="t" anchorCtr="0" compatLnSpc="1">
@@ -3975,7 +3953,6 @@
               <a:headEnd/>
               <a:tailEnd/>
             </a:ln>
-            <a:extLst/>
           </p:spPr>
           <p:txBody>
             <a:bodyPr vert="horz" wrap="square" lIns="91440" tIns="45720" rIns="91440" bIns="45720" numCol="1" anchor="t" anchorCtr="0" compatLnSpc="1">
@@ -4015,7 +3992,6 @@
               <a:headEnd/>
               <a:tailEnd/>
             </a:ln>
-            <a:extLst/>
           </p:spPr>
           <p:txBody>
             <a:bodyPr vert="horz" wrap="square" lIns="91440" tIns="45720" rIns="91440" bIns="45720" numCol="1" anchor="t" anchorCtr="0" compatLnSpc="1">
@@ -4055,7 +4031,6 @@
               <a:headEnd/>
               <a:tailEnd/>
             </a:ln>
-            <a:extLst/>
           </p:spPr>
           <p:txBody>
             <a:bodyPr vert="horz" wrap="square" lIns="91440" tIns="45720" rIns="91440" bIns="45720" numCol="1" anchor="t" anchorCtr="0" compatLnSpc="1">
@@ -4095,7 +4070,6 @@
               <a:headEnd/>
               <a:tailEnd/>
             </a:ln>
-            <a:extLst/>
           </p:spPr>
           <p:txBody>
             <a:bodyPr vert="horz" wrap="square" lIns="91440" tIns="45720" rIns="91440" bIns="45720" numCol="1" anchor="t" anchorCtr="0" compatLnSpc="1">
@@ -4135,7 +4109,6 @@
               <a:headEnd/>
               <a:tailEnd/>
             </a:ln>
-            <a:extLst/>
           </p:spPr>
           <p:txBody>
             <a:bodyPr vert="horz" wrap="square" lIns="91440" tIns="45720" rIns="91440" bIns="45720" numCol="1" anchor="t" anchorCtr="0" compatLnSpc="1">
@@ -4175,7 +4148,6 @@
               <a:headEnd/>
               <a:tailEnd/>
             </a:ln>
-            <a:extLst/>
           </p:spPr>
           <p:txBody>
             <a:bodyPr vert="horz" wrap="square" lIns="91440" tIns="45720" rIns="91440" bIns="45720" numCol="1" anchor="t" anchorCtr="0" compatLnSpc="1">
@@ -5544,7 +5516,6 @@
               <a:headEnd/>
               <a:tailEnd/>
             </a:ln>
-            <a:extLst/>
           </p:spPr>
           <p:txBody>
             <a:bodyPr vert="horz" wrap="square" lIns="91440" tIns="45720" rIns="91440" bIns="45720" numCol="1" anchor="t" anchorCtr="0" compatLnSpc="1">
@@ -5584,7 +5555,6 @@
               <a:headEnd/>
               <a:tailEnd/>
             </a:ln>
-            <a:extLst/>
           </p:spPr>
           <p:txBody>
             <a:bodyPr vert="horz" wrap="square" lIns="91440" tIns="45720" rIns="91440" bIns="45720" numCol="1" anchor="t" anchorCtr="0" compatLnSpc="1">
@@ -5624,7 +5594,6 @@
               <a:headEnd/>
               <a:tailEnd/>
             </a:ln>
-            <a:extLst/>
           </p:spPr>
           <p:txBody>
             <a:bodyPr vert="horz" wrap="square" lIns="91440" tIns="45720" rIns="91440" bIns="45720" numCol="1" anchor="t" anchorCtr="0" compatLnSpc="1">
@@ -5664,7 +5633,6 @@
               <a:headEnd/>
               <a:tailEnd/>
             </a:ln>
-            <a:extLst/>
           </p:spPr>
           <p:txBody>
             <a:bodyPr vert="horz" wrap="square" lIns="91440" tIns="45720" rIns="91440" bIns="45720" numCol="1" anchor="t" anchorCtr="0" compatLnSpc="1">
@@ -5704,7 +5672,6 @@
               <a:headEnd/>
               <a:tailEnd/>
             </a:ln>
-            <a:extLst/>
           </p:spPr>
           <p:txBody>
             <a:bodyPr vert="horz" wrap="square" lIns="91440" tIns="45720" rIns="91440" bIns="45720" numCol="1" anchor="t" anchorCtr="0" compatLnSpc="1">
@@ -5744,7 +5711,6 @@
               <a:headEnd/>
               <a:tailEnd/>
             </a:ln>
-            <a:extLst/>
           </p:spPr>
           <p:txBody>
             <a:bodyPr vert="horz" wrap="square" lIns="91440" tIns="45720" rIns="91440" bIns="45720" numCol="1" anchor="t" anchorCtr="0" compatLnSpc="1">
@@ -5784,7 +5750,6 @@
               <a:headEnd/>
               <a:tailEnd/>
             </a:ln>
-            <a:extLst/>
           </p:spPr>
           <p:txBody>
             <a:bodyPr vert="horz" wrap="square" lIns="91440" tIns="45720" rIns="91440" bIns="45720" numCol="1" anchor="t" anchorCtr="0" compatLnSpc="1">
@@ -5824,7 +5789,6 @@
               <a:headEnd/>
               <a:tailEnd/>
             </a:ln>
-            <a:extLst/>
           </p:spPr>
           <p:txBody>
             <a:bodyPr vert="horz" wrap="square" lIns="91440" tIns="45720" rIns="91440" bIns="45720" numCol="1" anchor="t" anchorCtr="0" compatLnSpc="1">
@@ -5864,7 +5828,6 @@
               <a:headEnd/>
               <a:tailEnd/>
             </a:ln>
-            <a:extLst/>
           </p:spPr>
           <p:txBody>
             <a:bodyPr vert="horz" wrap="square" lIns="91440" tIns="45720" rIns="91440" bIns="45720" numCol="1" anchor="t" anchorCtr="0" compatLnSpc="1">
@@ -6002,10 +5965,9 @@
           <a:lstStyle/>
           <a:p>
             <a:r>
-              <a:rPr lang="en-GB" dirty="0" smtClean="0"/>
+              <a:rPr lang="en-GB" dirty="0"/>
               <a:t>Tom</a:t>
             </a:r>
-            <a:endParaRPr lang="en-GB" dirty="0"/>
           </a:p>
         </p:txBody>
       </p:sp>
@@ -6070,10 +6032,9 @@
           <a:lstStyle/>
           <a:p>
             <a:r>
-              <a:rPr lang="en-GB" dirty="0" smtClean="0"/>
+              <a:rPr lang="en-GB" dirty="0"/>
               <a:t>Josiah</a:t>
             </a:r>
-            <a:endParaRPr lang="en-GB" dirty="0"/>
           </a:p>
         </p:txBody>
       </p:sp>
@@ -6325,10 +6286,9 @@
           <a:lstStyle/>
           <a:p>
             <a:r>
-              <a:rPr lang="en-GB" dirty="0" smtClean="0"/>
+              <a:rPr lang="en-GB" dirty="0"/>
               <a:t>RT</a:t>
             </a:r>
-            <a:endParaRPr lang="en-GB" dirty="0"/>
           </a:p>
         </p:txBody>
       </p:sp>
@@ -6392,8 +6352,8 @@
           </a:fontRef>
         </p:style>
       </p:cxnSp>
-      <mc:AlternateContent xmlns:mc="http://schemas.openxmlformats.org/markup-compatibility/2006" xmlns:a14="http://schemas.microsoft.com/office/drawing/2010/main">
-        <mc:Choice Requires="a14">
+      <mc:AlternateContent xmlns:mc="http://schemas.openxmlformats.org/markup-compatibility/2006">
+        <mc:Choice xmlns:a14="http://schemas.microsoft.com/office/drawing/2010/main" Requires="a14">
           <p:sp>
             <p:nvSpPr>
               <p:cNvPr id="84" name="TextBox 83"/>
@@ -6403,7 +6363,7 @@
             <p:spPr>
               <a:xfrm>
                 <a:off x="1792968" y="3441528"/>
-                <a:ext cx="368884" cy="301493"/>
+                <a:ext cx="279115" cy="276999"/>
               </a:xfrm>
               <a:prstGeom prst="rect">
                 <a:avLst/>
@@ -6442,12 +6402,6 @@
                         </m:e>
                         <m:sub>
                           <m:r>
-                            <a:rPr lang="en-GB" i="1" smtClean="0">
-                              <a:latin typeface="Cambria Math" panose="02040503050406030204" pitchFamily="18" charset="0"/>
-                            </a:rPr>
-                            <m:t>𝜁</m:t>
-                          </m:r>
-                          <m:r>
                             <a:rPr lang="en-GB" b="0" i="1" smtClean="0">
                               <a:latin typeface="Cambria Math" panose="02040503050406030204" pitchFamily="18" charset="0"/>
                             </a:rPr>
@@ -6463,7 +6417,7 @@
             </p:txBody>
           </p:sp>
         </mc:Choice>
-        <mc:Fallback xmlns="">
+        <mc:Fallback>
           <p:sp>
             <p:nvSpPr>
               <p:cNvPr id="84" name="TextBox 83"/>
@@ -6475,7 +6429,7 @@
             <p:spPr>
               <a:xfrm>
                 <a:off x="1792968" y="3441528"/>
-                <a:ext cx="368884" cy="301493"/>
+                <a:ext cx="279115" cy="276999"/>
               </a:xfrm>
               <a:prstGeom prst="rect">
                 <a:avLst/>
@@ -6483,7 +6437,7 @@
               <a:blipFill>
                 <a:blip r:embed="rId3"/>
                 <a:stretch>
-                  <a:fillRect l="-8197" r="-6557" b="-28571"/>
+                  <a:fillRect l="-13043" r="-6522" b="-15556"/>
                 </a:stretch>
               </a:blipFill>
             </p:spPr>
@@ -6930,8 +6884,8 @@
           </p:sp>
         </mc:Fallback>
       </mc:AlternateContent>
-      <mc:AlternateContent xmlns:mc="http://schemas.openxmlformats.org/markup-compatibility/2006" xmlns:a14="http://schemas.microsoft.com/office/drawing/2010/main">
-        <mc:Choice Requires="a14">
+      <mc:AlternateContent xmlns:mc="http://schemas.openxmlformats.org/markup-compatibility/2006">
+        <mc:Choice xmlns:a14="http://schemas.microsoft.com/office/drawing/2010/main" Requires="a14">
           <p:sp>
             <p:nvSpPr>
               <p:cNvPr id="87" name="TextBox 86"/>
@@ -6941,7 +6895,7 @@
             <p:spPr>
               <a:xfrm>
                 <a:off x="2568632" y="555296"/>
-                <a:ext cx="5331359" cy="972317"/>
+                <a:ext cx="5331359" cy="923330"/>
               </a:xfrm>
               <a:prstGeom prst="rect">
                 <a:avLst/>
@@ -6955,21 +6909,21 @@
               <a:lstStyle/>
               <a:p>
                 <a:r>
-                  <a:rPr lang="en-GB" dirty="0" smtClean="0">
+                  <a:rPr lang="en-GB" dirty="0">
                     <a:latin typeface="Courier New" panose="02070309020205020404" pitchFamily="49" charset="0"/>
                     <a:cs typeface="Courier New" panose="02070309020205020404" pitchFamily="49" charset="0"/>
                   </a:rPr>
                   <a:t>lmer(RT ~ 1 + Days + (1 + </a:t>
                 </a:r>
                 <a:r>
-                  <a:rPr lang="en-GB" dirty="0" err="1" smtClean="0">
+                  <a:rPr lang="en-GB" dirty="0" err="1">
                     <a:latin typeface="Courier New" panose="02070309020205020404" pitchFamily="49" charset="0"/>
                     <a:cs typeface="Courier New" panose="02070309020205020404" pitchFamily="49" charset="0"/>
                   </a:rPr>
                   <a:t>Days|ID</a:t>
                 </a:r>
                 <a:r>
-                  <a:rPr lang="en-GB" dirty="0" smtClean="0">
+                  <a:rPr lang="en-GB" dirty="0">
                     <a:latin typeface="Courier New" panose="02070309020205020404" pitchFamily="49" charset="0"/>
                     <a:cs typeface="Courier New" panose="02070309020205020404" pitchFamily="49" charset="0"/>
                   </a:rPr>
@@ -6978,7 +6932,7 @@
               </a:p>
               <a:p>
                 <a:r>
-                  <a:rPr lang="en-GB" dirty="0" smtClean="0"/>
+                  <a:rPr lang="en-GB" dirty="0"/>
                   <a:t>Intercept  </a:t>
                 </a:r>
                 <a14:m>
@@ -7058,12 +7012,6 @@
                       </m:e>
                       <m:sub>
                         <m:r>
-                          <a:rPr lang="en-GB" i="1" smtClean="0">
-                            <a:latin typeface="Cambria Math" panose="02040503050406030204" pitchFamily="18" charset="0"/>
-                          </a:rPr>
-                          <m:t>𝜁</m:t>
-                        </m:r>
-                        <m:r>
                           <a:rPr lang="en-GB" b="0" i="1" smtClean="0">
                             <a:latin typeface="Cambria Math" panose="02040503050406030204" pitchFamily="18" charset="0"/>
                           </a:rPr>
@@ -7074,13 +7022,13 @@
                   </m:oMath>
                 </a14:m>
                 <a:r>
-                  <a:rPr lang="en-GB" dirty="0" smtClean="0"/>
+                  <a:rPr lang="en-GB" dirty="0"/>
                   <a:t>)</a:t>
                 </a:r>
               </a:p>
               <a:p>
                 <a:r>
-                  <a:rPr lang="en-GB" dirty="0" smtClean="0"/>
+                  <a:rPr lang="en-GB" dirty="0"/>
                   <a:t>Slope = </a:t>
                 </a:r>
                 <a14:m>
@@ -7153,12 +7101,6 @@
                       </m:e>
                       <m:sub>
                         <m:r>
-                          <a:rPr lang="en-GB" i="1" smtClean="0">
-                            <a:latin typeface="Cambria Math" panose="02040503050406030204" pitchFamily="18" charset="0"/>
-                          </a:rPr>
-                          <m:t>𝜁</m:t>
-                        </m:r>
-                        <m:r>
                           <a:rPr lang="en-GB" b="0" i="1" smtClean="0">
                             <a:latin typeface="Cambria Math" panose="02040503050406030204" pitchFamily="18" charset="0"/>
                           </a:rPr>
@@ -7169,14 +7111,14 @@
                   </m:oMath>
                 </a14:m>
                 <a:r>
-                  <a:rPr lang="en-GB" dirty="0" smtClean="0"/>
+                  <a:rPr lang="en-GB" dirty="0"/>
                   <a:t>)</a:t>
                 </a:r>
               </a:p>
             </p:txBody>
           </p:sp>
         </mc:Choice>
-        <mc:Fallback xmlns="">
+        <mc:Fallback>
           <p:sp>
             <p:nvSpPr>
               <p:cNvPr id="87" name="TextBox 86"/>
@@ -7188,7 +7130,7 @@
             <p:spPr>
               <a:xfrm>
                 <a:off x="2568632" y="555296"/>
-                <a:ext cx="5331359" cy="972317"/>
+                <a:ext cx="5331359" cy="923330"/>
               </a:xfrm>
               <a:prstGeom prst="rect">
                 <a:avLst/>
@@ -7196,7 +7138,7 @@
               <a:blipFill>
                 <a:blip r:embed="rId6"/>
                 <a:stretch>
-                  <a:fillRect l="-914" t="-3125" b="-6875"/>
+                  <a:fillRect l="-914" t="-3289" b="-9211"/>
                 </a:stretch>
               </a:blipFill>
             </p:spPr>
@@ -7426,10 +7368,9 @@
             <a:lstStyle/>
             <a:p>
               <a:r>
-                <a:rPr lang="en-GB" sz="1400" dirty="0" smtClean="0"/>
+                <a:rPr lang="en-GB" sz="1400" dirty="0"/>
                 <a:t>1</a:t>
               </a:r>
-              <a:endParaRPr lang="en-GB" sz="1400" dirty="0"/>
             </a:p>
           </p:txBody>
         </p:sp>
@@ -7502,7 +7443,7 @@
                     </m:oMath>
                   </a14:m>
                   <a:r>
-                    <a:rPr lang="en-GB" dirty="0" smtClean="0"/>
+                    <a:rPr lang="en-GB" dirty="0"/>
                     <a:t> + </a:t>
                   </a:r>
                   <a14:m>
@@ -7698,10 +7639,9 @@
             <a:lstStyle/>
             <a:p>
               <a:r>
-                <a:rPr lang="en-GB" sz="1400" dirty="0" smtClean="0"/>
+                <a:rPr lang="en-GB" sz="1400" dirty="0"/>
                 <a:t>1</a:t>
               </a:r>
-              <a:endParaRPr lang="en-GB" sz="1400" dirty="0"/>
             </a:p>
           </p:txBody>
         </p:sp>
@@ -7774,7 +7714,7 @@
                     </m:oMath>
                   </a14:m>
                   <a:r>
-                    <a:rPr lang="en-GB" dirty="0" smtClean="0"/>
+                    <a:rPr lang="en-GB" dirty="0"/>
                     <a:t> +</a:t>
                   </a:r>
                   <a14:m>
@@ -7979,10 +7919,9 @@
             <a:lstStyle/>
             <a:p>
               <a:r>
-                <a:rPr lang="en-GB" sz="1400" dirty="0" smtClean="0"/>
+                <a:rPr lang="en-GB" sz="1400" dirty="0"/>
                 <a:t>1</a:t>
               </a:r>
-              <a:endParaRPr lang="en-GB" sz="1400" dirty="0"/>
             </a:p>
           </p:txBody>
         </p:sp>
@@ -8288,8 +8227,8 @@
           </p:sp>
         </mc:Fallback>
       </mc:AlternateContent>
-      <mc:AlternateContent xmlns:mc="http://schemas.openxmlformats.org/markup-compatibility/2006" xmlns:a14="http://schemas.microsoft.com/office/drawing/2010/main">
-        <mc:Choice Requires="a14">
+      <mc:AlternateContent xmlns:mc="http://schemas.openxmlformats.org/markup-compatibility/2006">
+        <mc:Choice xmlns:a14="http://schemas.microsoft.com/office/drawing/2010/main" Requires="a14">
           <p:sp>
             <p:nvSpPr>
               <p:cNvPr id="157" name="TextBox 156"/>
@@ -8299,7 +8238,7 @@
             <p:spPr>
               <a:xfrm>
                 <a:off x="9541014" y="3779609"/>
-                <a:ext cx="368884" cy="301493"/>
+                <a:ext cx="273793" cy="276999"/>
               </a:xfrm>
               <a:prstGeom prst="rect">
                 <a:avLst/>
@@ -8338,12 +8277,6 @@
                         </m:e>
                         <m:sub>
                           <m:r>
-                            <a:rPr lang="en-GB" i="1" smtClean="0">
-                              <a:latin typeface="Cambria Math" panose="02040503050406030204" pitchFamily="18" charset="0"/>
-                            </a:rPr>
-                            <m:t>𝜁</m:t>
-                          </m:r>
-                          <m:r>
                             <a:rPr lang="en-GB" b="0" i="1" smtClean="0">
                               <a:latin typeface="Cambria Math" panose="02040503050406030204" pitchFamily="18" charset="0"/>
                             </a:rPr>
@@ -8359,7 +8292,7 @@
             </p:txBody>
           </p:sp>
         </mc:Choice>
-        <mc:Fallback xmlns="">
+        <mc:Fallback>
           <p:sp>
             <p:nvSpPr>
               <p:cNvPr id="157" name="TextBox 156"/>
@@ -8371,7 +8304,7 @@
             <p:spPr>
               <a:xfrm>
                 <a:off x="9541014" y="3779609"/>
-                <a:ext cx="368884" cy="301493"/>
+                <a:ext cx="273793" cy="276999"/>
               </a:xfrm>
               <a:prstGeom prst="rect">
                 <a:avLst/>
@@ -8379,7 +8312,7 @@
               <a:blipFill>
                 <a:blip r:embed="rId11"/>
                 <a:stretch>
-                  <a:fillRect l="-8197" r="-6557" b="-28571"/>
+                  <a:fillRect l="-13333" r="-6667" b="-17778"/>
                 </a:stretch>
               </a:blipFill>
             </p:spPr>
@@ -8514,13 +8447,8 @@
           <a:p>
             <a:r>
               <a:rPr lang="en-GB" dirty="0"/>
-              <a:t>d</a:t>
+              <a:t>days of sleep deprivation</a:t>
             </a:r>
-            <a:r>
-              <a:rPr lang="en-GB" dirty="0" smtClean="0"/>
-              <a:t>ays of sleep deprivation</a:t>
-            </a:r>
-            <a:endParaRPr lang="en-GB" dirty="0"/>
           </a:p>
         </p:txBody>
       </p:sp>
@@ -8714,7 +8642,6 @@
                 <a:headEnd/>
                 <a:tailEnd/>
               </a:ln>
-              <a:extLst/>
             </p:spPr>
             <p:txBody>
               <a:bodyPr vert="horz" wrap="square" lIns="91440" tIns="45720" rIns="91440" bIns="45720" numCol="1" anchor="t" anchorCtr="0" compatLnSpc="1">
@@ -8754,7 +8681,6 @@
                 <a:headEnd/>
                 <a:tailEnd/>
               </a:ln>
-              <a:extLst/>
             </p:spPr>
             <p:txBody>
               <a:bodyPr vert="horz" wrap="square" lIns="91440" tIns="45720" rIns="91440" bIns="45720" numCol="1" anchor="t" anchorCtr="0" compatLnSpc="1">
@@ -8794,7 +8720,6 @@
                 <a:headEnd/>
                 <a:tailEnd/>
               </a:ln>
-              <a:extLst/>
             </p:spPr>
             <p:txBody>
               <a:bodyPr vert="horz" wrap="square" lIns="91440" tIns="45720" rIns="91440" bIns="45720" numCol="1" anchor="t" anchorCtr="0" compatLnSpc="1">
@@ -8834,7 +8759,6 @@
                 <a:headEnd/>
                 <a:tailEnd/>
               </a:ln>
-              <a:extLst/>
             </p:spPr>
             <p:txBody>
               <a:bodyPr vert="horz" wrap="square" lIns="91440" tIns="45720" rIns="91440" bIns="45720" numCol="1" anchor="t" anchorCtr="0" compatLnSpc="1">
@@ -8874,7 +8798,6 @@
                 <a:headEnd/>
                 <a:tailEnd/>
               </a:ln>
-              <a:extLst/>
             </p:spPr>
             <p:txBody>
               <a:bodyPr vert="horz" wrap="square" lIns="91440" tIns="45720" rIns="91440" bIns="45720" numCol="1" anchor="t" anchorCtr="0" compatLnSpc="1">
@@ -8914,7 +8837,6 @@
                 <a:headEnd/>
                 <a:tailEnd/>
               </a:ln>
-              <a:extLst/>
             </p:spPr>
             <p:txBody>
               <a:bodyPr vert="horz" wrap="square" lIns="91440" tIns="45720" rIns="91440" bIns="45720" numCol="1" anchor="t" anchorCtr="0" compatLnSpc="1">
@@ -8954,7 +8876,6 @@
                 <a:headEnd/>
                 <a:tailEnd/>
               </a:ln>
-              <a:extLst/>
             </p:spPr>
             <p:txBody>
               <a:bodyPr vert="horz" wrap="square" lIns="91440" tIns="45720" rIns="91440" bIns="45720" numCol="1" anchor="t" anchorCtr="0" compatLnSpc="1">
@@ -8994,7 +8915,6 @@
                 <a:headEnd/>
                 <a:tailEnd/>
               </a:ln>
-              <a:extLst/>
             </p:spPr>
             <p:txBody>
               <a:bodyPr vert="horz" wrap="square" lIns="91440" tIns="45720" rIns="91440" bIns="45720" numCol="1" anchor="t" anchorCtr="0" compatLnSpc="1">
@@ -9034,7 +8954,6 @@
                 <a:headEnd/>
                 <a:tailEnd/>
               </a:ln>
-              <a:extLst/>
             </p:spPr>
             <p:txBody>
               <a:bodyPr vert="horz" wrap="square" lIns="91440" tIns="45720" rIns="91440" bIns="45720" numCol="1" anchor="t" anchorCtr="0" compatLnSpc="1">
@@ -10403,7 +10322,6 @@
                 <a:headEnd/>
                 <a:tailEnd/>
               </a:ln>
-              <a:extLst/>
             </p:spPr>
             <p:txBody>
               <a:bodyPr vert="horz" wrap="square" lIns="91440" tIns="45720" rIns="91440" bIns="45720" numCol="1" anchor="t" anchorCtr="0" compatLnSpc="1">
@@ -10443,7 +10361,6 @@
                 <a:headEnd/>
                 <a:tailEnd/>
               </a:ln>
-              <a:extLst/>
             </p:spPr>
             <p:txBody>
               <a:bodyPr vert="horz" wrap="square" lIns="91440" tIns="45720" rIns="91440" bIns="45720" numCol="1" anchor="t" anchorCtr="0" compatLnSpc="1">
@@ -10483,7 +10400,6 @@
                 <a:headEnd/>
                 <a:tailEnd/>
               </a:ln>
-              <a:extLst/>
             </p:spPr>
             <p:txBody>
               <a:bodyPr vert="horz" wrap="square" lIns="91440" tIns="45720" rIns="91440" bIns="45720" numCol="1" anchor="t" anchorCtr="0" compatLnSpc="1">
@@ -10523,7 +10439,6 @@
                 <a:headEnd/>
                 <a:tailEnd/>
               </a:ln>
-              <a:extLst/>
             </p:spPr>
             <p:txBody>
               <a:bodyPr vert="horz" wrap="square" lIns="91440" tIns="45720" rIns="91440" bIns="45720" numCol="1" anchor="t" anchorCtr="0" compatLnSpc="1">
@@ -10563,7 +10478,6 @@
                 <a:headEnd/>
                 <a:tailEnd/>
               </a:ln>
-              <a:extLst/>
             </p:spPr>
             <p:txBody>
               <a:bodyPr vert="horz" wrap="square" lIns="91440" tIns="45720" rIns="91440" bIns="45720" numCol="1" anchor="t" anchorCtr="0" compatLnSpc="1">
@@ -10603,7 +10517,6 @@
                 <a:headEnd/>
                 <a:tailEnd/>
               </a:ln>
-              <a:extLst/>
             </p:spPr>
             <p:txBody>
               <a:bodyPr vert="horz" wrap="square" lIns="91440" tIns="45720" rIns="91440" bIns="45720" numCol="1" anchor="t" anchorCtr="0" compatLnSpc="1">
@@ -10643,7 +10556,6 @@
                 <a:headEnd/>
                 <a:tailEnd/>
               </a:ln>
-              <a:extLst/>
             </p:spPr>
             <p:txBody>
               <a:bodyPr vert="horz" wrap="square" lIns="91440" tIns="45720" rIns="91440" bIns="45720" numCol="1" anchor="t" anchorCtr="0" compatLnSpc="1">
@@ -10683,7 +10595,6 @@
                 <a:headEnd/>
                 <a:tailEnd/>
               </a:ln>
-              <a:extLst/>
             </p:spPr>
             <p:txBody>
               <a:bodyPr vert="horz" wrap="square" lIns="91440" tIns="45720" rIns="91440" bIns="45720" numCol="1" anchor="t" anchorCtr="0" compatLnSpc="1">
@@ -10723,7 +10634,6 @@
                 <a:headEnd/>
                 <a:tailEnd/>
               </a:ln>
-              <a:extLst/>
             </p:spPr>
             <p:txBody>
               <a:bodyPr vert="horz" wrap="square" lIns="91440" tIns="45720" rIns="91440" bIns="45720" numCol="1" anchor="t" anchorCtr="0" compatLnSpc="1">
@@ -10861,10 +10771,9 @@
             <a:lstStyle/>
             <a:p>
               <a:r>
-                <a:rPr lang="en-GB" sz="1000" dirty="0" smtClean="0"/>
+                <a:rPr lang="en-GB" sz="1000" dirty="0"/>
                 <a:t>Tom</a:t>
               </a:r>
-              <a:endParaRPr lang="en-GB" sz="1000" dirty="0"/>
             </a:p>
           </p:txBody>
         </p:sp>
@@ -10929,10 +10838,9 @@
             <a:lstStyle/>
             <a:p>
               <a:r>
-                <a:rPr lang="en-GB" sz="1000" dirty="0" smtClean="0"/>
+                <a:rPr lang="en-GB" sz="1000" dirty="0"/>
                 <a:t>Josiah</a:t>
               </a:r>
-              <a:endParaRPr lang="en-GB" sz="1000" dirty="0"/>
             </a:p>
           </p:txBody>
         </p:sp>
@@ -11060,8 +10968,8 @@
         </p:nvSpPr>
         <p:spPr>
           <a:xfrm>
-            <a:off x="2560198" y="1025290"/>
-            <a:ext cx="5949860" cy="369332"/>
+            <a:off x="2560197" y="1025290"/>
+            <a:ext cx="7494961" cy="369332"/>
           </a:xfrm>
           <a:prstGeom prst="rect">
             <a:avLst/>
@@ -11075,25 +10983,39 @@
           <a:lstStyle/>
           <a:p>
             <a:r>
-              <a:rPr lang="en-GB" dirty="0" smtClean="0">
+              <a:rPr lang="en-GB" dirty="0">
                 <a:latin typeface="Courier New" panose="02070309020205020404" pitchFamily="49" charset="0"/>
                 <a:cs typeface="Courier New" panose="02070309020205020404" pitchFamily="49" charset="0"/>
               </a:rPr>
               <a:t>lmer(RT ~ Days + (1 + </a:t>
             </a:r>
             <a:r>
-              <a:rPr lang="en-GB" dirty="0" err="1" smtClean="0">
+              <a:rPr lang="en-GB" dirty="0" err="1">
                 <a:latin typeface="Courier New" panose="02070309020205020404" pitchFamily="49" charset="0"/>
                 <a:cs typeface="Courier New" panose="02070309020205020404" pitchFamily="49" charset="0"/>
               </a:rPr>
-              <a:t>Days|Department</a:t>
+              <a:t>Days|Dept</a:t>
             </a:r>
             <a:r>
-              <a:rPr lang="en-GB" dirty="0" smtClean="0">
+              <a:rPr lang="en-GB" dirty="0">
                 <a:latin typeface="Courier New" panose="02070309020205020404" pitchFamily="49" charset="0"/>
                 <a:cs typeface="Courier New" panose="02070309020205020404" pitchFamily="49" charset="0"/>
               </a:rPr>
-              <a:t>/ID)</a:t>
+              <a:t>) + (1 + </a:t>
+            </a:r>
+            <a:r>
+              <a:rPr lang="en-GB" dirty="0" err="1">
+                <a:latin typeface="Courier New" panose="02070309020205020404" pitchFamily="49" charset="0"/>
+                <a:cs typeface="Courier New" panose="02070309020205020404" pitchFamily="49" charset="0"/>
+              </a:rPr>
+              <a:t>Days|Dept:ID</a:t>
+            </a:r>
+            <a:r>
+              <a:rPr lang="en-GB" dirty="0">
+                <a:latin typeface="Courier New" panose="02070309020205020404" pitchFamily="49" charset="0"/>
+                <a:cs typeface="Courier New" panose="02070309020205020404" pitchFamily="49" charset="0"/>
+              </a:rPr>
+              <a:t>)</a:t>
             </a:r>
           </a:p>
         </p:txBody>
@@ -11196,7 +11118,6 @@
                 <a:headEnd/>
                 <a:tailEnd/>
               </a:ln>
-              <a:extLst/>
             </p:spPr>
             <p:txBody>
               <a:bodyPr vert="horz" wrap="square" lIns="91440" tIns="45720" rIns="91440" bIns="45720" numCol="1" anchor="t" anchorCtr="0" compatLnSpc="1">
@@ -11239,7 +11160,6 @@
                 <a:headEnd/>
                 <a:tailEnd/>
               </a:ln>
-              <a:extLst/>
             </p:spPr>
             <p:txBody>
               <a:bodyPr vert="horz" wrap="square" lIns="91440" tIns="45720" rIns="91440" bIns="45720" numCol="1" anchor="t" anchorCtr="0" compatLnSpc="1">
@@ -11282,7 +11202,6 @@
                 <a:headEnd/>
                 <a:tailEnd/>
               </a:ln>
-              <a:extLst/>
             </p:spPr>
             <p:txBody>
               <a:bodyPr vert="horz" wrap="square" lIns="91440" tIns="45720" rIns="91440" bIns="45720" numCol="1" anchor="t" anchorCtr="0" compatLnSpc="1">
@@ -11325,7 +11244,6 @@
                 <a:headEnd/>
                 <a:tailEnd/>
               </a:ln>
-              <a:extLst/>
             </p:spPr>
             <p:txBody>
               <a:bodyPr vert="horz" wrap="square" lIns="91440" tIns="45720" rIns="91440" bIns="45720" numCol="1" anchor="t" anchorCtr="0" compatLnSpc="1">
@@ -11368,7 +11286,6 @@
                 <a:headEnd/>
                 <a:tailEnd/>
               </a:ln>
-              <a:extLst/>
             </p:spPr>
             <p:txBody>
               <a:bodyPr vert="horz" wrap="square" lIns="91440" tIns="45720" rIns="91440" bIns="45720" numCol="1" anchor="t" anchorCtr="0" compatLnSpc="1">
@@ -11411,7 +11328,6 @@
                 <a:headEnd/>
                 <a:tailEnd/>
               </a:ln>
-              <a:extLst/>
             </p:spPr>
             <p:txBody>
               <a:bodyPr vert="horz" wrap="square" lIns="91440" tIns="45720" rIns="91440" bIns="45720" numCol="1" anchor="t" anchorCtr="0" compatLnSpc="1">
@@ -11454,7 +11370,6 @@
                 <a:headEnd/>
                 <a:tailEnd/>
               </a:ln>
-              <a:extLst/>
             </p:spPr>
             <p:txBody>
               <a:bodyPr vert="horz" wrap="square" lIns="91440" tIns="45720" rIns="91440" bIns="45720" numCol="1" anchor="t" anchorCtr="0" compatLnSpc="1">
@@ -11497,7 +11412,6 @@
                 <a:headEnd/>
                 <a:tailEnd/>
               </a:ln>
-              <a:extLst/>
             </p:spPr>
             <p:txBody>
               <a:bodyPr vert="horz" wrap="square" lIns="91440" tIns="45720" rIns="91440" bIns="45720" numCol="1" anchor="t" anchorCtr="0" compatLnSpc="1">
@@ -11540,7 +11454,6 @@
                 <a:headEnd/>
                 <a:tailEnd/>
               </a:ln>
-              <a:extLst/>
             </p:spPr>
             <p:txBody>
               <a:bodyPr vert="horz" wrap="square" lIns="91440" tIns="45720" rIns="91440" bIns="45720" numCol="1" anchor="t" anchorCtr="0" compatLnSpc="1">
@@ -11599,7 +11512,6 @@
                 <a:headEnd/>
                 <a:tailEnd/>
               </a:ln>
-              <a:extLst/>
             </p:spPr>
             <p:txBody>
               <a:bodyPr vert="horz" wrap="square" lIns="91440" tIns="45720" rIns="91440" bIns="45720" numCol="1" anchor="t" anchorCtr="0" compatLnSpc="1">
@@ -11642,7 +11554,6 @@
                 <a:headEnd/>
                 <a:tailEnd/>
               </a:ln>
-              <a:extLst/>
             </p:spPr>
             <p:txBody>
               <a:bodyPr vert="horz" wrap="square" lIns="91440" tIns="45720" rIns="91440" bIns="45720" numCol="1" anchor="t" anchorCtr="0" compatLnSpc="1">
@@ -11685,7 +11596,6 @@
                 <a:headEnd/>
                 <a:tailEnd/>
               </a:ln>
-              <a:extLst/>
             </p:spPr>
             <p:txBody>
               <a:bodyPr vert="horz" wrap="square" lIns="91440" tIns="45720" rIns="91440" bIns="45720" numCol="1" anchor="t" anchorCtr="0" compatLnSpc="1">
@@ -11728,7 +11638,6 @@
                 <a:headEnd/>
                 <a:tailEnd/>
               </a:ln>
-              <a:extLst/>
             </p:spPr>
             <p:txBody>
               <a:bodyPr vert="horz" wrap="square" lIns="91440" tIns="45720" rIns="91440" bIns="45720" numCol="1" anchor="t" anchorCtr="0" compatLnSpc="1">
@@ -11771,7 +11680,6 @@
                 <a:headEnd/>
                 <a:tailEnd/>
               </a:ln>
-              <a:extLst/>
             </p:spPr>
             <p:txBody>
               <a:bodyPr vert="horz" wrap="square" lIns="91440" tIns="45720" rIns="91440" bIns="45720" numCol="1" anchor="t" anchorCtr="0" compatLnSpc="1">
@@ -11814,7 +11722,6 @@
                 <a:headEnd/>
                 <a:tailEnd/>
               </a:ln>
-              <a:extLst/>
             </p:spPr>
             <p:txBody>
               <a:bodyPr vert="horz" wrap="square" lIns="91440" tIns="45720" rIns="91440" bIns="45720" numCol="1" anchor="t" anchorCtr="0" compatLnSpc="1">
@@ -11857,7 +11764,6 @@
                 <a:headEnd/>
                 <a:tailEnd/>
               </a:ln>
-              <a:extLst/>
             </p:spPr>
             <p:txBody>
               <a:bodyPr vert="horz" wrap="square" lIns="91440" tIns="45720" rIns="91440" bIns="45720" numCol="1" anchor="t" anchorCtr="0" compatLnSpc="1">
@@ -11900,7 +11806,6 @@
                 <a:headEnd/>
                 <a:tailEnd/>
               </a:ln>
-              <a:extLst/>
             </p:spPr>
             <p:txBody>
               <a:bodyPr vert="horz" wrap="square" lIns="91440" tIns="45720" rIns="91440" bIns="45720" numCol="1" anchor="t" anchorCtr="0" compatLnSpc="1">
@@ -11943,7 +11848,6 @@
                 <a:headEnd/>
                 <a:tailEnd/>
               </a:ln>
-              <a:extLst/>
             </p:spPr>
             <p:txBody>
               <a:bodyPr vert="horz" wrap="square" lIns="91440" tIns="45720" rIns="91440" bIns="45720" numCol="1" anchor="t" anchorCtr="0" compatLnSpc="1">
@@ -11986,7 +11890,6 @@
                 <a:headEnd/>
                 <a:tailEnd/>
               </a:ln>
-              <a:extLst/>
             </p:spPr>
             <p:txBody>
               <a:bodyPr vert="horz" wrap="square" lIns="91440" tIns="45720" rIns="91440" bIns="45720" numCol="1" anchor="t" anchorCtr="0" compatLnSpc="1">
@@ -12029,7 +11932,6 @@
                 <a:headEnd/>
                 <a:tailEnd/>
               </a:ln>
-              <a:extLst/>
             </p:spPr>
             <p:txBody>
               <a:bodyPr vert="horz" wrap="square" lIns="91440" tIns="45720" rIns="91440" bIns="45720" numCol="1" anchor="t" anchorCtr="0" compatLnSpc="1">
@@ -12072,7 +11974,6 @@
                 <a:headEnd/>
                 <a:tailEnd/>
               </a:ln>
-              <a:extLst/>
             </p:spPr>
             <p:txBody>
               <a:bodyPr vert="horz" wrap="square" lIns="91440" tIns="45720" rIns="91440" bIns="45720" numCol="1" anchor="t" anchorCtr="0" compatLnSpc="1">
@@ -12115,7 +12016,6 @@
                 <a:headEnd/>
                 <a:tailEnd/>
               </a:ln>
-              <a:extLst/>
             </p:spPr>
             <p:txBody>
               <a:bodyPr vert="horz" wrap="square" lIns="91440" tIns="45720" rIns="91440" bIns="45720" numCol="1" anchor="t" anchorCtr="0" compatLnSpc="1">
@@ -12158,7 +12058,6 @@
                 <a:headEnd/>
                 <a:tailEnd/>
               </a:ln>
-              <a:extLst/>
             </p:spPr>
             <p:txBody>
               <a:bodyPr vert="horz" wrap="square" lIns="91440" tIns="45720" rIns="91440" bIns="45720" numCol="1" anchor="t" anchorCtr="0" compatLnSpc="1">
@@ -12201,7 +12100,6 @@
                 <a:headEnd/>
                 <a:tailEnd/>
               </a:ln>
-              <a:extLst/>
             </p:spPr>
             <p:txBody>
               <a:bodyPr vert="horz" wrap="square" lIns="91440" tIns="45720" rIns="91440" bIns="45720" numCol="1" anchor="t" anchorCtr="0" compatLnSpc="1">
@@ -12244,7 +12142,6 @@
                 <a:headEnd/>
                 <a:tailEnd/>
               </a:ln>
-              <a:extLst/>
             </p:spPr>
             <p:txBody>
               <a:bodyPr vert="horz" wrap="square" lIns="91440" tIns="45720" rIns="91440" bIns="45720" numCol="1" anchor="t" anchorCtr="0" compatLnSpc="1">
@@ -12287,7 +12184,6 @@
                 <a:headEnd/>
                 <a:tailEnd/>
               </a:ln>
-              <a:extLst/>
             </p:spPr>
             <p:txBody>
               <a:bodyPr vert="horz" wrap="square" lIns="91440" tIns="45720" rIns="91440" bIns="45720" numCol="1" anchor="t" anchorCtr="0" compatLnSpc="1">
@@ -12330,7 +12226,6 @@
                 <a:headEnd/>
                 <a:tailEnd/>
               </a:ln>
-              <a:extLst/>
             </p:spPr>
             <p:txBody>
               <a:bodyPr vert="horz" wrap="square" lIns="91440" tIns="45720" rIns="91440" bIns="45720" numCol="1" anchor="t" anchorCtr="0" compatLnSpc="1">
@@ -12373,7 +12268,6 @@
                 <a:headEnd/>
                 <a:tailEnd/>
               </a:ln>
-              <a:extLst/>
             </p:spPr>
             <p:txBody>
               <a:bodyPr vert="horz" wrap="square" lIns="91440" tIns="45720" rIns="91440" bIns="45720" numCol="1" anchor="t" anchorCtr="0" compatLnSpc="1">
@@ -12416,7 +12310,6 @@
                 <a:headEnd/>
                 <a:tailEnd/>
               </a:ln>
-              <a:extLst/>
             </p:spPr>
             <p:txBody>
               <a:bodyPr vert="horz" wrap="square" lIns="91440" tIns="45720" rIns="91440" bIns="45720" numCol="1" anchor="t" anchorCtr="0" compatLnSpc="1">
@@ -12459,7 +12352,6 @@
                 <a:headEnd/>
                 <a:tailEnd/>
               </a:ln>
-              <a:extLst/>
             </p:spPr>
             <p:txBody>
               <a:bodyPr vert="horz" wrap="square" lIns="91440" tIns="45720" rIns="91440" bIns="45720" numCol="1" anchor="t" anchorCtr="0" compatLnSpc="1">
@@ -12502,7 +12394,6 @@
                 <a:headEnd/>
                 <a:tailEnd/>
               </a:ln>
-              <a:extLst/>
             </p:spPr>
             <p:txBody>
               <a:bodyPr vert="horz" wrap="square" lIns="91440" tIns="45720" rIns="91440" bIns="45720" numCol="1" anchor="t" anchorCtr="0" compatLnSpc="1">
@@ -12545,7 +12436,6 @@
                 <a:headEnd/>
                 <a:tailEnd/>
               </a:ln>
-              <a:extLst/>
             </p:spPr>
             <p:txBody>
               <a:bodyPr vert="horz" wrap="square" lIns="91440" tIns="45720" rIns="91440" bIns="45720" numCol="1" anchor="t" anchorCtr="0" compatLnSpc="1">
@@ -12588,7 +12478,6 @@
                 <a:headEnd/>
                 <a:tailEnd/>
               </a:ln>
-              <a:extLst/>
             </p:spPr>
             <p:txBody>
               <a:bodyPr vert="horz" wrap="square" lIns="91440" tIns="45720" rIns="91440" bIns="45720" numCol="1" anchor="t" anchorCtr="0" compatLnSpc="1">
@@ -12631,7 +12520,6 @@
                 <a:headEnd/>
                 <a:tailEnd/>
               </a:ln>
-              <a:extLst/>
             </p:spPr>
             <p:txBody>
               <a:bodyPr vert="horz" wrap="square" lIns="91440" tIns="45720" rIns="91440" bIns="45720" numCol="1" anchor="t" anchorCtr="0" compatLnSpc="1">
@@ -12674,7 +12562,6 @@
                 <a:headEnd/>
                 <a:tailEnd/>
               </a:ln>
-              <a:extLst/>
             </p:spPr>
             <p:txBody>
               <a:bodyPr vert="horz" wrap="square" lIns="91440" tIns="45720" rIns="91440" bIns="45720" numCol="1" anchor="t" anchorCtr="0" compatLnSpc="1">
@@ -12717,7 +12604,6 @@
                 <a:headEnd/>
                 <a:tailEnd/>
               </a:ln>
-              <a:extLst/>
             </p:spPr>
             <p:txBody>
               <a:bodyPr vert="horz" wrap="square" lIns="91440" tIns="45720" rIns="91440" bIns="45720" numCol="1" anchor="t" anchorCtr="0" compatLnSpc="1">
@@ -12776,7 +12662,6 @@
                 <a:headEnd/>
                 <a:tailEnd/>
               </a:ln>
-              <a:extLst/>
             </p:spPr>
             <p:txBody>
               <a:bodyPr vert="horz" wrap="square" lIns="91440" tIns="45720" rIns="91440" bIns="45720" numCol="1" anchor="t" anchorCtr="0" compatLnSpc="1">
@@ -12819,7 +12704,6 @@
                 <a:headEnd/>
                 <a:tailEnd/>
               </a:ln>
-              <a:extLst/>
             </p:spPr>
             <p:txBody>
               <a:bodyPr vert="horz" wrap="square" lIns="91440" tIns="45720" rIns="91440" bIns="45720" numCol="1" anchor="t" anchorCtr="0" compatLnSpc="1">
@@ -12862,7 +12746,6 @@
                 <a:headEnd/>
                 <a:tailEnd/>
               </a:ln>
-              <a:extLst/>
             </p:spPr>
             <p:txBody>
               <a:bodyPr vert="horz" wrap="square" lIns="91440" tIns="45720" rIns="91440" bIns="45720" numCol="1" anchor="t" anchorCtr="0" compatLnSpc="1">
@@ -12905,7 +12788,6 @@
                 <a:headEnd/>
                 <a:tailEnd/>
               </a:ln>
-              <a:extLst/>
             </p:spPr>
             <p:txBody>
               <a:bodyPr vert="horz" wrap="square" lIns="91440" tIns="45720" rIns="91440" bIns="45720" numCol="1" anchor="t" anchorCtr="0" compatLnSpc="1">
@@ -12948,7 +12830,6 @@
                 <a:headEnd/>
                 <a:tailEnd/>
               </a:ln>
-              <a:extLst/>
             </p:spPr>
             <p:txBody>
               <a:bodyPr vert="horz" wrap="square" lIns="91440" tIns="45720" rIns="91440" bIns="45720" numCol="1" anchor="t" anchorCtr="0" compatLnSpc="1">
@@ -12991,7 +12872,6 @@
                 <a:headEnd/>
                 <a:tailEnd/>
               </a:ln>
-              <a:extLst/>
             </p:spPr>
             <p:txBody>
               <a:bodyPr vert="horz" wrap="square" lIns="91440" tIns="45720" rIns="91440" bIns="45720" numCol="1" anchor="t" anchorCtr="0" compatLnSpc="1">
@@ -13034,7 +12914,6 @@
                 <a:headEnd/>
                 <a:tailEnd/>
               </a:ln>
-              <a:extLst/>
             </p:spPr>
             <p:txBody>
               <a:bodyPr vert="horz" wrap="square" lIns="91440" tIns="45720" rIns="91440" bIns="45720" numCol="1" anchor="t" anchorCtr="0" compatLnSpc="1">
@@ -13077,7 +12956,6 @@
                 <a:headEnd/>
                 <a:tailEnd/>
               </a:ln>
-              <a:extLst/>
             </p:spPr>
             <p:txBody>
               <a:bodyPr vert="horz" wrap="square" lIns="91440" tIns="45720" rIns="91440" bIns="45720" numCol="1" anchor="t" anchorCtr="0" compatLnSpc="1">
@@ -13120,7 +12998,6 @@
                 <a:headEnd/>
                 <a:tailEnd/>
               </a:ln>
-              <a:extLst/>
             </p:spPr>
             <p:txBody>
               <a:bodyPr vert="horz" wrap="square" lIns="91440" tIns="45720" rIns="91440" bIns="45720" numCol="1" anchor="t" anchorCtr="0" compatLnSpc="1">
@@ -13370,7 +13247,6 @@
               <a:headEnd/>
               <a:tailEnd/>
             </a:ln>
-            <a:extLst/>
           </p:spPr>
           <p:txBody>
             <a:bodyPr vert="horz" wrap="square" lIns="91440" tIns="45720" rIns="91440" bIns="45720" numCol="1" anchor="t" anchorCtr="0" compatLnSpc="1">
@@ -13410,7 +13286,6 @@
               <a:headEnd/>
               <a:tailEnd/>
             </a:ln>
-            <a:extLst/>
           </p:spPr>
           <p:txBody>
             <a:bodyPr vert="horz" wrap="square" lIns="91440" tIns="45720" rIns="91440" bIns="45720" numCol="1" anchor="t" anchorCtr="0" compatLnSpc="1">
@@ -13450,7 +13325,6 @@
               <a:headEnd/>
               <a:tailEnd/>
             </a:ln>
-            <a:extLst/>
           </p:spPr>
           <p:txBody>
             <a:bodyPr vert="horz" wrap="square" lIns="91440" tIns="45720" rIns="91440" bIns="45720" numCol="1" anchor="t" anchorCtr="0" compatLnSpc="1">
@@ -13490,7 +13364,6 @@
               <a:headEnd/>
               <a:tailEnd/>
             </a:ln>
-            <a:extLst/>
           </p:spPr>
           <p:txBody>
             <a:bodyPr vert="horz" wrap="square" lIns="91440" tIns="45720" rIns="91440" bIns="45720" numCol="1" anchor="t" anchorCtr="0" compatLnSpc="1">
@@ -13530,7 +13403,6 @@
               <a:headEnd/>
               <a:tailEnd/>
             </a:ln>
-            <a:extLst/>
           </p:spPr>
           <p:txBody>
             <a:bodyPr vert="horz" wrap="square" lIns="91440" tIns="45720" rIns="91440" bIns="45720" numCol="1" anchor="t" anchorCtr="0" compatLnSpc="1">
@@ -13570,7 +13442,6 @@
               <a:headEnd/>
               <a:tailEnd/>
             </a:ln>
-            <a:extLst/>
           </p:spPr>
           <p:txBody>
             <a:bodyPr vert="horz" wrap="square" lIns="91440" tIns="45720" rIns="91440" bIns="45720" numCol="1" anchor="t" anchorCtr="0" compatLnSpc="1">
@@ -13610,7 +13481,6 @@
               <a:headEnd/>
               <a:tailEnd/>
             </a:ln>
-            <a:extLst/>
           </p:spPr>
           <p:txBody>
             <a:bodyPr vert="horz" wrap="square" lIns="91440" tIns="45720" rIns="91440" bIns="45720" numCol="1" anchor="t" anchorCtr="0" compatLnSpc="1">
@@ -13650,7 +13520,6 @@
               <a:headEnd/>
               <a:tailEnd/>
             </a:ln>
-            <a:extLst/>
           </p:spPr>
           <p:txBody>
             <a:bodyPr vert="horz" wrap="square" lIns="91440" tIns="45720" rIns="91440" bIns="45720" numCol="1" anchor="t" anchorCtr="0" compatLnSpc="1">
@@ -13690,7 +13559,6 @@
               <a:headEnd/>
               <a:tailEnd/>
             </a:ln>
-            <a:extLst/>
           </p:spPr>
           <p:txBody>
             <a:bodyPr vert="horz" wrap="square" lIns="91440" tIns="45720" rIns="91440" bIns="45720" numCol="1" anchor="t" anchorCtr="0" compatLnSpc="1">
@@ -13746,7 +13614,6 @@
               <a:headEnd/>
               <a:tailEnd/>
             </a:ln>
-            <a:extLst/>
           </p:spPr>
           <p:txBody>
             <a:bodyPr vert="horz" wrap="square" lIns="91440" tIns="45720" rIns="91440" bIns="45720" numCol="1" anchor="t" anchorCtr="0" compatLnSpc="1">
@@ -13786,7 +13653,6 @@
               <a:headEnd/>
               <a:tailEnd/>
             </a:ln>
-            <a:extLst/>
           </p:spPr>
           <p:txBody>
             <a:bodyPr vert="horz" wrap="square" lIns="91440" tIns="45720" rIns="91440" bIns="45720" numCol="1" anchor="t" anchorCtr="0" compatLnSpc="1">
@@ -13826,7 +13692,6 @@
               <a:headEnd/>
               <a:tailEnd/>
             </a:ln>
-            <a:extLst/>
           </p:spPr>
           <p:txBody>
             <a:bodyPr vert="horz" wrap="square" lIns="91440" tIns="45720" rIns="91440" bIns="45720" numCol="1" anchor="t" anchorCtr="0" compatLnSpc="1">
@@ -13866,7 +13731,6 @@
               <a:headEnd/>
               <a:tailEnd/>
             </a:ln>
-            <a:extLst/>
           </p:spPr>
           <p:txBody>
             <a:bodyPr vert="horz" wrap="square" lIns="91440" tIns="45720" rIns="91440" bIns="45720" numCol="1" anchor="t" anchorCtr="0" compatLnSpc="1">
@@ -13906,7 +13770,6 @@
               <a:headEnd/>
               <a:tailEnd/>
             </a:ln>
-            <a:extLst/>
           </p:spPr>
           <p:txBody>
             <a:bodyPr vert="horz" wrap="square" lIns="91440" tIns="45720" rIns="91440" bIns="45720" numCol="1" anchor="t" anchorCtr="0" compatLnSpc="1">
@@ -13946,7 +13809,6 @@
               <a:headEnd/>
               <a:tailEnd/>
             </a:ln>
-            <a:extLst/>
           </p:spPr>
           <p:txBody>
             <a:bodyPr vert="horz" wrap="square" lIns="91440" tIns="45720" rIns="91440" bIns="45720" numCol="1" anchor="t" anchorCtr="0" compatLnSpc="1">
@@ -13986,7 +13848,6 @@
               <a:headEnd/>
               <a:tailEnd/>
             </a:ln>
-            <a:extLst/>
           </p:spPr>
           <p:txBody>
             <a:bodyPr vert="horz" wrap="square" lIns="91440" tIns="45720" rIns="91440" bIns="45720" numCol="1" anchor="t" anchorCtr="0" compatLnSpc="1">
@@ -14026,7 +13887,6 @@
               <a:headEnd/>
               <a:tailEnd/>
             </a:ln>
-            <a:extLst/>
           </p:spPr>
           <p:txBody>
             <a:bodyPr vert="horz" wrap="square" lIns="91440" tIns="45720" rIns="91440" bIns="45720" numCol="1" anchor="t" anchorCtr="0" compatLnSpc="1">
@@ -14066,7 +13926,6 @@
               <a:headEnd/>
               <a:tailEnd/>
             </a:ln>
-            <a:extLst/>
           </p:spPr>
           <p:txBody>
             <a:bodyPr vert="horz" wrap="square" lIns="91440" tIns="45720" rIns="91440" bIns="45720" numCol="1" anchor="t" anchorCtr="0" compatLnSpc="1">
@@ -14106,7 +13965,6 @@
               <a:headEnd/>
               <a:tailEnd/>
             </a:ln>
-            <a:extLst/>
           </p:spPr>
           <p:txBody>
             <a:bodyPr vert="horz" wrap="square" lIns="91440" tIns="45720" rIns="91440" bIns="45720" numCol="1" anchor="t" anchorCtr="0" compatLnSpc="1">
@@ -14146,7 +14004,6 @@
               <a:headEnd/>
               <a:tailEnd/>
             </a:ln>
-            <a:extLst/>
           </p:spPr>
           <p:txBody>
             <a:bodyPr vert="horz" wrap="square" lIns="91440" tIns="45720" rIns="91440" bIns="45720" numCol="1" anchor="t" anchorCtr="0" compatLnSpc="1">
@@ -14186,7 +14043,6 @@
               <a:headEnd/>
               <a:tailEnd/>
             </a:ln>
-            <a:extLst/>
           </p:spPr>
           <p:txBody>
             <a:bodyPr vert="horz" wrap="square" lIns="91440" tIns="45720" rIns="91440" bIns="45720" numCol="1" anchor="t" anchorCtr="0" compatLnSpc="1">
@@ -14226,7 +14082,6 @@
               <a:headEnd/>
               <a:tailEnd/>
             </a:ln>
-            <a:extLst/>
           </p:spPr>
           <p:txBody>
             <a:bodyPr vert="horz" wrap="square" lIns="91440" tIns="45720" rIns="91440" bIns="45720" numCol="1" anchor="t" anchorCtr="0" compatLnSpc="1">
@@ -14266,7 +14121,6 @@
               <a:headEnd/>
               <a:tailEnd/>
             </a:ln>
-            <a:extLst/>
           </p:spPr>
           <p:txBody>
             <a:bodyPr vert="horz" wrap="square" lIns="91440" tIns="45720" rIns="91440" bIns="45720" numCol="1" anchor="t" anchorCtr="0" compatLnSpc="1">
@@ -14306,7 +14160,6 @@
               <a:headEnd/>
               <a:tailEnd/>
             </a:ln>
-            <a:extLst/>
           </p:spPr>
           <p:txBody>
             <a:bodyPr vert="horz" wrap="square" lIns="91440" tIns="45720" rIns="91440" bIns="45720" numCol="1" anchor="t" anchorCtr="0" compatLnSpc="1">
@@ -14346,7 +14199,6 @@
               <a:headEnd/>
               <a:tailEnd/>
             </a:ln>
-            <a:extLst/>
           </p:spPr>
           <p:txBody>
             <a:bodyPr vert="horz" wrap="square" lIns="91440" tIns="45720" rIns="91440" bIns="45720" numCol="1" anchor="t" anchorCtr="0" compatLnSpc="1">
@@ -14386,7 +14238,6 @@
               <a:headEnd/>
               <a:tailEnd/>
             </a:ln>
-            <a:extLst/>
           </p:spPr>
           <p:txBody>
             <a:bodyPr vert="horz" wrap="square" lIns="91440" tIns="45720" rIns="91440" bIns="45720" numCol="1" anchor="t" anchorCtr="0" compatLnSpc="1">
@@ -14426,7 +14277,6 @@
               <a:headEnd/>
               <a:tailEnd/>
             </a:ln>
-            <a:extLst/>
           </p:spPr>
           <p:txBody>
             <a:bodyPr vert="horz" wrap="square" lIns="91440" tIns="45720" rIns="91440" bIns="45720" numCol="1" anchor="t" anchorCtr="0" compatLnSpc="1">
@@ -14466,7 +14316,6 @@
               <a:headEnd/>
               <a:tailEnd/>
             </a:ln>
-            <a:extLst/>
           </p:spPr>
           <p:txBody>
             <a:bodyPr vert="horz" wrap="square" lIns="91440" tIns="45720" rIns="91440" bIns="45720" numCol="1" anchor="t" anchorCtr="0" compatLnSpc="1">
@@ -14506,7 +14355,6 @@
               <a:headEnd/>
               <a:tailEnd/>
             </a:ln>
-            <a:extLst/>
           </p:spPr>
           <p:txBody>
             <a:bodyPr vert="horz" wrap="square" lIns="91440" tIns="45720" rIns="91440" bIns="45720" numCol="1" anchor="t" anchorCtr="0" compatLnSpc="1">
@@ -14546,7 +14394,6 @@
               <a:headEnd/>
               <a:tailEnd/>
             </a:ln>
-            <a:extLst/>
           </p:spPr>
           <p:txBody>
             <a:bodyPr vert="horz" wrap="square" lIns="91440" tIns="45720" rIns="91440" bIns="45720" numCol="1" anchor="t" anchorCtr="0" compatLnSpc="1">
@@ -14586,7 +14433,6 @@
               <a:headEnd/>
               <a:tailEnd/>
             </a:ln>
-            <a:extLst/>
           </p:spPr>
           <p:txBody>
             <a:bodyPr vert="horz" wrap="square" lIns="91440" tIns="45720" rIns="91440" bIns="45720" numCol="1" anchor="t" anchorCtr="0" compatLnSpc="1">
@@ -14626,7 +14472,6 @@
               <a:headEnd/>
               <a:tailEnd/>
             </a:ln>
-            <a:extLst/>
           </p:spPr>
           <p:txBody>
             <a:bodyPr vert="horz" wrap="square" lIns="91440" tIns="45720" rIns="91440" bIns="45720" numCol="1" anchor="t" anchorCtr="0" compatLnSpc="1">
@@ -14666,7 +14511,6 @@
               <a:headEnd/>
               <a:tailEnd/>
             </a:ln>
-            <a:extLst/>
           </p:spPr>
           <p:txBody>
             <a:bodyPr vert="horz" wrap="square" lIns="91440" tIns="45720" rIns="91440" bIns="45720" numCol="1" anchor="t" anchorCtr="0" compatLnSpc="1">
@@ -14706,7 +14550,6 @@
               <a:headEnd/>
               <a:tailEnd/>
             </a:ln>
-            <a:extLst/>
           </p:spPr>
           <p:txBody>
             <a:bodyPr vert="horz" wrap="square" lIns="91440" tIns="45720" rIns="91440" bIns="45720" numCol="1" anchor="t" anchorCtr="0" compatLnSpc="1">
@@ -14746,7 +14589,6 @@
               <a:headEnd/>
               <a:tailEnd/>
             </a:ln>
-            <a:extLst/>
           </p:spPr>
           <p:txBody>
             <a:bodyPr vert="horz" wrap="square" lIns="91440" tIns="45720" rIns="91440" bIns="45720" numCol="1" anchor="t" anchorCtr="0" compatLnSpc="1">
@@ -14786,7 +14628,6 @@
               <a:headEnd/>
               <a:tailEnd/>
             </a:ln>
-            <a:extLst/>
           </p:spPr>
           <p:txBody>
             <a:bodyPr vert="horz" wrap="square" lIns="91440" tIns="45720" rIns="91440" bIns="45720" numCol="1" anchor="t" anchorCtr="0" compatLnSpc="1">
@@ -14844,7 +14685,6 @@
               <a:headEnd/>
               <a:tailEnd/>
             </a:ln>
-            <a:extLst/>
           </p:spPr>
           <p:txBody>
             <a:bodyPr vert="horz" wrap="square" lIns="91440" tIns="45720" rIns="91440" bIns="45720" numCol="1" anchor="t" anchorCtr="0" compatLnSpc="1">
@@ -14884,7 +14724,6 @@
               <a:headEnd/>
               <a:tailEnd/>
             </a:ln>
-            <a:extLst/>
           </p:spPr>
           <p:txBody>
             <a:bodyPr vert="horz" wrap="square" lIns="91440" tIns="45720" rIns="91440" bIns="45720" numCol="1" anchor="t" anchorCtr="0" compatLnSpc="1">
@@ -14924,7 +14763,6 @@
               <a:headEnd/>
               <a:tailEnd/>
             </a:ln>
-            <a:extLst/>
           </p:spPr>
           <p:txBody>
             <a:bodyPr vert="horz" wrap="square" lIns="91440" tIns="45720" rIns="91440" bIns="45720" numCol="1" anchor="t" anchorCtr="0" compatLnSpc="1">
@@ -14964,7 +14802,6 @@
               <a:headEnd/>
               <a:tailEnd/>
             </a:ln>
-            <a:extLst/>
           </p:spPr>
           <p:txBody>
             <a:bodyPr vert="horz" wrap="square" lIns="91440" tIns="45720" rIns="91440" bIns="45720" numCol="1" anchor="t" anchorCtr="0" compatLnSpc="1">
@@ -15004,7 +14841,6 @@
               <a:headEnd/>
               <a:tailEnd/>
             </a:ln>
-            <a:extLst/>
           </p:spPr>
           <p:txBody>
             <a:bodyPr vert="horz" wrap="square" lIns="91440" tIns="45720" rIns="91440" bIns="45720" numCol="1" anchor="t" anchorCtr="0" compatLnSpc="1">
@@ -15044,7 +14880,6 @@
               <a:headEnd/>
               <a:tailEnd/>
             </a:ln>
-            <a:extLst/>
           </p:spPr>
           <p:txBody>
             <a:bodyPr vert="horz" wrap="square" lIns="91440" tIns="45720" rIns="91440" bIns="45720" numCol="1" anchor="t" anchorCtr="0" compatLnSpc="1">
@@ -15084,7 +14919,6 @@
               <a:headEnd/>
               <a:tailEnd/>
             </a:ln>
-            <a:extLst/>
           </p:spPr>
           <p:txBody>
             <a:bodyPr vert="horz" wrap="square" lIns="91440" tIns="45720" rIns="91440" bIns="45720" numCol="1" anchor="t" anchorCtr="0" compatLnSpc="1">
@@ -15124,7 +14958,6 @@
               <a:headEnd/>
               <a:tailEnd/>
             </a:ln>
-            <a:extLst/>
           </p:spPr>
           <p:txBody>
             <a:bodyPr vert="horz" wrap="square" lIns="91440" tIns="45720" rIns="91440" bIns="45720" numCol="1" anchor="t" anchorCtr="0" compatLnSpc="1">
@@ -15164,7 +14997,6 @@
               <a:headEnd/>
               <a:tailEnd/>
             </a:ln>
-            <a:extLst/>
           </p:spPr>
           <p:txBody>
             <a:bodyPr vert="horz" wrap="square" lIns="91440" tIns="45720" rIns="91440" bIns="45720" numCol="1" anchor="t" anchorCtr="0" compatLnSpc="1">
@@ -15589,10 +15421,9 @@
           <a:lstStyle/>
           <a:p>
             <a:r>
-              <a:rPr lang="en-GB" dirty="0" smtClean="0"/>
+              <a:rPr lang="en-GB" dirty="0"/>
               <a:t>Psychology</a:t>
             </a:r>
-            <a:endParaRPr lang="en-GB" dirty="0"/>
           </a:p>
         </p:txBody>
       </p:sp>
@@ -15626,10 +15457,9 @@
           <a:lstStyle/>
           <a:p>
             <a:r>
-              <a:rPr lang="en-GB" dirty="0" smtClean="0"/>
+              <a:rPr lang="en-GB" dirty="0"/>
               <a:t>Linguistics</a:t>
             </a:r>
-            <a:endParaRPr lang="en-GB" dirty="0"/>
           </a:p>
         </p:txBody>
       </p:sp>
@@ -15663,10 +15493,9 @@
           <a:lstStyle/>
           <a:p>
             <a:r>
-              <a:rPr lang="en-GB" dirty="0" smtClean="0"/>
+              <a:rPr lang="en-GB" dirty="0"/>
               <a:t>Engineering</a:t>
             </a:r>
-            <a:endParaRPr lang="en-GB" dirty="0"/>
           </a:p>
         </p:txBody>
       </p:sp>
@@ -16433,13 +16262,8 @@
           <a:p>
             <a:r>
               <a:rPr lang="en-GB" dirty="0"/>
-              <a:t>d</a:t>
+              <a:t>days of sleep deprivation</a:t>
             </a:r>
-            <a:r>
-              <a:rPr lang="en-GB" dirty="0" smtClean="0"/>
-              <a:t>ays of sleep deprivation</a:t>
-            </a:r>
-            <a:endParaRPr lang="en-GB" dirty="0"/>
           </a:p>
         </p:txBody>
       </p:sp>
@@ -16604,7 +16428,6 @@
             <a:headEnd/>
             <a:tailEnd/>
           </a:ln>
-          <a:extLst/>
         </p:spPr>
         <p:txBody>
           <a:bodyPr vert="horz" wrap="square" lIns="91440" tIns="45720" rIns="91440" bIns="45720" numCol="1" anchor="t" anchorCtr="0" compatLnSpc="1">
@@ -16646,7 +16469,6 @@
             <a:headEnd/>
             <a:tailEnd/>
           </a:ln>
-          <a:extLst/>
         </p:spPr>
         <p:txBody>
           <a:bodyPr vert="horz" wrap="square" lIns="91440" tIns="45720" rIns="91440" bIns="45720" numCol="1" anchor="t" anchorCtr="0" compatLnSpc="1">
@@ -16688,7 +16510,6 @@
             <a:headEnd/>
             <a:tailEnd/>
           </a:ln>
-          <a:extLst/>
         </p:spPr>
         <p:txBody>
           <a:bodyPr vert="horz" wrap="square" lIns="91440" tIns="45720" rIns="91440" bIns="45720" numCol="1" anchor="t" anchorCtr="0" compatLnSpc="1">
@@ -16730,7 +16551,6 @@
             <a:headEnd/>
             <a:tailEnd/>
           </a:ln>
-          <a:extLst/>
         </p:spPr>
         <p:txBody>
           <a:bodyPr vert="horz" wrap="square" lIns="91440" tIns="45720" rIns="91440" bIns="45720" numCol="1" anchor="t" anchorCtr="0" compatLnSpc="1">
@@ -16772,7 +16592,6 @@
             <a:headEnd/>
             <a:tailEnd/>
           </a:ln>
-          <a:extLst/>
         </p:spPr>
         <p:txBody>
           <a:bodyPr vert="horz" wrap="square" lIns="91440" tIns="45720" rIns="91440" bIns="45720" numCol="1" anchor="t" anchorCtr="0" compatLnSpc="1">
@@ -16814,7 +16633,6 @@
             <a:headEnd/>
             <a:tailEnd/>
           </a:ln>
-          <a:extLst/>
         </p:spPr>
         <p:txBody>
           <a:bodyPr vert="horz" wrap="square" lIns="91440" tIns="45720" rIns="91440" bIns="45720" numCol="1" anchor="t" anchorCtr="0" compatLnSpc="1">
@@ -16856,7 +16674,6 @@
             <a:headEnd/>
             <a:tailEnd/>
           </a:ln>
-          <a:extLst/>
         </p:spPr>
         <p:txBody>
           <a:bodyPr vert="horz" wrap="square" lIns="91440" tIns="45720" rIns="91440" bIns="45720" numCol="1" anchor="t" anchorCtr="0" compatLnSpc="1">
@@ -16898,7 +16715,6 @@
             <a:headEnd/>
             <a:tailEnd/>
           </a:ln>
-          <a:extLst/>
         </p:spPr>
         <p:txBody>
           <a:bodyPr vert="horz" wrap="square" lIns="91440" tIns="45720" rIns="91440" bIns="45720" numCol="1" anchor="t" anchorCtr="0" compatLnSpc="1">
@@ -16940,7 +16756,6 @@
             <a:headEnd/>
             <a:tailEnd/>
           </a:ln>
-          <a:extLst/>
         </p:spPr>
         <p:txBody>
           <a:bodyPr vert="horz" wrap="square" lIns="91440" tIns="45720" rIns="91440" bIns="45720" numCol="1" anchor="t" anchorCtr="0" compatLnSpc="1">
@@ -17015,10 +16830,9 @@
           <a:lstStyle/>
           <a:p>
             <a:r>
-              <a:rPr lang="en-GB" dirty="0" smtClean="0"/>
+              <a:rPr lang="en-GB" dirty="0"/>
               <a:t>Tom</a:t>
             </a:r>
-            <a:endParaRPr lang="en-GB" dirty="0"/>
           </a:p>
         </p:txBody>
       </p:sp>
@@ -17083,10 +16897,9 @@
           <a:lstStyle/>
           <a:p>
             <a:r>
-              <a:rPr lang="en-GB" dirty="0" smtClean="0"/>
+              <a:rPr lang="en-GB" dirty="0"/>
               <a:t>Josiah</a:t>
             </a:r>
-            <a:endParaRPr lang="en-GB" dirty="0"/>
           </a:p>
         </p:txBody>
       </p:sp>
@@ -17228,10 +17041,9 @@
           <a:lstStyle/>
           <a:p>
             <a:r>
-              <a:rPr lang="en-GB" dirty="0" smtClean="0"/>
+              <a:rPr lang="en-GB" dirty="0"/>
               <a:t>RT</a:t>
             </a:r>
-            <a:endParaRPr lang="en-GB" dirty="0"/>
           </a:p>
         </p:txBody>
       </p:sp>
@@ -17259,13 +17071,8 @@
           <a:p>
             <a:r>
               <a:rPr lang="en-GB" dirty="0"/>
-              <a:t>d</a:t>
+              <a:t>days of sleep deprivation</a:t>
             </a:r>
-            <a:r>
-              <a:rPr lang="en-GB" dirty="0" smtClean="0"/>
-              <a:t>ays of sleep deprivation</a:t>
-            </a:r>
-            <a:endParaRPr lang="en-GB" dirty="0"/>
           </a:p>
         </p:txBody>
       </p:sp>
@@ -17297,7 +17104,6 @@
             <a:headEnd/>
             <a:tailEnd/>
           </a:ln>
-          <a:extLst/>
         </p:spPr>
         <p:txBody>
           <a:bodyPr vert="horz" wrap="square" lIns="91440" tIns="45720" rIns="91440" bIns="45720" numCol="1" anchor="t" anchorCtr="0" compatLnSpc="1">
@@ -17339,7 +17145,6 @@
             <a:headEnd/>
             <a:tailEnd/>
           </a:ln>
-          <a:extLst/>
         </p:spPr>
         <p:txBody>
           <a:bodyPr vert="horz" wrap="square" lIns="91440" tIns="45720" rIns="91440" bIns="45720" numCol="1" anchor="t" anchorCtr="0" compatLnSpc="1">
@@ -17381,7 +17186,6 @@
             <a:headEnd/>
             <a:tailEnd/>
           </a:ln>
-          <a:extLst/>
         </p:spPr>
         <p:txBody>
           <a:bodyPr vert="horz" wrap="square" lIns="91440" tIns="45720" rIns="91440" bIns="45720" numCol="1" anchor="t" anchorCtr="0" compatLnSpc="1">
@@ -17423,7 +17227,6 @@
             <a:headEnd/>
             <a:tailEnd/>
           </a:ln>
-          <a:extLst/>
         </p:spPr>
         <p:txBody>
           <a:bodyPr vert="horz" wrap="square" lIns="91440" tIns="45720" rIns="91440" bIns="45720" numCol="1" anchor="t" anchorCtr="0" compatLnSpc="1">
@@ -17465,7 +17268,6 @@
             <a:headEnd/>
             <a:tailEnd/>
           </a:ln>
-          <a:extLst/>
         </p:spPr>
         <p:txBody>
           <a:bodyPr vert="horz" wrap="square" lIns="91440" tIns="45720" rIns="91440" bIns="45720" numCol="1" anchor="t" anchorCtr="0" compatLnSpc="1">
@@ -17507,7 +17309,6 @@
             <a:headEnd/>
             <a:tailEnd/>
           </a:ln>
-          <a:extLst/>
         </p:spPr>
         <p:txBody>
           <a:bodyPr vert="horz" wrap="square" lIns="91440" tIns="45720" rIns="91440" bIns="45720" numCol="1" anchor="t" anchorCtr="0" compatLnSpc="1">
@@ -17549,7 +17350,6 @@
             <a:headEnd/>
             <a:tailEnd/>
           </a:ln>
-          <a:extLst/>
         </p:spPr>
         <p:txBody>
           <a:bodyPr vert="horz" wrap="square" lIns="91440" tIns="45720" rIns="91440" bIns="45720" numCol="1" anchor="t" anchorCtr="0" compatLnSpc="1">
@@ -17591,7 +17391,6 @@
             <a:headEnd/>
             <a:tailEnd/>
           </a:ln>
-          <a:extLst/>
         </p:spPr>
         <p:txBody>
           <a:bodyPr vert="horz" wrap="square" lIns="91440" tIns="45720" rIns="91440" bIns="45720" numCol="1" anchor="t" anchorCtr="0" compatLnSpc="1">
@@ -17633,7 +17432,6 @@
             <a:headEnd/>
             <a:tailEnd/>
           </a:ln>
-          <a:extLst/>
         </p:spPr>
         <p:txBody>
           <a:bodyPr vert="horz" wrap="square" lIns="91440" tIns="45720" rIns="91440" bIns="45720" numCol="1" anchor="t" anchorCtr="0" compatLnSpc="1">
@@ -17675,7 +17473,6 @@
             <a:headEnd/>
             <a:tailEnd/>
           </a:ln>
-          <a:extLst/>
         </p:spPr>
         <p:txBody>
           <a:bodyPr vert="horz" wrap="square" lIns="91440" tIns="45720" rIns="91440" bIns="45720" numCol="1" anchor="t" anchorCtr="0" compatLnSpc="1">
@@ -17717,7 +17514,6 @@
             <a:headEnd/>
             <a:tailEnd/>
           </a:ln>
-          <a:extLst/>
         </p:spPr>
         <p:txBody>
           <a:bodyPr vert="horz" wrap="square" lIns="91440" tIns="45720" rIns="91440" bIns="45720" numCol="1" anchor="t" anchorCtr="0" compatLnSpc="1">
@@ -17759,7 +17555,6 @@
             <a:headEnd/>
             <a:tailEnd/>
           </a:ln>
-          <a:extLst/>
         </p:spPr>
         <p:txBody>
           <a:bodyPr vert="horz" wrap="square" lIns="91440" tIns="45720" rIns="91440" bIns="45720" numCol="1" anchor="t" anchorCtr="0" compatLnSpc="1">
@@ -17801,7 +17596,6 @@
             <a:headEnd/>
             <a:tailEnd/>
           </a:ln>
-          <a:extLst/>
         </p:spPr>
         <p:txBody>
           <a:bodyPr vert="horz" wrap="square" lIns="91440" tIns="45720" rIns="91440" bIns="45720" numCol="1" anchor="t" anchorCtr="0" compatLnSpc="1">
@@ -17843,7 +17637,6 @@
             <a:headEnd/>
             <a:tailEnd/>
           </a:ln>
-          <a:extLst/>
         </p:spPr>
         <p:txBody>
           <a:bodyPr vert="horz" wrap="square" lIns="91440" tIns="45720" rIns="91440" bIns="45720" numCol="1" anchor="t" anchorCtr="0" compatLnSpc="1">
@@ -17885,7 +17678,6 @@
             <a:headEnd/>
             <a:tailEnd/>
           </a:ln>
-          <a:extLst/>
         </p:spPr>
         <p:txBody>
           <a:bodyPr vert="horz" wrap="square" lIns="91440" tIns="45720" rIns="91440" bIns="45720" numCol="1" anchor="t" anchorCtr="0" compatLnSpc="1">
@@ -17927,7 +17719,6 @@
             <a:headEnd/>
             <a:tailEnd/>
           </a:ln>
-          <a:extLst/>
         </p:spPr>
         <p:txBody>
           <a:bodyPr vert="horz" wrap="square" lIns="91440" tIns="45720" rIns="91440" bIns="45720" numCol="1" anchor="t" anchorCtr="0" compatLnSpc="1">
@@ -17969,7 +17760,6 @@
             <a:headEnd/>
             <a:tailEnd/>
           </a:ln>
-          <a:extLst/>
         </p:spPr>
         <p:txBody>
           <a:bodyPr vert="horz" wrap="square" lIns="91440" tIns="45720" rIns="91440" bIns="45720" numCol="1" anchor="t" anchorCtr="0" compatLnSpc="1">
@@ -18011,7 +17801,6 @@
             <a:headEnd/>
             <a:tailEnd/>
           </a:ln>
-          <a:extLst/>
         </p:spPr>
         <p:txBody>
           <a:bodyPr vert="horz" wrap="square" lIns="91440" tIns="45720" rIns="91440" bIns="45720" numCol="1" anchor="t" anchorCtr="0" compatLnSpc="1">
@@ -18048,7 +17837,7 @@
           <a:lstStyle/>
           <a:p>
             <a:r>
-              <a:rPr lang="en-GB" dirty="0" smtClean="0">
+              <a:rPr lang="en-GB" dirty="0">
                 <a:latin typeface="Courier New" panose="02070309020205020404" pitchFamily="49" charset="0"/>
                 <a:cs typeface="Courier New" panose="02070309020205020404" pitchFamily="49" charset="0"/>
               </a:rPr>
@@ -18085,7 +17874,6 @@
             <a:headEnd/>
             <a:tailEnd/>
           </a:ln>
-          <a:extLst/>
         </p:spPr>
         <p:txBody>
           <a:bodyPr vert="horz" wrap="square" lIns="91440" tIns="45720" rIns="91440" bIns="45720" numCol="1" anchor="t" anchorCtr="0" compatLnSpc="1">
@@ -18127,7 +17915,6 @@
             <a:headEnd/>
             <a:tailEnd/>
           </a:ln>
-          <a:extLst/>
         </p:spPr>
         <p:txBody>
           <a:bodyPr vert="horz" wrap="square" lIns="91440" tIns="45720" rIns="91440" bIns="45720" numCol="1" anchor="t" anchorCtr="0" compatLnSpc="1">
@@ -18169,7 +17956,6 @@
             <a:headEnd/>
             <a:tailEnd/>
           </a:ln>
-          <a:extLst/>
         </p:spPr>
         <p:txBody>
           <a:bodyPr vert="horz" wrap="square" lIns="91440" tIns="45720" rIns="91440" bIns="45720" numCol="1" anchor="t" anchorCtr="0" compatLnSpc="1">
@@ -18211,7 +17997,6 @@
             <a:headEnd/>
             <a:tailEnd/>
           </a:ln>
-          <a:extLst/>
         </p:spPr>
         <p:txBody>
           <a:bodyPr vert="horz" wrap="square" lIns="91440" tIns="45720" rIns="91440" bIns="45720" numCol="1" anchor="t" anchorCtr="0" compatLnSpc="1">
@@ -18253,7 +18038,6 @@
             <a:headEnd/>
             <a:tailEnd/>
           </a:ln>
-          <a:extLst/>
         </p:spPr>
         <p:txBody>
           <a:bodyPr vert="horz" wrap="square" lIns="91440" tIns="45720" rIns="91440" bIns="45720" numCol="1" anchor="t" anchorCtr="0" compatLnSpc="1">
@@ -18295,7 +18079,6 @@
             <a:headEnd/>
             <a:tailEnd/>
           </a:ln>
-          <a:extLst/>
         </p:spPr>
         <p:txBody>
           <a:bodyPr vert="horz" wrap="square" lIns="91440" tIns="45720" rIns="91440" bIns="45720" numCol="1" anchor="t" anchorCtr="0" compatLnSpc="1">
@@ -18337,7 +18120,6 @@
             <a:headEnd/>
             <a:tailEnd/>
           </a:ln>
-          <a:extLst/>
         </p:spPr>
         <p:txBody>
           <a:bodyPr vert="horz" wrap="square" lIns="91440" tIns="45720" rIns="91440" bIns="45720" numCol="1" anchor="t" anchorCtr="0" compatLnSpc="1">
@@ -18379,7 +18161,6 @@
             <a:headEnd/>
             <a:tailEnd/>
           </a:ln>
-          <a:extLst/>
         </p:spPr>
         <p:txBody>
           <a:bodyPr vert="horz" wrap="square" lIns="91440" tIns="45720" rIns="91440" bIns="45720" numCol="1" anchor="t" anchorCtr="0" compatLnSpc="1">
@@ -18421,7 +18202,6 @@
             <a:headEnd/>
             <a:tailEnd/>
           </a:ln>
-          <a:extLst/>
         </p:spPr>
         <p:txBody>
           <a:bodyPr vert="horz" wrap="square" lIns="91440" tIns="45720" rIns="91440" bIns="45720" numCol="1" anchor="t" anchorCtr="0" compatLnSpc="1">
@@ -18463,7 +18243,6 @@
             <a:headEnd/>
             <a:tailEnd/>
           </a:ln>
-          <a:extLst/>
         </p:spPr>
         <p:txBody>
           <a:bodyPr vert="horz" wrap="square" lIns="91440" tIns="45720" rIns="91440" bIns="45720" numCol="1" anchor="t" anchorCtr="0" compatLnSpc="1">
@@ -18505,7 +18284,6 @@
             <a:headEnd/>
             <a:tailEnd/>
           </a:ln>
-          <a:extLst/>
         </p:spPr>
         <p:txBody>
           <a:bodyPr vert="horz" wrap="square" lIns="91440" tIns="45720" rIns="91440" bIns="45720" numCol="1" anchor="t" anchorCtr="0" compatLnSpc="1">
@@ -18547,7 +18325,6 @@
             <a:headEnd/>
             <a:tailEnd/>
           </a:ln>
-          <a:extLst/>
         </p:spPr>
         <p:txBody>
           <a:bodyPr vert="horz" wrap="square" lIns="91440" tIns="45720" rIns="91440" bIns="45720" numCol="1" anchor="t" anchorCtr="0" compatLnSpc="1">
@@ -18589,7 +18366,6 @@
             <a:headEnd/>
             <a:tailEnd/>
           </a:ln>
-          <a:extLst/>
         </p:spPr>
         <p:txBody>
           <a:bodyPr vert="horz" wrap="square" lIns="91440" tIns="45720" rIns="91440" bIns="45720" numCol="1" anchor="t" anchorCtr="0" compatLnSpc="1">
@@ -18631,7 +18407,6 @@
             <a:headEnd/>
             <a:tailEnd/>
           </a:ln>
-          <a:extLst/>
         </p:spPr>
         <p:txBody>
           <a:bodyPr vert="horz" wrap="square" lIns="91440" tIns="45720" rIns="91440" bIns="45720" numCol="1" anchor="t" anchorCtr="0" compatLnSpc="1">
@@ -18673,7 +18448,6 @@
             <a:headEnd/>
             <a:tailEnd/>
           </a:ln>
-          <a:extLst/>
         </p:spPr>
         <p:txBody>
           <a:bodyPr vert="horz" wrap="square" lIns="91440" tIns="45720" rIns="91440" bIns="45720" numCol="1" anchor="t" anchorCtr="0" compatLnSpc="1">
@@ -18715,7 +18489,6 @@
             <a:headEnd/>
             <a:tailEnd/>
           </a:ln>
-          <a:extLst/>
         </p:spPr>
         <p:txBody>
           <a:bodyPr vert="horz" wrap="square" lIns="91440" tIns="45720" rIns="91440" bIns="45720" numCol="1" anchor="t" anchorCtr="0" compatLnSpc="1">
@@ -18757,7 +18530,6 @@
             <a:headEnd/>
             <a:tailEnd/>
           </a:ln>
-          <a:extLst/>
         </p:spPr>
         <p:txBody>
           <a:bodyPr vert="horz" wrap="square" lIns="91440" tIns="45720" rIns="91440" bIns="45720" numCol="1" anchor="t" anchorCtr="0" compatLnSpc="1">
@@ -18799,7 +18571,6 @@
             <a:headEnd/>
             <a:tailEnd/>
           </a:ln>
-          <a:extLst/>
         </p:spPr>
         <p:txBody>
           <a:bodyPr vert="horz" wrap="square" lIns="91440" tIns="45720" rIns="91440" bIns="45720" numCol="1" anchor="t" anchorCtr="0" compatLnSpc="1">
@@ -18841,7 +18612,6 @@
             <a:headEnd/>
             <a:tailEnd/>
           </a:ln>
-          <a:extLst/>
         </p:spPr>
         <p:txBody>
           <a:bodyPr vert="horz" wrap="square" lIns="91440" tIns="45720" rIns="91440" bIns="45720" numCol="1" anchor="t" anchorCtr="0" compatLnSpc="1">
@@ -18883,7 +18653,6 @@
             <a:headEnd/>
             <a:tailEnd/>
           </a:ln>
-          <a:extLst/>
         </p:spPr>
         <p:txBody>
           <a:bodyPr vert="horz" wrap="square" lIns="91440" tIns="45720" rIns="91440" bIns="45720" numCol="1" anchor="t" anchorCtr="0" compatLnSpc="1">
@@ -18925,7 +18694,6 @@
             <a:headEnd/>
             <a:tailEnd/>
           </a:ln>
-          <a:extLst/>
         </p:spPr>
         <p:txBody>
           <a:bodyPr vert="horz" wrap="square" lIns="91440" tIns="45720" rIns="91440" bIns="45720" numCol="1" anchor="t" anchorCtr="0" compatLnSpc="1">
@@ -18967,7 +18735,6 @@
             <a:headEnd/>
             <a:tailEnd/>
           </a:ln>
-          <a:extLst/>
         </p:spPr>
         <p:txBody>
           <a:bodyPr vert="horz" wrap="square" lIns="91440" tIns="45720" rIns="91440" bIns="45720" numCol="1" anchor="t" anchorCtr="0" compatLnSpc="1">
@@ -19009,7 +18776,6 @@
             <a:headEnd/>
             <a:tailEnd/>
           </a:ln>
-          <a:extLst/>
         </p:spPr>
         <p:txBody>
           <a:bodyPr vert="horz" wrap="square" lIns="91440" tIns="45720" rIns="91440" bIns="45720" numCol="1" anchor="t" anchorCtr="0" compatLnSpc="1">
@@ -19051,7 +18817,6 @@
             <a:headEnd/>
             <a:tailEnd/>
           </a:ln>
-          <a:extLst/>
         </p:spPr>
         <p:txBody>
           <a:bodyPr vert="horz" wrap="square" lIns="91440" tIns="45720" rIns="91440" bIns="45720" numCol="1" anchor="t" anchorCtr="0" compatLnSpc="1">
@@ -19093,7 +18858,6 @@
             <a:headEnd/>
             <a:tailEnd/>
           </a:ln>
-          <a:extLst/>
         </p:spPr>
         <p:txBody>
           <a:bodyPr vert="horz" wrap="square" lIns="91440" tIns="45720" rIns="91440" bIns="45720" numCol="1" anchor="t" anchorCtr="0" compatLnSpc="1">
@@ -19135,7 +18899,6 @@
             <a:headEnd/>
             <a:tailEnd/>
           </a:ln>
-          <a:extLst/>
         </p:spPr>
         <p:txBody>
           <a:bodyPr vert="horz" wrap="square" lIns="91440" tIns="45720" rIns="91440" bIns="45720" numCol="1" anchor="t" anchorCtr="0" compatLnSpc="1">
@@ -19177,7 +18940,6 @@
             <a:headEnd/>
             <a:tailEnd/>
           </a:ln>
-          <a:extLst/>
         </p:spPr>
         <p:txBody>
           <a:bodyPr vert="horz" wrap="square" lIns="91440" tIns="45720" rIns="91440" bIns="45720" numCol="1" anchor="t" anchorCtr="0" compatLnSpc="1">
@@ -19234,7 +18996,6 @@
               <a:headEnd/>
               <a:tailEnd/>
             </a:ln>
-            <a:extLst/>
           </p:spPr>
           <p:txBody>
             <a:bodyPr vert="horz" wrap="square" lIns="91440" tIns="45720" rIns="91440" bIns="45720" numCol="1" anchor="t" anchorCtr="0" compatLnSpc="1">
@@ -19276,7 +19037,6 @@
               <a:headEnd/>
               <a:tailEnd/>
             </a:ln>
-            <a:extLst/>
           </p:spPr>
           <p:txBody>
             <a:bodyPr vert="horz" wrap="square" lIns="91440" tIns="45720" rIns="91440" bIns="45720" numCol="1" anchor="t" anchorCtr="0" compatLnSpc="1">
@@ -19318,7 +19078,6 @@
               <a:headEnd/>
               <a:tailEnd/>
             </a:ln>
-            <a:extLst/>
           </p:spPr>
           <p:txBody>
             <a:bodyPr vert="horz" wrap="square" lIns="91440" tIns="45720" rIns="91440" bIns="45720" numCol="1" anchor="t" anchorCtr="0" compatLnSpc="1">
@@ -19360,7 +19119,6 @@
               <a:headEnd/>
               <a:tailEnd/>
             </a:ln>
-            <a:extLst/>
           </p:spPr>
           <p:txBody>
             <a:bodyPr vert="horz" wrap="square" lIns="91440" tIns="45720" rIns="91440" bIns="45720" numCol="1" anchor="t" anchorCtr="0" compatLnSpc="1">
@@ -19402,7 +19160,6 @@
               <a:headEnd/>
               <a:tailEnd/>
             </a:ln>
-            <a:extLst/>
           </p:spPr>
           <p:txBody>
             <a:bodyPr vert="horz" wrap="square" lIns="91440" tIns="45720" rIns="91440" bIns="45720" numCol="1" anchor="t" anchorCtr="0" compatLnSpc="1">
@@ -19444,7 +19201,6 @@
               <a:headEnd/>
               <a:tailEnd/>
             </a:ln>
-            <a:extLst/>
           </p:spPr>
           <p:txBody>
             <a:bodyPr vert="horz" wrap="square" lIns="91440" tIns="45720" rIns="91440" bIns="45720" numCol="1" anchor="t" anchorCtr="0" compatLnSpc="1">
@@ -19486,7 +19242,6 @@
               <a:headEnd/>
               <a:tailEnd/>
             </a:ln>
-            <a:extLst/>
           </p:spPr>
           <p:txBody>
             <a:bodyPr vert="horz" wrap="square" lIns="91440" tIns="45720" rIns="91440" bIns="45720" numCol="1" anchor="t" anchorCtr="0" compatLnSpc="1">
@@ -19528,7 +19283,6 @@
               <a:headEnd/>
               <a:tailEnd/>
             </a:ln>
-            <a:extLst/>
           </p:spPr>
           <p:txBody>
             <a:bodyPr vert="horz" wrap="square" lIns="91440" tIns="45720" rIns="91440" bIns="45720" numCol="1" anchor="t" anchorCtr="0" compatLnSpc="1">
@@ -19570,7 +19324,6 @@
               <a:headEnd/>
               <a:tailEnd/>
             </a:ln>
-            <a:extLst/>
           </p:spPr>
           <p:txBody>
             <a:bodyPr vert="horz" wrap="square" lIns="91440" tIns="45720" rIns="91440" bIns="45720" numCol="1" anchor="t" anchorCtr="0" compatLnSpc="1">
@@ -19612,7 +19365,6 @@
               <a:headEnd/>
               <a:tailEnd/>
             </a:ln>
-            <a:extLst/>
           </p:spPr>
           <p:txBody>
             <a:bodyPr vert="horz" wrap="square" lIns="91440" tIns="45720" rIns="91440" bIns="45720" numCol="1" anchor="t" anchorCtr="0" compatLnSpc="1">
@@ -19654,7 +19406,6 @@
               <a:headEnd/>
               <a:tailEnd/>
             </a:ln>
-            <a:extLst/>
           </p:spPr>
           <p:txBody>
             <a:bodyPr vert="horz" wrap="square" lIns="91440" tIns="45720" rIns="91440" bIns="45720" numCol="1" anchor="t" anchorCtr="0" compatLnSpc="1">
@@ -19696,7 +19447,6 @@
               <a:headEnd/>
               <a:tailEnd/>
             </a:ln>
-            <a:extLst/>
           </p:spPr>
           <p:txBody>
             <a:bodyPr vert="horz" wrap="square" lIns="91440" tIns="45720" rIns="91440" bIns="45720" numCol="1" anchor="t" anchorCtr="0" compatLnSpc="1">
@@ -19738,7 +19488,6 @@
               <a:headEnd/>
               <a:tailEnd/>
             </a:ln>
-            <a:extLst/>
           </p:spPr>
           <p:txBody>
             <a:bodyPr vert="horz" wrap="square" lIns="91440" tIns="45720" rIns="91440" bIns="45720" numCol="1" anchor="t" anchorCtr="0" compatLnSpc="1">
@@ -19780,7 +19529,6 @@
               <a:headEnd/>
               <a:tailEnd/>
             </a:ln>
-            <a:extLst/>
           </p:spPr>
           <p:txBody>
             <a:bodyPr vert="horz" wrap="square" lIns="91440" tIns="45720" rIns="91440" bIns="45720" numCol="1" anchor="t" anchorCtr="0" compatLnSpc="1">
@@ -19822,7 +19570,6 @@
               <a:headEnd/>
               <a:tailEnd/>
             </a:ln>
-            <a:extLst/>
           </p:spPr>
           <p:txBody>
             <a:bodyPr vert="horz" wrap="square" lIns="91440" tIns="45720" rIns="91440" bIns="45720" numCol="1" anchor="t" anchorCtr="0" compatLnSpc="1">
@@ -19864,7 +19611,6 @@
               <a:headEnd/>
               <a:tailEnd/>
             </a:ln>
-            <a:extLst/>
           </p:spPr>
           <p:txBody>
             <a:bodyPr vert="horz" wrap="square" lIns="91440" tIns="45720" rIns="91440" bIns="45720" numCol="1" anchor="t" anchorCtr="0" compatLnSpc="1">
@@ -19906,7 +19652,6 @@
               <a:headEnd/>
               <a:tailEnd/>
             </a:ln>
-            <a:extLst/>
           </p:spPr>
           <p:txBody>
             <a:bodyPr vert="horz" wrap="square" lIns="91440" tIns="45720" rIns="91440" bIns="45720" numCol="1" anchor="t" anchorCtr="0" compatLnSpc="1">
@@ -19948,7 +19693,6 @@
               <a:headEnd/>
               <a:tailEnd/>
             </a:ln>
-            <a:extLst/>
           </p:spPr>
           <p:txBody>
             <a:bodyPr vert="horz" wrap="square" lIns="91440" tIns="45720" rIns="91440" bIns="45720" numCol="1" anchor="t" anchorCtr="0" compatLnSpc="1">
@@ -19990,7 +19734,6 @@
               <a:headEnd/>
               <a:tailEnd/>
             </a:ln>
-            <a:extLst/>
           </p:spPr>
           <p:txBody>
             <a:bodyPr vert="horz" wrap="square" lIns="91440" tIns="45720" rIns="91440" bIns="45720" numCol="1" anchor="t" anchorCtr="0" compatLnSpc="1">
@@ -20032,7 +19775,6 @@
               <a:headEnd/>
               <a:tailEnd/>
             </a:ln>
-            <a:extLst/>
           </p:spPr>
           <p:txBody>
             <a:bodyPr vert="horz" wrap="square" lIns="91440" tIns="45720" rIns="91440" bIns="45720" numCol="1" anchor="t" anchorCtr="0" compatLnSpc="1">
@@ -20074,7 +19816,6 @@
               <a:headEnd/>
               <a:tailEnd/>
             </a:ln>
-            <a:extLst/>
           </p:spPr>
           <p:txBody>
             <a:bodyPr vert="horz" wrap="square" lIns="91440" tIns="45720" rIns="91440" bIns="45720" numCol="1" anchor="t" anchorCtr="0" compatLnSpc="1">
@@ -20116,7 +19857,6 @@
               <a:headEnd/>
               <a:tailEnd/>
             </a:ln>
-            <a:extLst/>
           </p:spPr>
           <p:txBody>
             <a:bodyPr vert="horz" wrap="square" lIns="91440" tIns="45720" rIns="91440" bIns="45720" numCol="1" anchor="t" anchorCtr="0" compatLnSpc="1">
@@ -20158,7 +19898,6 @@
               <a:headEnd/>
               <a:tailEnd/>
             </a:ln>
-            <a:extLst/>
           </p:spPr>
           <p:txBody>
             <a:bodyPr vert="horz" wrap="square" lIns="91440" tIns="45720" rIns="91440" bIns="45720" numCol="1" anchor="t" anchorCtr="0" compatLnSpc="1">
@@ -20200,7 +19939,6 @@
               <a:headEnd/>
               <a:tailEnd/>
             </a:ln>
-            <a:extLst/>
           </p:spPr>
           <p:txBody>
             <a:bodyPr vert="horz" wrap="square" lIns="91440" tIns="45720" rIns="91440" bIns="45720" numCol="1" anchor="t" anchorCtr="0" compatLnSpc="1">
@@ -20242,7 +19980,6 @@
               <a:headEnd/>
               <a:tailEnd/>
             </a:ln>
-            <a:extLst/>
           </p:spPr>
           <p:txBody>
             <a:bodyPr vert="horz" wrap="square" lIns="91440" tIns="45720" rIns="91440" bIns="45720" numCol="1" anchor="t" anchorCtr="0" compatLnSpc="1">
@@ -20284,7 +20021,6 @@
               <a:headEnd/>
               <a:tailEnd/>
             </a:ln>
-            <a:extLst/>
           </p:spPr>
           <p:txBody>
             <a:bodyPr vert="horz" wrap="square" lIns="91440" tIns="45720" rIns="91440" bIns="45720" numCol="1" anchor="t" anchorCtr="0" compatLnSpc="1">
@@ -20326,7 +20062,6 @@
               <a:headEnd/>
               <a:tailEnd/>
             </a:ln>
-            <a:extLst/>
           </p:spPr>
           <p:txBody>
             <a:bodyPr vert="horz" wrap="square" lIns="91440" tIns="45720" rIns="91440" bIns="45720" numCol="1" anchor="t" anchorCtr="0" compatLnSpc="1">
@@ -20384,7 +20119,6 @@
               <a:headEnd/>
               <a:tailEnd/>
             </a:ln>
-            <a:extLst/>
           </p:spPr>
           <p:txBody>
             <a:bodyPr vert="horz" wrap="square" lIns="91440" tIns="45720" rIns="91440" bIns="45720" numCol="1" anchor="t" anchorCtr="0" compatLnSpc="1">
@@ -20426,7 +20160,6 @@
               <a:headEnd/>
               <a:tailEnd/>
             </a:ln>
-            <a:extLst/>
           </p:spPr>
           <p:txBody>
             <a:bodyPr vert="horz" wrap="square" lIns="91440" tIns="45720" rIns="91440" bIns="45720" numCol="1" anchor="t" anchorCtr="0" compatLnSpc="1">
@@ -20468,7 +20201,6 @@
               <a:headEnd/>
               <a:tailEnd/>
             </a:ln>
-            <a:extLst/>
           </p:spPr>
           <p:txBody>
             <a:bodyPr vert="horz" wrap="square" lIns="91440" tIns="45720" rIns="91440" bIns="45720" numCol="1" anchor="t" anchorCtr="0" compatLnSpc="1">
@@ -20510,7 +20242,6 @@
               <a:headEnd/>
               <a:tailEnd/>
             </a:ln>
-            <a:extLst/>
           </p:spPr>
           <p:txBody>
             <a:bodyPr vert="horz" wrap="square" lIns="91440" tIns="45720" rIns="91440" bIns="45720" numCol="1" anchor="t" anchorCtr="0" compatLnSpc="1">
@@ -20552,7 +20283,6 @@
               <a:headEnd/>
               <a:tailEnd/>
             </a:ln>
-            <a:extLst/>
           </p:spPr>
           <p:txBody>
             <a:bodyPr vert="horz" wrap="square" lIns="91440" tIns="45720" rIns="91440" bIns="45720" numCol="1" anchor="t" anchorCtr="0" compatLnSpc="1">
@@ -20594,7 +20324,6 @@
               <a:headEnd/>
               <a:tailEnd/>
             </a:ln>
-            <a:extLst/>
           </p:spPr>
           <p:txBody>
             <a:bodyPr vert="horz" wrap="square" lIns="91440" tIns="45720" rIns="91440" bIns="45720" numCol="1" anchor="t" anchorCtr="0" compatLnSpc="1">
@@ -20636,7 +20365,6 @@
               <a:headEnd/>
               <a:tailEnd/>
             </a:ln>
-            <a:extLst/>
           </p:spPr>
           <p:txBody>
             <a:bodyPr vert="horz" wrap="square" lIns="91440" tIns="45720" rIns="91440" bIns="45720" numCol="1" anchor="t" anchorCtr="0" compatLnSpc="1">
@@ -20678,7 +20406,6 @@
               <a:headEnd/>
               <a:tailEnd/>
             </a:ln>
-            <a:extLst/>
           </p:spPr>
           <p:txBody>
             <a:bodyPr vert="horz" wrap="square" lIns="91440" tIns="45720" rIns="91440" bIns="45720" numCol="1" anchor="t" anchorCtr="0" compatLnSpc="1">
@@ -20720,7 +20447,6 @@
               <a:headEnd/>
               <a:tailEnd/>
             </a:ln>
-            <a:extLst/>
           </p:spPr>
           <p:txBody>
             <a:bodyPr vert="horz" wrap="square" lIns="91440" tIns="45720" rIns="91440" bIns="45720" numCol="1" anchor="t" anchorCtr="0" compatLnSpc="1">
@@ -20762,7 +20488,6 @@
               <a:headEnd/>
               <a:tailEnd/>
             </a:ln>
-            <a:extLst/>
           </p:spPr>
           <p:txBody>
             <a:bodyPr vert="horz" wrap="square" lIns="91440" tIns="45720" rIns="91440" bIns="45720" numCol="1" anchor="t" anchorCtr="0" compatLnSpc="1">
@@ -20804,7 +20529,6 @@
               <a:headEnd/>
               <a:tailEnd/>
             </a:ln>
-            <a:extLst/>
           </p:spPr>
           <p:txBody>
             <a:bodyPr vert="horz" wrap="square" lIns="91440" tIns="45720" rIns="91440" bIns="45720" numCol="1" anchor="t" anchorCtr="0" compatLnSpc="1">
@@ -20846,7 +20570,6 @@
               <a:headEnd/>
               <a:tailEnd/>
             </a:ln>
-            <a:extLst/>
           </p:spPr>
           <p:txBody>
             <a:bodyPr vert="horz" wrap="square" lIns="91440" tIns="45720" rIns="91440" bIns="45720" numCol="1" anchor="t" anchorCtr="0" compatLnSpc="1">
@@ -20888,7 +20611,6 @@
               <a:headEnd/>
               <a:tailEnd/>
             </a:ln>
-            <a:extLst/>
           </p:spPr>
           <p:txBody>
             <a:bodyPr vert="horz" wrap="square" lIns="91440" tIns="45720" rIns="91440" bIns="45720" numCol="1" anchor="t" anchorCtr="0" compatLnSpc="1">
@@ -20930,7 +20652,6 @@
               <a:headEnd/>
               <a:tailEnd/>
             </a:ln>
-            <a:extLst/>
           </p:spPr>
           <p:txBody>
             <a:bodyPr vert="horz" wrap="square" lIns="91440" tIns="45720" rIns="91440" bIns="45720" numCol="1" anchor="t" anchorCtr="0" compatLnSpc="1">
@@ -20972,7 +20693,6 @@
               <a:headEnd/>
               <a:tailEnd/>
             </a:ln>
-            <a:extLst/>
           </p:spPr>
           <p:txBody>
             <a:bodyPr vert="horz" wrap="square" lIns="91440" tIns="45720" rIns="91440" bIns="45720" numCol="1" anchor="t" anchorCtr="0" compatLnSpc="1">
@@ -21014,7 +20734,6 @@
               <a:headEnd/>
               <a:tailEnd/>
             </a:ln>
-            <a:extLst/>
           </p:spPr>
           <p:txBody>
             <a:bodyPr vert="horz" wrap="square" lIns="91440" tIns="45720" rIns="91440" bIns="45720" numCol="1" anchor="t" anchorCtr="0" compatLnSpc="1">
@@ -21056,7 +20775,6 @@
               <a:headEnd/>
               <a:tailEnd/>
             </a:ln>
-            <a:extLst/>
           </p:spPr>
           <p:txBody>
             <a:bodyPr vert="horz" wrap="square" lIns="91440" tIns="45720" rIns="91440" bIns="45720" numCol="1" anchor="t" anchorCtr="0" compatLnSpc="1">
@@ -21098,7 +20816,6 @@
               <a:headEnd/>
               <a:tailEnd/>
             </a:ln>
-            <a:extLst/>
           </p:spPr>
           <p:txBody>
             <a:bodyPr vert="horz" wrap="square" lIns="91440" tIns="45720" rIns="91440" bIns="45720" numCol="1" anchor="t" anchorCtr="0" compatLnSpc="1">
@@ -21140,7 +20857,6 @@
               <a:headEnd/>
               <a:tailEnd/>
             </a:ln>
-            <a:extLst/>
           </p:spPr>
           <p:txBody>
             <a:bodyPr vert="horz" wrap="square" lIns="91440" tIns="45720" rIns="91440" bIns="45720" numCol="1" anchor="t" anchorCtr="0" compatLnSpc="1">
@@ -21182,7 +20898,6 @@
               <a:headEnd/>
               <a:tailEnd/>
             </a:ln>
-            <a:extLst/>
           </p:spPr>
           <p:txBody>
             <a:bodyPr vert="horz" wrap="square" lIns="91440" tIns="45720" rIns="91440" bIns="45720" numCol="1" anchor="t" anchorCtr="0" compatLnSpc="1">
@@ -21224,7 +20939,6 @@
               <a:headEnd/>
               <a:tailEnd/>
             </a:ln>
-            <a:extLst/>
           </p:spPr>
           <p:txBody>
             <a:bodyPr vert="horz" wrap="square" lIns="91440" tIns="45720" rIns="91440" bIns="45720" numCol="1" anchor="t" anchorCtr="0" compatLnSpc="1">
@@ -21266,7 +20980,6 @@
               <a:headEnd/>
               <a:tailEnd/>
             </a:ln>
-            <a:extLst/>
           </p:spPr>
           <p:txBody>
             <a:bodyPr vert="horz" wrap="square" lIns="91440" tIns="45720" rIns="91440" bIns="45720" numCol="1" anchor="t" anchorCtr="0" compatLnSpc="1">
@@ -21308,7 +21021,6 @@
               <a:headEnd/>
               <a:tailEnd/>
             </a:ln>
-            <a:extLst/>
           </p:spPr>
           <p:txBody>
             <a:bodyPr vert="horz" wrap="square" lIns="91440" tIns="45720" rIns="91440" bIns="45720" numCol="1" anchor="t" anchorCtr="0" compatLnSpc="1">
@@ -21350,7 +21062,6 @@
               <a:headEnd/>
               <a:tailEnd/>
             </a:ln>
-            <a:extLst/>
           </p:spPr>
           <p:txBody>
             <a:bodyPr vert="horz" wrap="square" lIns="91440" tIns="45720" rIns="91440" bIns="45720" numCol="1" anchor="t" anchorCtr="0" compatLnSpc="1">
@@ -21392,7 +21103,6 @@
               <a:headEnd/>
               <a:tailEnd/>
             </a:ln>
-            <a:extLst/>
           </p:spPr>
           <p:txBody>
             <a:bodyPr vert="horz" wrap="square" lIns="91440" tIns="45720" rIns="91440" bIns="45720" numCol="1" anchor="t" anchorCtr="0" compatLnSpc="1">
@@ -21434,7 +21144,6 @@
               <a:headEnd/>
               <a:tailEnd/>
             </a:ln>
-            <a:extLst/>
           </p:spPr>
           <p:txBody>
             <a:bodyPr vert="horz" wrap="square" lIns="91440" tIns="45720" rIns="91440" bIns="45720" numCol="1" anchor="t" anchorCtr="0" compatLnSpc="1">
@@ -21476,7 +21185,6 @@
               <a:headEnd/>
               <a:tailEnd/>
             </a:ln>
-            <a:extLst/>
           </p:spPr>
           <p:txBody>
             <a:bodyPr vert="horz" wrap="square" lIns="91440" tIns="45720" rIns="91440" bIns="45720" numCol="1" anchor="t" anchorCtr="0" compatLnSpc="1">
@@ -21712,10 +21420,9 @@
           <a:lstStyle/>
           <a:p>
             <a:r>
-              <a:rPr lang="en-GB" sz="800" dirty="0" smtClean="0"/>
+              <a:rPr lang="en-GB" sz="800" dirty="0"/>
               <a:t>Josiah</a:t>
             </a:r>
-            <a:endParaRPr lang="en-GB" sz="800" dirty="0"/>
           </a:p>
         </p:txBody>
       </p:sp>
@@ -21749,10 +21456,9 @@
           <a:lstStyle/>
           <a:p>
             <a:r>
-              <a:rPr lang="en-GB" sz="800" dirty="0" smtClean="0"/>
+              <a:rPr lang="en-GB" sz="800" dirty="0"/>
               <a:t>Tom</a:t>
             </a:r>
-            <a:endParaRPr lang="en-GB" sz="800" dirty="0"/>
           </a:p>
         </p:txBody>
       </p:sp>
@@ -21958,7 +21664,7 @@
           <a:lstStyle/>
           <a:p>
             <a:r>
-              <a:rPr lang="en-GB" sz="800" dirty="0" err="1" smtClean="0">
+              <a:rPr lang="en-GB" sz="800" dirty="0" err="1">
                 <a:solidFill>
                   <a:schemeClr val="bg1"/>
                 </a:solidFill>
@@ -22003,7 +21709,7 @@
           <a:lstStyle/>
           <a:p>
             <a:r>
-              <a:rPr lang="en-GB" sz="800" dirty="0" err="1" smtClean="0">
+              <a:rPr lang="en-GB" sz="800" dirty="0" err="1">
                 <a:solidFill>
                   <a:schemeClr val="bg1"/>
                 </a:solidFill>
@@ -22048,7 +21754,7 @@
           <a:lstStyle/>
           <a:p>
             <a:r>
-              <a:rPr lang="en-GB" sz="800" dirty="0" err="1" smtClean="0"/>
+              <a:rPr lang="en-GB" sz="800" dirty="0" err="1"/>
               <a:t>TaskZ</a:t>
             </a:r>
             <a:endParaRPr lang="en-GB" sz="800" dirty="0"/>
@@ -22216,7 +21922,6 @@
             <a:headEnd/>
             <a:tailEnd/>
           </a:ln>
-          <a:extLst/>
         </p:spPr>
         <p:txBody>
           <a:bodyPr vert="horz" wrap="square" lIns="91440" tIns="45720" rIns="91440" bIns="45720" numCol="1" anchor="t" anchorCtr="0" compatLnSpc="1">
@@ -22258,7 +21963,6 @@
             <a:headEnd/>
             <a:tailEnd/>
           </a:ln>
-          <a:extLst/>
         </p:spPr>
         <p:txBody>
           <a:bodyPr vert="horz" wrap="square" lIns="91440" tIns="45720" rIns="91440" bIns="45720" numCol="1" anchor="t" anchorCtr="0" compatLnSpc="1">
@@ -22300,10 +22004,9 @@
           <a:lstStyle/>
           <a:p>
             <a:r>
-              <a:rPr lang="en-GB" dirty="0" smtClean="0"/>
+              <a:rPr lang="en-GB" dirty="0"/>
               <a:t>Josiah</a:t>
             </a:r>
-            <a:endParaRPr lang="en-GB" dirty="0"/>
           </a:p>
         </p:txBody>
       </p:sp>
@@ -22335,10 +22038,9 @@
           <a:lstStyle/>
           <a:p>
             <a:r>
-              <a:rPr lang="en-GB" dirty="0" smtClean="0"/>
+              <a:rPr lang="en-GB" dirty="0"/>
               <a:t>Tom</a:t>
             </a:r>
-            <a:endParaRPr lang="en-GB" dirty="0"/>
           </a:p>
         </p:txBody>
       </p:sp>
@@ -22356,8 +22058,8 @@
             <a:chExt cx="833396" cy="491652"/>
           </a:xfrm>
         </p:grpSpPr>
-        <mc:AlternateContent xmlns:mc="http://schemas.openxmlformats.org/markup-compatibility/2006" xmlns:a14="http://schemas.microsoft.com/office/drawing/2010/main">
-          <mc:Choice Requires="a14">
+        <mc:AlternateContent xmlns:mc="http://schemas.openxmlformats.org/markup-compatibility/2006">
+          <mc:Choice xmlns:a14="http://schemas.microsoft.com/office/drawing/2010/main" Requires="a14">
             <p:sp>
               <p:nvSpPr>
                 <p:cNvPr id="123" name="TextBox 122"/>
@@ -22397,11 +22099,11 @@
                           </m:sSubPr>
                           <m:e>
                             <m:r>
-                              <a:rPr lang="en-GB" i="1" smtClean="0">
+                              <a:rPr lang="en-GB" b="0" i="1" smtClean="0">
                                 <a:latin typeface="Cambria Math" panose="02040503050406030204" pitchFamily="18" charset="0"/>
                                 <a:ea typeface="Cambria Math" panose="02040503050406030204" pitchFamily="18" charset="0"/>
                               </a:rPr>
-                              <m:t>𝛽</m:t>
+                              <m:t>𝑏</m:t>
                             </m:r>
                           </m:e>
                           <m:sub>
@@ -22421,7 +22123,7 @@
               </p:txBody>
             </p:sp>
           </mc:Choice>
-          <mc:Fallback xmlns="">
+          <mc:Fallback>
             <p:sp>
               <p:nvSpPr>
                 <p:cNvPr id="123" name="TextBox 122"/>
@@ -22441,7 +22143,7 @@
                 <a:blipFill>
                   <a:blip r:embed="rId2"/>
                   <a:stretch>
-                    <a:fillRect l="-30435" t="-2174" r="-8696" b="-32609"/>
+                    <a:fillRect l="-19565" r="-6522" b="-15217"/>
                   </a:stretch>
                 </a:blipFill>
               </p:spPr>
@@ -22554,16 +22256,15 @@
             <a:lstStyle/>
             <a:p>
               <a:r>
-                <a:rPr lang="en-GB" sz="1400" dirty="0" smtClean="0"/>
+                <a:rPr lang="en-GB" sz="1400" dirty="0"/>
                 <a:t>1</a:t>
               </a:r>
-              <a:endParaRPr lang="en-GB" sz="1400" dirty="0"/>
             </a:p>
           </p:txBody>
         </p:sp>
       </p:grpSp>
-      <mc:AlternateContent xmlns:mc="http://schemas.openxmlformats.org/markup-compatibility/2006" xmlns:a14="http://schemas.microsoft.com/office/drawing/2010/main">
-        <mc:Choice Requires="a14">
+      <mc:AlternateContent xmlns:mc="http://schemas.openxmlformats.org/markup-compatibility/2006">
+        <mc:Choice xmlns:a14="http://schemas.microsoft.com/office/drawing/2010/main" Requires="a14">
           <p:sp>
             <p:nvSpPr>
               <p:cNvPr id="135" name="TextBox 134"/>
@@ -22603,11 +22304,11 @@
                         </m:sSubPr>
                         <m:e>
                           <m:r>
-                            <a:rPr lang="en-GB" i="1" smtClean="0">
+                            <a:rPr lang="en-GB" b="0" i="1" smtClean="0">
                               <a:latin typeface="Cambria Math" panose="02040503050406030204" pitchFamily="18" charset="0"/>
                               <a:ea typeface="Cambria Math" panose="02040503050406030204" pitchFamily="18" charset="0"/>
                             </a:rPr>
-                            <m:t>𝛽</m:t>
+                            <m:t>𝑏</m:t>
                           </m:r>
                         </m:e>
                         <m:sub>
@@ -22627,7 +22328,7 @@
             </p:txBody>
           </p:sp>
         </mc:Choice>
-        <mc:Fallback xmlns="">
+        <mc:Fallback>
           <p:sp>
             <p:nvSpPr>
               <p:cNvPr id="135" name="TextBox 134"/>
@@ -22647,7 +22348,7 @@
               <a:blipFill>
                 <a:blip r:embed="rId3"/>
                 <a:stretch>
-                  <a:fillRect l="-30435" t="-2174" r="-8696" b="-32609"/>
+                  <a:fillRect l="-19565" r="-6522" b="-15217"/>
                 </a:stretch>
               </a:blipFill>
             </p:spPr>
@@ -22689,15 +22390,14 @@
           <a:lstStyle/>
           <a:p>
             <a:r>
-              <a:rPr lang="en-GB" dirty="0" smtClean="0"/>
+              <a:rPr lang="en-GB" dirty="0"/>
               <a:t>RT</a:t>
             </a:r>
-            <a:endParaRPr lang="en-GB" dirty="0"/>
           </a:p>
         </p:txBody>
       </p:sp>
-      <mc:AlternateContent xmlns:mc="http://schemas.openxmlformats.org/markup-compatibility/2006" xmlns:a14="http://schemas.microsoft.com/office/drawing/2010/main">
-        <mc:Choice Requires="a14">
+      <mc:AlternateContent xmlns:mc="http://schemas.openxmlformats.org/markup-compatibility/2006">
+        <mc:Choice xmlns:a14="http://schemas.microsoft.com/office/drawing/2010/main" Requires="a14">
           <p:sp>
             <p:nvSpPr>
               <p:cNvPr id="139" name="TextBox 138"/>
@@ -22725,19 +22425,12 @@
                     <a:latin typeface="Courier New" panose="02070309020205020404" pitchFamily="49" charset="0"/>
                     <a:cs typeface="Courier New" panose="02070309020205020404" pitchFamily="49" charset="0"/>
                   </a:rPr>
-                  <a:t>l</a:t>
-                </a:r>
-                <a:r>
-                  <a:rPr lang="en-GB" dirty="0" smtClean="0">
-                    <a:latin typeface="Courier New" panose="02070309020205020404" pitchFamily="49" charset="0"/>
-                    <a:cs typeface="Courier New" panose="02070309020205020404" pitchFamily="49" charset="0"/>
-                  </a:rPr>
-                  <a:t>m(RT ~ 1 + Days)</a:t>
+                  <a:t>lm(RT ~ 1 + Days)</a:t>
                 </a:r>
               </a:p>
               <a:p>
                 <a:r>
-                  <a:rPr lang="en-GB" dirty="0" smtClean="0"/>
+                  <a:rPr lang="en-GB" dirty="0"/>
                   <a:t>Intercept </a:t>
                 </a:r>
                 <a:r>
@@ -22745,7 +22438,7 @@
                   <a:t>(RT at day 0) </a:t>
                 </a:r>
                 <a:r>
-                  <a:rPr lang="en-GB" dirty="0" smtClean="0"/>
+                  <a:rPr lang="en-GB" dirty="0"/>
                   <a:t>= </a:t>
                 </a:r>
                 <a14:m>
@@ -22760,11 +22453,10 @@
                       </m:sSubPr>
                       <m:e>
                         <m:r>
-                          <a:rPr lang="en-GB" i="1" smtClean="0">
+                          <a:rPr lang="en-GB" b="0" i="1" smtClean="0">
                             <a:latin typeface="Cambria Math" panose="02040503050406030204" pitchFamily="18" charset="0"/>
-                            <a:ea typeface="Cambria Math" panose="02040503050406030204" pitchFamily="18" charset="0"/>
                           </a:rPr>
-                          <m:t>𝛽</m:t>
+                          <m:t>𝑏</m:t>
                         </m:r>
                       </m:e>
                       <m:sub>
@@ -22778,23 +22470,19 @@
                     </m:sSub>
                   </m:oMath>
                 </a14:m>
-                <a:endParaRPr lang="en-GB" sz="1200" dirty="0" smtClean="0"/>
+                <a:endParaRPr lang="en-GB" sz="1200" dirty="0"/>
               </a:p>
               <a:p>
                 <a:r>
-                  <a:rPr lang="en-GB" dirty="0" smtClean="0"/>
+                  <a:rPr lang="en-GB" dirty="0"/>
                   <a:t>Slope </a:t>
                 </a:r>
                 <a:r>
                   <a:rPr lang="en-GB" sz="1200" dirty="0"/>
-                  <a:t>(Change in RT each day</a:t>
+                  <a:t>(Change in RT each day) </a:t>
                 </a:r>
                 <a:r>
-                  <a:rPr lang="en-GB" sz="1200" dirty="0" smtClean="0"/>
-                  <a:t>) </a:t>
-                </a:r>
-                <a:r>
-                  <a:rPr lang="en-GB" dirty="0" smtClean="0"/>
+                  <a:rPr lang="en-GB" dirty="0"/>
                   <a:t>= </a:t>
                 </a:r>
                 <a14:m>
@@ -22809,11 +22497,11 @@
                       </m:sSubPr>
                       <m:e>
                         <m:r>
-                          <a:rPr lang="en-GB" i="1" smtClean="0">
+                          <a:rPr lang="en-GB" b="0" i="1" smtClean="0">
                             <a:latin typeface="Cambria Math" panose="02040503050406030204" pitchFamily="18" charset="0"/>
                             <a:ea typeface="Cambria Math" panose="02040503050406030204" pitchFamily="18" charset="0"/>
                           </a:rPr>
-                          <m:t>𝛽</m:t>
+                          <m:t>𝑏</m:t>
                         </m:r>
                       </m:e>
                       <m:sub>
@@ -22833,7 +22521,7 @@
             </p:txBody>
           </p:sp>
         </mc:Choice>
-        <mc:Fallback xmlns="">
+        <mc:Fallback>
           <p:sp>
             <p:nvSpPr>
               <p:cNvPr id="139" name="TextBox 138"/>
@@ -22896,13 +22584,8 @@
           <a:p>
             <a:r>
               <a:rPr lang="en-GB" dirty="0"/>
-              <a:t>d</a:t>
+              <a:t>days of sleep deprivation</a:t>
             </a:r>
-            <a:r>
-              <a:rPr lang="en-GB" dirty="0" smtClean="0"/>
-              <a:t>ays of sleep deprivation</a:t>
-            </a:r>
-            <a:endParaRPr lang="en-GB" dirty="0"/>
           </a:p>
         </p:txBody>
       </p:sp>
@@ -22938,7 +22621,6 @@
             <a:headEnd/>
             <a:tailEnd/>
           </a:ln>
-          <a:extLst/>
         </p:spPr>
         <p:txBody>
           <a:bodyPr vert="horz" wrap="square" lIns="91440" tIns="45720" rIns="91440" bIns="45720" numCol="1" anchor="t" anchorCtr="0" compatLnSpc="1">
@@ -22982,7 +22664,7 @@
           <a:lstStyle/>
           <a:p>
             <a:r>
-              <a:rPr lang="en-GB" dirty="0" smtClean="0">
+              <a:rPr lang="en-GB" dirty="0">
                 <a:solidFill>
                   <a:schemeClr val="bg1">
                     <a:lumMod val="85000"/>
@@ -22991,13 +22673,6 @@
               </a:rPr>
               <a:t>Umberto</a:t>
             </a:r>
-            <a:endParaRPr lang="en-GB" dirty="0">
-              <a:solidFill>
-                <a:schemeClr val="bg1">
-                  <a:lumMod val="85000"/>
-                </a:schemeClr>
-              </a:solidFill>
-            </a:endParaRPr>
           </a:p>
         </p:txBody>
       </p:sp>
@@ -23033,7 +22708,6 @@
             <a:headEnd/>
             <a:tailEnd/>
           </a:ln>
-          <a:extLst/>
         </p:spPr>
         <p:txBody>
           <a:bodyPr vert="horz" wrap="square" lIns="91440" tIns="45720" rIns="91440" bIns="45720" numCol="1" anchor="t" anchorCtr="0" compatLnSpc="1">
@@ -23077,7 +22751,7 @@
           <a:lstStyle/>
           <a:p>
             <a:r>
-              <a:rPr lang="en-GB" dirty="0" smtClean="0">
+              <a:rPr lang="en-GB" dirty="0">
                 <a:solidFill>
                   <a:schemeClr val="bg1">
                     <a:lumMod val="85000"/>
@@ -23086,13 +22760,6 @@
               </a:rPr>
               <a:t>Alex</a:t>
             </a:r>
-            <a:endParaRPr lang="en-GB" dirty="0">
-              <a:solidFill>
-                <a:schemeClr val="bg1">
-                  <a:lumMod val="85000"/>
-                </a:schemeClr>
-              </a:solidFill>
-            </a:endParaRPr>
           </a:p>
         </p:txBody>
       </p:sp>
@@ -23128,7 +22795,6 @@
             <a:headEnd/>
             <a:tailEnd/>
           </a:ln>
-          <a:extLst/>
         </p:spPr>
         <p:txBody>
           <a:bodyPr vert="horz" wrap="square" lIns="91440" tIns="45720" rIns="91440" bIns="45720" numCol="1" anchor="t" anchorCtr="0" compatLnSpc="1">
@@ -23172,7 +22838,7 @@
           <a:lstStyle/>
           <a:p>
             <a:r>
-              <a:rPr lang="en-GB" dirty="0" smtClean="0">
+              <a:rPr lang="en-GB" dirty="0">
                 <a:solidFill>
                   <a:schemeClr val="bg1">
                     <a:lumMod val="85000"/>
@@ -23181,13 +22847,6 @@
               </a:rPr>
               <a:t>Monica</a:t>
             </a:r>
-            <a:endParaRPr lang="en-GB" dirty="0">
-              <a:solidFill>
-                <a:schemeClr val="bg1">
-                  <a:lumMod val="85000"/>
-                </a:schemeClr>
-              </a:solidFill>
-            </a:endParaRPr>
           </a:p>
         </p:txBody>
       </p:sp>
@@ -23223,7 +22882,6 @@
             <a:headEnd/>
             <a:tailEnd/>
           </a:ln>
-          <a:extLst/>
         </p:spPr>
         <p:txBody>
           <a:bodyPr vert="horz" wrap="square" lIns="91440" tIns="45720" rIns="91440" bIns="45720" numCol="1" anchor="t" anchorCtr="0" compatLnSpc="1">
@@ -23267,7 +22925,7 @@
           <a:lstStyle/>
           <a:p>
             <a:r>
-              <a:rPr lang="en-GB" dirty="0" smtClean="0">
+              <a:rPr lang="en-GB" dirty="0">
                 <a:solidFill>
                   <a:schemeClr val="bg1">
                     <a:lumMod val="85000"/>
@@ -23276,13 +22934,6 @@
               </a:rPr>
               <a:t>Emma</a:t>
             </a:r>
-            <a:endParaRPr lang="en-GB" dirty="0">
-              <a:solidFill>
-                <a:schemeClr val="bg1">
-                  <a:lumMod val="85000"/>
-                </a:schemeClr>
-              </a:solidFill>
-            </a:endParaRPr>
           </a:p>
         </p:txBody>
       </p:sp>
@@ -23462,7 +23113,6 @@
               <a:headEnd/>
               <a:tailEnd/>
             </a:ln>
-            <a:extLst/>
           </p:spPr>
           <p:txBody>
             <a:bodyPr vert="horz" wrap="square" lIns="91440" tIns="45720" rIns="91440" bIns="45720" numCol="1" anchor="t" anchorCtr="0" compatLnSpc="1">
@@ -23502,7 +23152,6 @@
               <a:headEnd/>
               <a:tailEnd/>
             </a:ln>
-            <a:extLst/>
           </p:spPr>
           <p:txBody>
             <a:bodyPr vert="horz" wrap="square" lIns="91440" tIns="45720" rIns="91440" bIns="45720" numCol="1" anchor="t" anchorCtr="0" compatLnSpc="1">
@@ -23542,7 +23191,6 @@
               <a:headEnd/>
               <a:tailEnd/>
             </a:ln>
-            <a:extLst/>
           </p:spPr>
           <p:txBody>
             <a:bodyPr vert="horz" wrap="square" lIns="91440" tIns="45720" rIns="91440" bIns="45720" numCol="1" anchor="t" anchorCtr="0" compatLnSpc="1">
@@ -23582,7 +23230,6 @@
               <a:headEnd/>
               <a:tailEnd/>
             </a:ln>
-            <a:extLst/>
           </p:spPr>
           <p:txBody>
             <a:bodyPr vert="horz" wrap="square" lIns="91440" tIns="45720" rIns="91440" bIns="45720" numCol="1" anchor="t" anchorCtr="0" compatLnSpc="1">
@@ -23622,7 +23269,6 @@
               <a:headEnd/>
               <a:tailEnd/>
             </a:ln>
-            <a:extLst/>
           </p:spPr>
           <p:txBody>
             <a:bodyPr vert="horz" wrap="square" lIns="91440" tIns="45720" rIns="91440" bIns="45720" numCol="1" anchor="t" anchorCtr="0" compatLnSpc="1">
@@ -23662,7 +23308,6 @@
               <a:headEnd/>
               <a:tailEnd/>
             </a:ln>
-            <a:extLst/>
           </p:spPr>
           <p:txBody>
             <a:bodyPr vert="horz" wrap="square" lIns="91440" tIns="45720" rIns="91440" bIns="45720" numCol="1" anchor="t" anchorCtr="0" compatLnSpc="1">
@@ -23702,7 +23347,6 @@
               <a:headEnd/>
               <a:tailEnd/>
             </a:ln>
-            <a:extLst/>
           </p:spPr>
           <p:txBody>
             <a:bodyPr vert="horz" wrap="square" lIns="91440" tIns="45720" rIns="91440" bIns="45720" numCol="1" anchor="t" anchorCtr="0" compatLnSpc="1">
@@ -23742,7 +23386,6 @@
               <a:headEnd/>
               <a:tailEnd/>
             </a:ln>
-            <a:extLst/>
           </p:spPr>
           <p:txBody>
             <a:bodyPr vert="horz" wrap="square" lIns="91440" tIns="45720" rIns="91440" bIns="45720" numCol="1" anchor="t" anchorCtr="0" compatLnSpc="1">
@@ -23782,7 +23425,6 @@
               <a:headEnd/>
               <a:tailEnd/>
             </a:ln>
-            <a:extLst/>
           </p:spPr>
           <p:txBody>
             <a:bodyPr vert="horz" wrap="square" lIns="91440" tIns="45720" rIns="91440" bIns="45720" numCol="1" anchor="t" anchorCtr="0" compatLnSpc="1">
@@ -23840,7 +23482,6 @@
               <a:headEnd/>
               <a:tailEnd/>
             </a:ln>
-            <a:extLst/>
           </p:spPr>
           <p:txBody>
             <a:bodyPr vert="horz" wrap="square" lIns="91440" tIns="45720" rIns="91440" bIns="45720" numCol="1" anchor="t" anchorCtr="0" compatLnSpc="1">
@@ -23880,7 +23521,6 @@
               <a:headEnd/>
               <a:tailEnd/>
             </a:ln>
-            <a:extLst/>
           </p:spPr>
           <p:txBody>
             <a:bodyPr vert="horz" wrap="square" lIns="91440" tIns="45720" rIns="91440" bIns="45720" numCol="1" anchor="t" anchorCtr="0" compatLnSpc="1">
@@ -23920,7 +23560,6 @@
               <a:headEnd/>
               <a:tailEnd/>
             </a:ln>
-            <a:extLst/>
           </p:spPr>
           <p:txBody>
             <a:bodyPr vert="horz" wrap="square" lIns="91440" tIns="45720" rIns="91440" bIns="45720" numCol="1" anchor="t" anchorCtr="0" compatLnSpc="1">
@@ -23960,7 +23599,6 @@
               <a:headEnd/>
               <a:tailEnd/>
             </a:ln>
-            <a:extLst/>
           </p:spPr>
           <p:txBody>
             <a:bodyPr vert="horz" wrap="square" lIns="91440" tIns="45720" rIns="91440" bIns="45720" numCol="1" anchor="t" anchorCtr="0" compatLnSpc="1">
@@ -24000,7 +23638,6 @@
               <a:headEnd/>
               <a:tailEnd/>
             </a:ln>
-            <a:extLst/>
           </p:spPr>
           <p:txBody>
             <a:bodyPr vert="horz" wrap="square" lIns="91440" tIns="45720" rIns="91440" bIns="45720" numCol="1" anchor="t" anchorCtr="0" compatLnSpc="1">
@@ -24040,7 +23677,6 @@
               <a:headEnd/>
               <a:tailEnd/>
             </a:ln>
-            <a:extLst/>
           </p:spPr>
           <p:txBody>
             <a:bodyPr vert="horz" wrap="square" lIns="91440" tIns="45720" rIns="91440" bIns="45720" numCol="1" anchor="t" anchorCtr="0" compatLnSpc="1">
@@ -24080,7 +23716,6 @@
               <a:headEnd/>
               <a:tailEnd/>
             </a:ln>
-            <a:extLst/>
           </p:spPr>
           <p:txBody>
             <a:bodyPr vert="horz" wrap="square" lIns="91440" tIns="45720" rIns="91440" bIns="45720" numCol="1" anchor="t" anchorCtr="0" compatLnSpc="1">
@@ -24120,7 +23755,6 @@
               <a:headEnd/>
               <a:tailEnd/>
             </a:ln>
-            <a:extLst/>
           </p:spPr>
           <p:txBody>
             <a:bodyPr vert="horz" wrap="square" lIns="91440" tIns="45720" rIns="91440" bIns="45720" numCol="1" anchor="t" anchorCtr="0" compatLnSpc="1">
@@ -24160,7 +23794,6 @@
               <a:headEnd/>
               <a:tailEnd/>
             </a:ln>
-            <a:extLst/>
           </p:spPr>
           <p:txBody>
             <a:bodyPr vert="horz" wrap="square" lIns="91440" tIns="45720" rIns="91440" bIns="45720" numCol="1" anchor="t" anchorCtr="0" compatLnSpc="1">
@@ -24203,10 +23836,9 @@
           <a:lstStyle/>
           <a:p>
             <a:r>
-              <a:rPr lang="en-GB" dirty="0" smtClean="0"/>
+              <a:rPr lang="en-GB" dirty="0"/>
               <a:t>Josiah</a:t>
             </a:r>
-            <a:endParaRPr lang="en-GB" dirty="0"/>
           </a:p>
         </p:txBody>
       </p:sp>
@@ -24238,10 +23870,9 @@
           <a:lstStyle/>
           <a:p>
             <a:r>
-              <a:rPr lang="en-GB" dirty="0" smtClean="0"/>
+              <a:rPr lang="en-GB" dirty="0"/>
               <a:t>Tom</a:t>
             </a:r>
-            <a:endParaRPr lang="en-GB" dirty="0"/>
           </a:p>
         </p:txBody>
       </p:sp>
@@ -24259,8 +23890,8 @@
             <a:chExt cx="833396" cy="491652"/>
           </a:xfrm>
         </p:grpSpPr>
-        <mc:AlternateContent xmlns:mc="http://schemas.openxmlformats.org/markup-compatibility/2006" xmlns:a14="http://schemas.microsoft.com/office/drawing/2010/main">
-          <mc:Choice Requires="a14">
+        <mc:AlternateContent xmlns:mc="http://schemas.openxmlformats.org/markup-compatibility/2006">
+          <mc:Choice xmlns:a14="http://schemas.microsoft.com/office/drawing/2010/main" Requires="a14">
             <p:sp>
               <p:nvSpPr>
                 <p:cNvPr id="123" name="TextBox 122"/>
@@ -24300,11 +23931,11 @@
                           </m:sSubPr>
                           <m:e>
                             <m:r>
-                              <a:rPr lang="en-GB" i="1" smtClean="0">
+                              <a:rPr lang="en-GB" b="0" i="1" smtClean="0">
                                 <a:latin typeface="Cambria Math" panose="02040503050406030204" pitchFamily="18" charset="0"/>
                                 <a:ea typeface="Cambria Math" panose="02040503050406030204" pitchFamily="18" charset="0"/>
                               </a:rPr>
-                              <m:t>𝛽</m:t>
+                              <m:t>𝑏</m:t>
                             </m:r>
                           </m:e>
                           <m:sub>
@@ -24324,7 +23955,7 @@
               </p:txBody>
             </p:sp>
           </mc:Choice>
-          <mc:Fallback xmlns="">
+          <mc:Fallback>
             <p:sp>
               <p:nvSpPr>
                 <p:cNvPr id="123" name="TextBox 122"/>
@@ -24344,7 +23975,7 @@
                 <a:blipFill>
                   <a:blip r:embed="rId2"/>
                   <a:stretch>
-                    <a:fillRect l="-30435" t="-2174" r="-8696" b="-32609"/>
+                    <a:fillRect l="-19565" r="-6522" b="-15217"/>
                   </a:stretch>
                 </a:blipFill>
               </p:spPr>
@@ -24457,16 +24088,15 @@
             <a:lstStyle/>
             <a:p>
               <a:r>
-                <a:rPr lang="en-GB" sz="1400" dirty="0" smtClean="0"/>
+                <a:rPr lang="en-GB" sz="1400" dirty="0"/>
                 <a:t>1</a:t>
               </a:r>
-              <a:endParaRPr lang="en-GB" sz="1400" dirty="0"/>
             </a:p>
           </p:txBody>
         </p:sp>
       </p:grpSp>
-      <mc:AlternateContent xmlns:mc="http://schemas.openxmlformats.org/markup-compatibility/2006" xmlns:a14="http://schemas.microsoft.com/office/drawing/2010/main">
-        <mc:Choice Requires="a14">
+      <mc:AlternateContent xmlns:mc="http://schemas.openxmlformats.org/markup-compatibility/2006">
+        <mc:Choice xmlns:a14="http://schemas.microsoft.com/office/drawing/2010/main" Requires="a14">
           <p:sp>
             <p:nvSpPr>
               <p:cNvPr id="135" name="TextBox 134"/>
@@ -24506,11 +24136,11 @@
                         </m:sSubPr>
                         <m:e>
                           <m:r>
-                            <a:rPr lang="en-GB" i="1" smtClean="0">
+                            <a:rPr lang="en-GB" b="0" i="1" smtClean="0">
                               <a:latin typeface="Cambria Math" panose="02040503050406030204" pitchFamily="18" charset="0"/>
                               <a:ea typeface="Cambria Math" panose="02040503050406030204" pitchFamily="18" charset="0"/>
                             </a:rPr>
-                            <m:t>𝛽</m:t>
+                            <m:t>𝑏</m:t>
                           </m:r>
                         </m:e>
                         <m:sub>
@@ -24530,7 +24160,7 @@
             </p:txBody>
           </p:sp>
         </mc:Choice>
-        <mc:Fallback xmlns="">
+        <mc:Fallback>
           <p:sp>
             <p:nvSpPr>
               <p:cNvPr id="135" name="TextBox 134"/>
@@ -24550,7 +24180,7 @@
               <a:blipFill>
                 <a:blip r:embed="rId3"/>
                 <a:stretch>
-                  <a:fillRect l="-30435" t="-2174" r="-8696" b="-32609"/>
+                  <a:fillRect l="-19565" r="-6522" b="-15217"/>
                 </a:stretch>
               </a:blipFill>
             </p:spPr>
@@ -24592,15 +24222,14 @@
           <a:lstStyle/>
           <a:p>
             <a:r>
-              <a:rPr lang="en-GB" dirty="0" smtClean="0"/>
+              <a:rPr lang="en-GB" dirty="0"/>
               <a:t>RT</a:t>
             </a:r>
-            <a:endParaRPr lang="en-GB" dirty="0"/>
           </a:p>
         </p:txBody>
       </p:sp>
-      <mc:AlternateContent xmlns:mc="http://schemas.openxmlformats.org/markup-compatibility/2006" xmlns:a14="http://schemas.microsoft.com/office/drawing/2010/main">
-        <mc:Choice Requires="a14">
+      <mc:AlternateContent xmlns:mc="http://schemas.openxmlformats.org/markup-compatibility/2006">
+        <mc:Choice xmlns:a14="http://schemas.microsoft.com/office/drawing/2010/main" Requires="a14">
           <p:sp>
             <p:nvSpPr>
               <p:cNvPr id="139" name="TextBox 138"/>
@@ -24628,19 +24257,12 @@
                     <a:latin typeface="Courier New" panose="02070309020205020404" pitchFamily="49" charset="0"/>
                     <a:cs typeface="Courier New" panose="02070309020205020404" pitchFamily="49" charset="0"/>
                   </a:rPr>
-                  <a:t>l</a:t>
-                </a:r>
-                <a:r>
-                  <a:rPr lang="en-GB" dirty="0" smtClean="0">
-                    <a:latin typeface="Courier New" panose="02070309020205020404" pitchFamily="49" charset="0"/>
-                    <a:cs typeface="Courier New" panose="02070309020205020404" pitchFamily="49" charset="0"/>
-                  </a:rPr>
-                  <a:t>m(RT ~ 1 + Days)</a:t>
+                  <a:t>lm(RT ~ 1 + Days)</a:t>
                 </a:r>
               </a:p>
               <a:p>
                 <a:r>
-                  <a:rPr lang="en-GB" dirty="0" smtClean="0"/>
+                  <a:rPr lang="en-GB" dirty="0"/>
                   <a:t>Intercept </a:t>
                 </a:r>
                 <a:r>
@@ -24648,7 +24270,7 @@
                   <a:t>(RT at day 0) </a:t>
                 </a:r>
                 <a:r>
-                  <a:rPr lang="en-GB" dirty="0" smtClean="0"/>
+                  <a:rPr lang="en-GB" dirty="0"/>
                   <a:t>= </a:t>
                 </a:r>
                 <a14:m>
@@ -24663,11 +24285,10 @@
                       </m:sSubPr>
                       <m:e>
                         <m:r>
-                          <a:rPr lang="en-GB" i="1" smtClean="0">
+                          <a:rPr lang="en-GB" b="0" i="1" smtClean="0">
                             <a:latin typeface="Cambria Math" panose="02040503050406030204" pitchFamily="18" charset="0"/>
-                            <a:ea typeface="Cambria Math" panose="02040503050406030204" pitchFamily="18" charset="0"/>
                           </a:rPr>
-                          <m:t>𝛽</m:t>
+                          <m:t>𝑏</m:t>
                         </m:r>
                       </m:e>
                       <m:sub>
@@ -24681,23 +24302,19 @@
                     </m:sSub>
                   </m:oMath>
                 </a14:m>
-                <a:endParaRPr lang="en-GB" sz="1200" dirty="0" smtClean="0"/>
+                <a:endParaRPr lang="en-GB" sz="1200" dirty="0"/>
               </a:p>
               <a:p>
                 <a:r>
-                  <a:rPr lang="en-GB" dirty="0" smtClean="0"/>
+                  <a:rPr lang="en-GB" dirty="0"/>
                   <a:t>Slope </a:t>
                 </a:r>
                 <a:r>
                   <a:rPr lang="en-GB" sz="1200" dirty="0"/>
-                  <a:t>(Change in RT each day</a:t>
+                  <a:t>(Change in RT each day) </a:t>
                 </a:r>
                 <a:r>
-                  <a:rPr lang="en-GB" sz="1200" dirty="0" smtClean="0"/>
-                  <a:t>) </a:t>
-                </a:r>
-                <a:r>
-                  <a:rPr lang="en-GB" dirty="0" smtClean="0"/>
+                  <a:rPr lang="en-GB" dirty="0"/>
                   <a:t>= </a:t>
                 </a:r>
                 <a14:m>
@@ -24712,11 +24329,10 @@
                       </m:sSubPr>
                       <m:e>
                         <m:r>
-                          <a:rPr lang="en-GB" i="1" smtClean="0">
+                          <a:rPr lang="en-GB" b="0" i="1" smtClean="0">
                             <a:latin typeface="Cambria Math" panose="02040503050406030204" pitchFamily="18" charset="0"/>
-                            <a:ea typeface="Cambria Math" panose="02040503050406030204" pitchFamily="18" charset="0"/>
                           </a:rPr>
-                          <m:t>𝛽</m:t>
+                          <m:t>𝑏</m:t>
                         </m:r>
                       </m:e>
                       <m:sub>
@@ -24736,7 +24352,7 @@
             </p:txBody>
           </p:sp>
         </mc:Choice>
-        <mc:Fallback xmlns="">
+        <mc:Fallback>
           <p:sp>
             <p:nvSpPr>
               <p:cNvPr id="139" name="TextBox 138"/>
@@ -24799,13 +24415,8 @@
           <a:p>
             <a:r>
               <a:rPr lang="en-GB" dirty="0"/>
-              <a:t>d</a:t>
+              <a:t>days of sleep deprivation</a:t>
             </a:r>
-            <a:r>
-              <a:rPr lang="en-GB" dirty="0" smtClean="0"/>
-              <a:t>ays of sleep deprivation</a:t>
-            </a:r>
-            <a:endParaRPr lang="en-GB" dirty="0"/>
           </a:p>
         </p:txBody>
       </p:sp>
@@ -25018,7 +24629,6 @@
               <a:headEnd/>
               <a:tailEnd/>
             </a:ln>
-            <a:extLst/>
           </p:spPr>
           <p:txBody>
             <a:bodyPr vert="horz" wrap="square" lIns="91440" tIns="45720" rIns="91440" bIns="45720" numCol="1" anchor="t" anchorCtr="0" compatLnSpc="1">
@@ -25058,7 +24668,6 @@
               <a:headEnd/>
               <a:tailEnd/>
             </a:ln>
-            <a:extLst/>
           </p:spPr>
           <p:txBody>
             <a:bodyPr vert="horz" wrap="square" lIns="91440" tIns="45720" rIns="91440" bIns="45720" numCol="1" anchor="t" anchorCtr="0" compatLnSpc="1">
@@ -25098,7 +24707,6 @@
               <a:headEnd/>
               <a:tailEnd/>
             </a:ln>
-            <a:extLst/>
           </p:spPr>
           <p:txBody>
             <a:bodyPr vert="horz" wrap="square" lIns="91440" tIns="45720" rIns="91440" bIns="45720" numCol="1" anchor="t" anchorCtr="0" compatLnSpc="1">
@@ -25138,7 +24746,6 @@
               <a:headEnd/>
               <a:tailEnd/>
             </a:ln>
-            <a:extLst/>
           </p:spPr>
           <p:txBody>
             <a:bodyPr vert="horz" wrap="square" lIns="91440" tIns="45720" rIns="91440" bIns="45720" numCol="1" anchor="t" anchorCtr="0" compatLnSpc="1">
@@ -25178,7 +24785,6 @@
               <a:headEnd/>
               <a:tailEnd/>
             </a:ln>
-            <a:extLst/>
           </p:spPr>
           <p:txBody>
             <a:bodyPr vert="horz" wrap="square" lIns="91440" tIns="45720" rIns="91440" bIns="45720" numCol="1" anchor="t" anchorCtr="0" compatLnSpc="1">
@@ -25218,7 +24824,6 @@
               <a:headEnd/>
               <a:tailEnd/>
             </a:ln>
-            <a:extLst/>
           </p:spPr>
           <p:txBody>
             <a:bodyPr vert="horz" wrap="square" lIns="91440" tIns="45720" rIns="91440" bIns="45720" numCol="1" anchor="t" anchorCtr="0" compatLnSpc="1">
@@ -25258,7 +24863,6 @@
               <a:headEnd/>
               <a:tailEnd/>
             </a:ln>
-            <a:extLst/>
           </p:spPr>
           <p:txBody>
             <a:bodyPr vert="horz" wrap="square" lIns="91440" tIns="45720" rIns="91440" bIns="45720" numCol="1" anchor="t" anchorCtr="0" compatLnSpc="1">
@@ -25298,7 +24902,6 @@
               <a:headEnd/>
               <a:tailEnd/>
             </a:ln>
-            <a:extLst/>
           </p:spPr>
           <p:txBody>
             <a:bodyPr vert="horz" wrap="square" lIns="91440" tIns="45720" rIns="91440" bIns="45720" numCol="1" anchor="t" anchorCtr="0" compatLnSpc="1">
@@ -25338,7 +24941,6 @@
               <a:headEnd/>
               <a:tailEnd/>
             </a:ln>
-            <a:extLst/>
           </p:spPr>
           <p:txBody>
             <a:bodyPr vert="horz" wrap="square" lIns="91440" tIns="45720" rIns="91440" bIns="45720" numCol="1" anchor="t" anchorCtr="0" compatLnSpc="1">
@@ -25396,7 +24998,6 @@
               <a:headEnd/>
               <a:tailEnd/>
             </a:ln>
-            <a:extLst/>
           </p:spPr>
           <p:txBody>
             <a:bodyPr vert="horz" wrap="square" lIns="91440" tIns="45720" rIns="91440" bIns="45720" numCol="1" anchor="t" anchorCtr="0" compatLnSpc="1">
@@ -25436,7 +25037,6 @@
               <a:headEnd/>
               <a:tailEnd/>
             </a:ln>
-            <a:extLst/>
           </p:spPr>
           <p:txBody>
             <a:bodyPr vert="horz" wrap="square" lIns="91440" tIns="45720" rIns="91440" bIns="45720" numCol="1" anchor="t" anchorCtr="0" compatLnSpc="1">
@@ -25476,7 +25076,6 @@
               <a:headEnd/>
               <a:tailEnd/>
             </a:ln>
-            <a:extLst/>
           </p:spPr>
           <p:txBody>
             <a:bodyPr vert="horz" wrap="square" lIns="91440" tIns="45720" rIns="91440" bIns="45720" numCol="1" anchor="t" anchorCtr="0" compatLnSpc="1">
@@ -25516,7 +25115,6 @@
               <a:headEnd/>
               <a:tailEnd/>
             </a:ln>
-            <a:extLst/>
           </p:spPr>
           <p:txBody>
             <a:bodyPr vert="horz" wrap="square" lIns="91440" tIns="45720" rIns="91440" bIns="45720" numCol="1" anchor="t" anchorCtr="0" compatLnSpc="1">
@@ -25556,7 +25154,6 @@
               <a:headEnd/>
               <a:tailEnd/>
             </a:ln>
-            <a:extLst/>
           </p:spPr>
           <p:txBody>
             <a:bodyPr vert="horz" wrap="square" lIns="91440" tIns="45720" rIns="91440" bIns="45720" numCol="1" anchor="t" anchorCtr="0" compatLnSpc="1">
@@ -25596,7 +25193,6 @@
               <a:headEnd/>
               <a:tailEnd/>
             </a:ln>
-            <a:extLst/>
           </p:spPr>
           <p:txBody>
             <a:bodyPr vert="horz" wrap="square" lIns="91440" tIns="45720" rIns="91440" bIns="45720" numCol="1" anchor="t" anchorCtr="0" compatLnSpc="1">
@@ -25636,7 +25232,6 @@
               <a:headEnd/>
               <a:tailEnd/>
             </a:ln>
-            <a:extLst/>
           </p:spPr>
           <p:txBody>
             <a:bodyPr vert="horz" wrap="square" lIns="91440" tIns="45720" rIns="91440" bIns="45720" numCol="1" anchor="t" anchorCtr="0" compatLnSpc="1">
@@ -25676,7 +25271,6 @@
               <a:headEnd/>
               <a:tailEnd/>
             </a:ln>
-            <a:extLst/>
           </p:spPr>
           <p:txBody>
             <a:bodyPr vert="horz" wrap="square" lIns="91440" tIns="45720" rIns="91440" bIns="45720" numCol="1" anchor="t" anchorCtr="0" compatLnSpc="1">
@@ -25716,7 +25310,6 @@
               <a:headEnd/>
               <a:tailEnd/>
             </a:ln>
-            <a:extLst/>
           </p:spPr>
           <p:txBody>
             <a:bodyPr vert="horz" wrap="square" lIns="91440" tIns="45720" rIns="91440" bIns="45720" numCol="1" anchor="t" anchorCtr="0" compatLnSpc="1">
@@ -25759,10 +25352,9 @@
           <a:lstStyle/>
           <a:p>
             <a:r>
-              <a:rPr lang="en-GB" dirty="0" smtClean="0"/>
+              <a:rPr lang="en-GB" dirty="0"/>
               <a:t>Josiah</a:t>
             </a:r>
-            <a:endParaRPr lang="en-GB" dirty="0"/>
           </a:p>
         </p:txBody>
       </p:sp>
@@ -25794,10 +25386,9 @@
           <a:lstStyle/>
           <a:p>
             <a:r>
-              <a:rPr lang="en-GB" dirty="0" smtClean="0"/>
+              <a:rPr lang="en-GB" dirty="0"/>
               <a:t>Tom</a:t>
             </a:r>
-            <a:endParaRPr lang="en-GB" dirty="0"/>
           </a:p>
         </p:txBody>
       </p:sp>
@@ -25815,8 +25406,8 @@
             <a:chExt cx="833396" cy="491652"/>
           </a:xfrm>
         </p:grpSpPr>
-        <mc:AlternateContent xmlns:mc="http://schemas.openxmlformats.org/markup-compatibility/2006" xmlns:a14="http://schemas.microsoft.com/office/drawing/2010/main">
-          <mc:Choice Requires="a14">
+        <mc:AlternateContent xmlns:mc="http://schemas.openxmlformats.org/markup-compatibility/2006">
+          <mc:Choice xmlns:a14="http://schemas.microsoft.com/office/drawing/2010/main" Requires="a14">
             <p:sp>
               <p:nvSpPr>
                 <p:cNvPr id="123" name="TextBox 122"/>
@@ -25856,11 +25447,11 @@
                           </m:sSubPr>
                           <m:e>
                             <m:r>
-                              <a:rPr lang="en-GB" i="1" smtClean="0">
+                              <a:rPr lang="en-GB" b="0" i="1" smtClean="0">
                                 <a:latin typeface="Cambria Math" panose="02040503050406030204" pitchFamily="18" charset="0"/>
                                 <a:ea typeface="Cambria Math" panose="02040503050406030204" pitchFamily="18" charset="0"/>
                               </a:rPr>
-                              <m:t>𝛽</m:t>
+                              <m:t>𝑏</m:t>
                             </m:r>
                           </m:e>
                           <m:sub>
@@ -25880,7 +25471,7 @@
               </p:txBody>
             </p:sp>
           </mc:Choice>
-          <mc:Fallback xmlns="">
+          <mc:Fallback>
             <p:sp>
               <p:nvSpPr>
                 <p:cNvPr id="123" name="TextBox 122"/>
@@ -25900,7 +25491,7 @@
                 <a:blipFill>
                   <a:blip r:embed="rId2"/>
                   <a:stretch>
-                    <a:fillRect l="-30435" t="-2174" r="-8696" b="-32609"/>
+                    <a:fillRect l="-19565" r="-6522" b="-15217"/>
                   </a:stretch>
                 </a:blipFill>
               </p:spPr>
@@ -26013,16 +25604,15 @@
             <a:lstStyle/>
             <a:p>
               <a:r>
-                <a:rPr lang="en-GB" sz="1400" dirty="0" smtClean="0"/>
+                <a:rPr lang="en-GB" sz="1400" dirty="0"/>
                 <a:t>1</a:t>
               </a:r>
-              <a:endParaRPr lang="en-GB" sz="1400" dirty="0"/>
             </a:p>
           </p:txBody>
         </p:sp>
       </p:grpSp>
-      <mc:AlternateContent xmlns:mc="http://schemas.openxmlformats.org/markup-compatibility/2006" xmlns:a14="http://schemas.microsoft.com/office/drawing/2010/main">
-        <mc:Choice Requires="a14">
+      <mc:AlternateContent xmlns:mc="http://schemas.openxmlformats.org/markup-compatibility/2006">
+        <mc:Choice xmlns:a14="http://schemas.microsoft.com/office/drawing/2010/main" Requires="a14">
           <p:sp>
             <p:nvSpPr>
               <p:cNvPr id="135" name="TextBox 134"/>
@@ -26062,11 +25652,11 @@
                         </m:sSubPr>
                         <m:e>
                           <m:r>
-                            <a:rPr lang="en-GB" i="1" smtClean="0">
+                            <a:rPr lang="en-GB" b="0" i="1" smtClean="0">
                               <a:latin typeface="Cambria Math" panose="02040503050406030204" pitchFamily="18" charset="0"/>
                               <a:ea typeface="Cambria Math" panose="02040503050406030204" pitchFamily="18" charset="0"/>
                             </a:rPr>
-                            <m:t>𝛽</m:t>
+                            <m:t>𝑏</m:t>
                           </m:r>
                         </m:e>
                         <m:sub>
@@ -26086,7 +25676,7 @@
             </p:txBody>
           </p:sp>
         </mc:Choice>
-        <mc:Fallback xmlns="">
+        <mc:Fallback>
           <p:sp>
             <p:nvSpPr>
               <p:cNvPr id="135" name="TextBox 134"/>
@@ -26106,7 +25696,7 @@
               <a:blipFill>
                 <a:blip r:embed="rId3"/>
                 <a:stretch>
-                  <a:fillRect l="-30435" t="-2174" r="-8696" b="-32609"/>
+                  <a:fillRect l="-19565" r="-6522" b="-15217"/>
                 </a:stretch>
               </a:blipFill>
             </p:spPr>
@@ -26148,10 +25738,9 @@
           <a:lstStyle/>
           <a:p>
             <a:r>
-              <a:rPr lang="en-GB" dirty="0" smtClean="0"/>
+              <a:rPr lang="en-GB" dirty="0"/>
               <a:t>RT</a:t>
             </a:r>
-            <a:endParaRPr lang="en-GB" dirty="0"/>
           </a:p>
         </p:txBody>
       </p:sp>
@@ -26179,18 +25768,13 @@
           <a:p>
             <a:r>
               <a:rPr lang="en-GB" dirty="0"/>
-              <a:t>d</a:t>
+              <a:t>days of sleep deprivation</a:t>
             </a:r>
-            <a:r>
-              <a:rPr lang="en-GB" dirty="0" smtClean="0"/>
-              <a:t>ays of sleep deprivation</a:t>
-            </a:r>
-            <a:endParaRPr lang="en-GB" dirty="0"/>
           </a:p>
         </p:txBody>
       </p:sp>
-      <mc:AlternateContent xmlns:mc="http://schemas.openxmlformats.org/markup-compatibility/2006" xmlns:a14="http://schemas.microsoft.com/office/drawing/2010/main">
-        <mc:Choice Requires="a14">
+      <mc:AlternateContent xmlns:mc="http://schemas.openxmlformats.org/markup-compatibility/2006">
+        <mc:Choice xmlns:a14="http://schemas.microsoft.com/office/drawing/2010/main" Requires="a14">
           <p:sp>
             <p:nvSpPr>
               <p:cNvPr id="139" name="TextBox 138"/>
@@ -26214,7 +25798,7 @@
               <a:lstStyle/>
               <a:p>
                 <a:r>
-                  <a:rPr lang="en-GB" dirty="0" smtClean="0">
+                  <a:rPr lang="en-GB" dirty="0">
                     <a:latin typeface="Courier New" panose="02070309020205020404" pitchFamily="49" charset="0"/>
                     <a:cs typeface="Courier New" panose="02070309020205020404" pitchFamily="49" charset="0"/>
                   </a:rPr>
@@ -26223,7 +25807,7 @@
               </a:p>
               <a:p>
                 <a:r>
-                  <a:rPr lang="en-GB" dirty="0" smtClean="0"/>
+                  <a:rPr lang="en-GB" dirty="0"/>
                   <a:t>Intercept </a:t>
                 </a:r>
                 <a:r>
@@ -26231,7 +25815,7 @@
                   <a:t>(RT at day 0) </a:t>
                 </a:r>
                 <a:r>
-                  <a:rPr lang="en-GB" dirty="0" smtClean="0"/>
+                  <a:rPr lang="en-GB" dirty="0"/>
                   <a:t>= </a:t>
                 </a:r>
                 <a14:m>
@@ -26246,11 +25830,11 @@
                       </m:sSubPr>
                       <m:e>
                         <m:r>
-                          <a:rPr lang="en-GB" i="1" smtClean="0">
+                          <a:rPr lang="en-GB" b="0" i="1" smtClean="0">
                             <a:latin typeface="Cambria Math" panose="02040503050406030204" pitchFamily="18" charset="0"/>
                             <a:ea typeface="Cambria Math" panose="02040503050406030204" pitchFamily="18" charset="0"/>
                           </a:rPr>
-                          <m:t>𝛽</m:t>
+                          <m:t>𝑏</m:t>
                         </m:r>
                       </m:e>
                       <m:sub>
@@ -26264,23 +25848,19 @@
                     </m:sSub>
                   </m:oMath>
                 </a14:m>
-                <a:endParaRPr lang="en-GB" sz="1200" dirty="0" smtClean="0"/>
+                <a:endParaRPr lang="en-GB" sz="1200" dirty="0"/>
               </a:p>
               <a:p>
                 <a:r>
-                  <a:rPr lang="en-GB" dirty="0" smtClean="0"/>
+                  <a:rPr lang="en-GB" dirty="0"/>
                   <a:t>Slope of Days </a:t>
                 </a:r>
                 <a:r>
                   <a:rPr lang="en-GB" sz="1200" dirty="0"/>
-                  <a:t>(Change in RT each day</a:t>
+                  <a:t>(Change in RT each day) </a:t>
                 </a:r>
                 <a:r>
-                  <a:rPr lang="en-GB" sz="1200" dirty="0" smtClean="0"/>
-                  <a:t>) </a:t>
-                </a:r>
-                <a:r>
-                  <a:rPr lang="en-GB" dirty="0" smtClean="0"/>
+                  <a:rPr lang="en-GB" dirty="0"/>
                   <a:t>= </a:t>
                 </a:r>
                 <a14:m>
@@ -26295,11 +25875,11 @@
                       </m:sSubPr>
                       <m:e>
                         <m:r>
-                          <a:rPr lang="en-GB" i="1" smtClean="0">
+                          <a:rPr lang="en-GB" b="0" i="1" smtClean="0">
                             <a:latin typeface="Cambria Math" panose="02040503050406030204" pitchFamily="18" charset="0"/>
                             <a:ea typeface="Cambria Math" panose="02040503050406030204" pitchFamily="18" charset="0"/>
                           </a:rPr>
-                          <m:t>𝛽</m:t>
+                          <m:t>𝑏</m:t>
                         </m:r>
                       </m:e>
                       <m:sub>
@@ -26314,19 +25894,19 @@
                     </m:sSub>
                   </m:oMath>
                 </a14:m>
-                <a:endParaRPr lang="en-GB" b="0" dirty="0" smtClean="0"/>
+                <a:endParaRPr lang="en-GB" b="0" dirty="0"/>
               </a:p>
               <a:p>
                 <a:r>
-                  <a:rPr lang="en-GB" dirty="0" smtClean="0"/>
+                  <a:rPr lang="en-GB" dirty="0"/>
                   <a:t>Group Difference </a:t>
                 </a:r>
                 <a:r>
-                  <a:rPr lang="en-GB" sz="1200" dirty="0" smtClean="0"/>
+                  <a:rPr lang="en-GB" sz="1200" dirty="0"/>
                   <a:t>(Change in RT moving from T to J)</a:t>
                 </a:r>
                 <a:r>
-                  <a:rPr lang="en-GB" dirty="0" smtClean="0"/>
+                  <a:rPr lang="en-GB" dirty="0"/>
                   <a:t> = </a:t>
                 </a:r>
                 <a14:m>
@@ -26341,11 +25921,11 @@
                       </m:sSubPr>
                       <m:e>
                         <m:r>
-                          <a:rPr lang="en-GB" i="1" smtClean="0">
+                          <a:rPr lang="en-GB" b="0" i="1" smtClean="0">
                             <a:latin typeface="Cambria Math" panose="02040503050406030204" pitchFamily="18" charset="0"/>
                             <a:ea typeface="Cambria Math" panose="02040503050406030204" pitchFamily="18" charset="0"/>
                           </a:rPr>
-                          <m:t>𝛽</m:t>
+                          <m:t>𝑏</m:t>
                         </m:r>
                       </m:e>
                       <m:sub>
@@ -26360,10 +25940,10 @@
                     </m:sSub>
                   </m:oMath>
                 </a14:m>
-                <a:endParaRPr lang="en-GB" b="0" dirty="0" smtClean="0"/>
+                <a:endParaRPr lang="en-GB" b="0" dirty="0"/>
               </a:p>
               <a:p>
-                <a:endParaRPr lang="en-GB" dirty="0" smtClean="0"/>
+                <a:endParaRPr lang="en-GB" dirty="0"/>
               </a:p>
               <a:p>
                 <a:endParaRPr lang="en-GB" dirty="0"/>
@@ -26371,7 +25951,7 @@
             </p:txBody>
           </p:sp>
         </mc:Choice>
-        <mc:Fallback xmlns="">
+        <mc:Fallback>
           <p:sp>
             <p:nvSpPr>
               <p:cNvPr id="139" name="TextBox 138"/>
@@ -26443,8 +26023,8 @@
           </a:fontRef>
         </p:style>
       </p:cxnSp>
-      <mc:AlternateContent xmlns:mc="http://schemas.openxmlformats.org/markup-compatibility/2006" xmlns:a14="http://schemas.microsoft.com/office/drawing/2010/main">
-        <mc:Choice Requires="a14">
+      <mc:AlternateContent xmlns:mc="http://schemas.openxmlformats.org/markup-compatibility/2006">
+        <mc:Choice xmlns:a14="http://schemas.microsoft.com/office/drawing/2010/main" Requires="a14">
           <p:sp>
             <p:nvSpPr>
               <p:cNvPr id="143" name="TextBox 142"/>
@@ -26484,11 +26064,11 @@
                         </m:sSubPr>
                         <m:e>
                           <m:r>
-                            <a:rPr lang="en-GB" i="1" smtClean="0">
+                            <a:rPr lang="en-GB" b="0" i="1" smtClean="0">
                               <a:latin typeface="Cambria Math" panose="02040503050406030204" pitchFamily="18" charset="0"/>
                               <a:ea typeface="Cambria Math" panose="02040503050406030204" pitchFamily="18" charset="0"/>
                             </a:rPr>
-                            <m:t>𝛽</m:t>
+                            <m:t>𝑏</m:t>
                           </m:r>
                         </m:e>
                         <m:sub>
@@ -26508,7 +26088,7 @@
             </p:txBody>
           </p:sp>
         </mc:Choice>
-        <mc:Fallback xmlns="">
+        <mc:Fallback>
           <p:sp>
             <p:nvSpPr>
               <p:cNvPr id="143" name="TextBox 142"/>
@@ -26528,7 +26108,7 @@
               <a:blipFill>
                 <a:blip r:embed="rId5"/>
                 <a:stretch>
-                  <a:fillRect l="-30435" t="-2174" r="-8696" b="-32609"/>
+                  <a:fillRect l="-19565" r="-6522" b="-15217"/>
                 </a:stretch>
               </a:blipFill>
             </p:spPr>
@@ -26723,7 +26303,6 @@
               <a:headEnd/>
               <a:tailEnd/>
             </a:ln>
-            <a:extLst/>
           </p:spPr>
           <p:txBody>
             <a:bodyPr vert="horz" wrap="square" lIns="91440" tIns="45720" rIns="91440" bIns="45720" numCol="1" anchor="t" anchorCtr="0" compatLnSpc="1">
@@ -26763,7 +26342,6 @@
               <a:headEnd/>
               <a:tailEnd/>
             </a:ln>
-            <a:extLst/>
           </p:spPr>
           <p:txBody>
             <a:bodyPr vert="horz" wrap="square" lIns="91440" tIns="45720" rIns="91440" bIns="45720" numCol="1" anchor="t" anchorCtr="0" compatLnSpc="1">
@@ -26803,7 +26381,6 @@
               <a:headEnd/>
               <a:tailEnd/>
             </a:ln>
-            <a:extLst/>
           </p:spPr>
           <p:txBody>
             <a:bodyPr vert="horz" wrap="square" lIns="91440" tIns="45720" rIns="91440" bIns="45720" numCol="1" anchor="t" anchorCtr="0" compatLnSpc="1">
@@ -26843,7 +26420,6 @@
               <a:headEnd/>
               <a:tailEnd/>
             </a:ln>
-            <a:extLst/>
           </p:spPr>
           <p:txBody>
             <a:bodyPr vert="horz" wrap="square" lIns="91440" tIns="45720" rIns="91440" bIns="45720" numCol="1" anchor="t" anchorCtr="0" compatLnSpc="1">
@@ -26883,7 +26459,6 @@
               <a:headEnd/>
               <a:tailEnd/>
             </a:ln>
-            <a:extLst/>
           </p:spPr>
           <p:txBody>
             <a:bodyPr vert="horz" wrap="square" lIns="91440" tIns="45720" rIns="91440" bIns="45720" numCol="1" anchor="t" anchorCtr="0" compatLnSpc="1">
@@ -26923,7 +26498,6 @@
               <a:headEnd/>
               <a:tailEnd/>
             </a:ln>
-            <a:extLst/>
           </p:spPr>
           <p:txBody>
             <a:bodyPr vert="horz" wrap="square" lIns="91440" tIns="45720" rIns="91440" bIns="45720" numCol="1" anchor="t" anchorCtr="0" compatLnSpc="1">
@@ -26963,7 +26537,6 @@
               <a:headEnd/>
               <a:tailEnd/>
             </a:ln>
-            <a:extLst/>
           </p:spPr>
           <p:txBody>
             <a:bodyPr vert="horz" wrap="square" lIns="91440" tIns="45720" rIns="91440" bIns="45720" numCol="1" anchor="t" anchorCtr="0" compatLnSpc="1">
@@ -27003,7 +26576,6 @@
               <a:headEnd/>
               <a:tailEnd/>
             </a:ln>
-            <a:extLst/>
           </p:spPr>
           <p:txBody>
             <a:bodyPr vert="horz" wrap="square" lIns="91440" tIns="45720" rIns="91440" bIns="45720" numCol="1" anchor="t" anchorCtr="0" compatLnSpc="1">
@@ -27043,7 +26615,6 @@
               <a:headEnd/>
               <a:tailEnd/>
             </a:ln>
-            <a:extLst/>
           </p:spPr>
           <p:txBody>
             <a:bodyPr vert="horz" wrap="square" lIns="91440" tIns="45720" rIns="91440" bIns="45720" numCol="1" anchor="t" anchorCtr="0" compatLnSpc="1">
@@ -28412,7 +27983,6 @@
               <a:headEnd/>
               <a:tailEnd/>
             </a:ln>
-            <a:extLst/>
           </p:spPr>
           <p:txBody>
             <a:bodyPr vert="horz" wrap="square" lIns="91440" tIns="45720" rIns="91440" bIns="45720" numCol="1" anchor="t" anchorCtr="0" compatLnSpc="1">
@@ -28452,7 +28022,6 @@
               <a:headEnd/>
               <a:tailEnd/>
             </a:ln>
-            <a:extLst/>
           </p:spPr>
           <p:txBody>
             <a:bodyPr vert="horz" wrap="square" lIns="91440" tIns="45720" rIns="91440" bIns="45720" numCol="1" anchor="t" anchorCtr="0" compatLnSpc="1">
@@ -28492,7 +28061,6 @@
               <a:headEnd/>
               <a:tailEnd/>
             </a:ln>
-            <a:extLst/>
           </p:spPr>
           <p:txBody>
             <a:bodyPr vert="horz" wrap="square" lIns="91440" tIns="45720" rIns="91440" bIns="45720" numCol="1" anchor="t" anchorCtr="0" compatLnSpc="1">
@@ -28532,7 +28100,6 @@
               <a:headEnd/>
               <a:tailEnd/>
             </a:ln>
-            <a:extLst/>
           </p:spPr>
           <p:txBody>
             <a:bodyPr vert="horz" wrap="square" lIns="91440" tIns="45720" rIns="91440" bIns="45720" numCol="1" anchor="t" anchorCtr="0" compatLnSpc="1">
@@ -28572,7 +28139,6 @@
               <a:headEnd/>
               <a:tailEnd/>
             </a:ln>
-            <a:extLst/>
           </p:spPr>
           <p:txBody>
             <a:bodyPr vert="horz" wrap="square" lIns="91440" tIns="45720" rIns="91440" bIns="45720" numCol="1" anchor="t" anchorCtr="0" compatLnSpc="1">
@@ -28612,7 +28178,6 @@
               <a:headEnd/>
               <a:tailEnd/>
             </a:ln>
-            <a:extLst/>
           </p:spPr>
           <p:txBody>
             <a:bodyPr vert="horz" wrap="square" lIns="91440" tIns="45720" rIns="91440" bIns="45720" numCol="1" anchor="t" anchorCtr="0" compatLnSpc="1">
@@ -28652,7 +28217,6 @@
               <a:headEnd/>
               <a:tailEnd/>
             </a:ln>
-            <a:extLst/>
           </p:spPr>
           <p:txBody>
             <a:bodyPr vert="horz" wrap="square" lIns="91440" tIns="45720" rIns="91440" bIns="45720" numCol="1" anchor="t" anchorCtr="0" compatLnSpc="1">
@@ -28692,7 +28256,6 @@
               <a:headEnd/>
               <a:tailEnd/>
             </a:ln>
-            <a:extLst/>
           </p:spPr>
           <p:txBody>
             <a:bodyPr vert="horz" wrap="square" lIns="91440" tIns="45720" rIns="91440" bIns="45720" numCol="1" anchor="t" anchorCtr="0" compatLnSpc="1">
@@ -28732,7 +28295,6 @@
               <a:headEnd/>
               <a:tailEnd/>
             </a:ln>
-            <a:extLst/>
           </p:spPr>
           <p:txBody>
             <a:bodyPr vert="horz" wrap="square" lIns="91440" tIns="45720" rIns="91440" bIns="45720" numCol="1" anchor="t" anchorCtr="0" compatLnSpc="1">
@@ -28870,10 +28432,9 @@
           <a:lstStyle/>
           <a:p>
             <a:r>
-              <a:rPr lang="en-GB" dirty="0" smtClean="0"/>
+              <a:rPr lang="en-GB" dirty="0"/>
               <a:t>Tom</a:t>
             </a:r>
-            <a:endParaRPr lang="en-GB" dirty="0"/>
           </a:p>
         </p:txBody>
       </p:sp>
@@ -28938,10 +28499,9 @@
           <a:lstStyle/>
           <a:p>
             <a:r>
-              <a:rPr lang="en-GB" dirty="0" smtClean="0"/>
+              <a:rPr lang="en-GB" dirty="0"/>
               <a:t>Josiah</a:t>
             </a:r>
-            <a:endParaRPr lang="en-GB" dirty="0"/>
           </a:p>
         </p:txBody>
       </p:sp>
@@ -29184,8 +28744,8 @@
             <a:chExt cx="833396" cy="491652"/>
           </a:xfrm>
         </p:grpSpPr>
-        <mc:AlternateContent xmlns:mc="http://schemas.openxmlformats.org/markup-compatibility/2006" xmlns:a14="http://schemas.microsoft.com/office/drawing/2010/main">
-          <mc:Choice Requires="a14">
+        <mc:AlternateContent xmlns:mc="http://schemas.openxmlformats.org/markup-compatibility/2006">
+          <mc:Choice xmlns:a14="http://schemas.microsoft.com/office/drawing/2010/main" Requires="a14">
             <p:sp>
               <p:nvSpPr>
                 <p:cNvPr id="75" name="TextBox 74"/>
@@ -29225,11 +28785,11 @@
                           </m:sSubPr>
                           <m:e>
                             <m:r>
-                              <a:rPr lang="en-GB" i="1" smtClean="0">
+                              <a:rPr lang="en-GB" b="0" i="1" smtClean="0">
                                 <a:latin typeface="Cambria Math" panose="02040503050406030204" pitchFamily="18" charset="0"/>
                                 <a:ea typeface="Cambria Math" panose="02040503050406030204" pitchFamily="18" charset="0"/>
                               </a:rPr>
-                              <m:t>𝛽</m:t>
+                              <m:t>𝑏</m:t>
                             </m:r>
                           </m:e>
                           <m:sub>
@@ -29249,7 +28809,7 @@
               </p:txBody>
             </p:sp>
           </mc:Choice>
-          <mc:Fallback xmlns="">
+          <mc:Fallback>
             <p:sp>
               <p:nvSpPr>
                 <p:cNvPr id="75" name="TextBox 74"/>
@@ -29269,7 +28829,7 @@
                 <a:blipFill>
                   <a:blip r:embed="rId3"/>
                   <a:stretch>
-                    <a:fillRect l="-30435" t="-2174" r="-8696" b="-32609"/>
+                    <a:fillRect l="-19565" r="-6522" b="-15217"/>
                   </a:stretch>
                 </a:blipFill>
               </p:spPr>
@@ -29382,10 +28942,9 @@
             <a:lstStyle/>
             <a:p>
               <a:r>
-                <a:rPr lang="en-GB" sz="1400" dirty="0" smtClean="0"/>
+                <a:rPr lang="en-GB" sz="1400" dirty="0"/>
                 <a:t>1</a:t>
               </a:r>
-              <a:endParaRPr lang="en-GB" sz="1400" dirty="0"/>
             </a:p>
           </p:txBody>
         </p:sp>
@@ -29413,10 +28972,9 @@
           <a:lstStyle/>
           <a:p>
             <a:r>
-              <a:rPr lang="en-GB" dirty="0" smtClean="0"/>
+              <a:rPr lang="en-GB" dirty="0"/>
               <a:t>RT</a:t>
             </a:r>
-            <a:endParaRPr lang="en-GB" dirty="0"/>
           </a:p>
         </p:txBody>
       </p:sp>
@@ -29480,8 +29038,8 @@
           </a:fontRef>
         </p:style>
       </p:cxnSp>
-      <mc:AlternateContent xmlns:mc="http://schemas.openxmlformats.org/markup-compatibility/2006" xmlns:a14="http://schemas.microsoft.com/office/drawing/2010/main">
-        <mc:Choice Requires="a14">
+      <mc:AlternateContent xmlns:mc="http://schemas.openxmlformats.org/markup-compatibility/2006">
+        <mc:Choice xmlns:a14="http://schemas.microsoft.com/office/drawing/2010/main" Requires="a14">
           <p:sp>
             <p:nvSpPr>
               <p:cNvPr id="84" name="TextBox 83"/>
@@ -29491,7 +29049,7 @@
             <p:spPr>
               <a:xfrm>
                 <a:off x="1879338" y="3441384"/>
-                <a:ext cx="278473" cy="301493"/>
+                <a:ext cx="279114" cy="276999"/>
               </a:xfrm>
               <a:prstGeom prst="rect">
                 <a:avLst/>
@@ -29530,10 +29088,10 @@
                         </m:e>
                         <m:sub>
                           <m:r>
-                            <a:rPr lang="en-GB" i="1" smtClean="0">
+                            <a:rPr lang="en-GB" b="0" i="1" smtClean="0">
                               <a:latin typeface="Cambria Math" panose="02040503050406030204" pitchFamily="18" charset="0"/>
                             </a:rPr>
-                            <m:t>𝜁</m:t>
+                            <m:t>0</m:t>
                           </m:r>
                         </m:sub>
                       </m:sSub>
@@ -29545,7 +29103,7 @@
             </p:txBody>
           </p:sp>
         </mc:Choice>
-        <mc:Fallback xmlns="">
+        <mc:Fallback>
           <p:sp>
             <p:nvSpPr>
               <p:cNvPr id="84" name="TextBox 83"/>
@@ -29557,7 +29115,7 @@
             <p:spPr>
               <a:xfrm>
                 <a:off x="1879338" y="3441384"/>
-                <a:ext cx="278473" cy="301493"/>
+                <a:ext cx="279114" cy="276999"/>
               </a:xfrm>
               <a:prstGeom prst="rect">
                 <a:avLst/>
@@ -29565,7 +29123,7 @@
               <a:blipFill>
                 <a:blip r:embed="rId4"/>
                 <a:stretch>
-                  <a:fillRect l="-13043" r="-10870" b="-28571"/>
+                  <a:fillRect l="-13043" r="-6522" b="-15556"/>
                 </a:stretch>
               </a:blipFill>
             </p:spPr>
@@ -29992,8 +29550,8 @@
           </p:sp>
         </mc:Fallback>
       </mc:AlternateContent>
-      <mc:AlternateContent xmlns:mc="http://schemas.openxmlformats.org/markup-compatibility/2006" xmlns:a14="http://schemas.microsoft.com/office/drawing/2010/main">
-        <mc:Choice Requires="a14">
+      <mc:AlternateContent xmlns:mc="http://schemas.openxmlformats.org/markup-compatibility/2006">
+        <mc:Choice xmlns:a14="http://schemas.microsoft.com/office/drawing/2010/main" Requires="a14">
           <p:sp>
             <p:nvSpPr>
               <p:cNvPr id="87" name="TextBox 86"/>
@@ -30017,7 +29575,7 @@
               <a:lstStyle/>
               <a:p>
                 <a:r>
-                  <a:rPr lang="en-GB" dirty="0" smtClean="0">
+                  <a:rPr lang="en-GB" dirty="0">
                     <a:latin typeface="Courier New" panose="02070309020205020404" pitchFamily="49" charset="0"/>
                     <a:cs typeface="Courier New" panose="02070309020205020404" pitchFamily="49" charset="0"/>
                   </a:rPr>
@@ -30026,7 +29584,7 @@
               </a:p>
               <a:p>
                 <a:r>
-                  <a:rPr lang="en-GB" dirty="0" smtClean="0"/>
+                  <a:rPr lang="en-GB" dirty="0"/>
                   <a:t>Intercept  </a:t>
                 </a:r>
                 <a14:m>
@@ -30106,23 +29664,23 @@
                       </m:e>
                       <m:sub>
                         <m:r>
-                          <a:rPr lang="en-GB" i="1" smtClean="0">
+                          <a:rPr lang="en-GB" b="0" i="1" smtClean="0">
                             <a:latin typeface="Cambria Math" panose="02040503050406030204" pitchFamily="18" charset="0"/>
                           </a:rPr>
-                          <m:t>𝜁</m:t>
+                          <m:t>0</m:t>
                         </m:r>
                       </m:sub>
                     </m:sSub>
                   </m:oMath>
                 </a14:m>
                 <a:r>
-                  <a:rPr lang="en-GB" dirty="0" smtClean="0"/>
+                  <a:rPr lang="en-GB" dirty="0"/>
                   <a:t>)</a:t>
                 </a:r>
               </a:p>
               <a:p>
                 <a:r>
-                  <a:rPr lang="en-GB" dirty="0" smtClean="0"/>
+                  <a:rPr lang="en-GB" dirty="0"/>
                   <a:t>Slope = </a:t>
                 </a:r>
                 <a14:m>
@@ -30137,11 +29695,11 @@
                       </m:sSubPr>
                       <m:e>
                         <m:r>
-                          <a:rPr lang="en-GB" i="1" smtClean="0">
+                          <a:rPr lang="en-GB" b="0" i="1" smtClean="0">
                             <a:latin typeface="Cambria Math" panose="02040503050406030204" pitchFamily="18" charset="0"/>
                             <a:ea typeface="Cambria Math" panose="02040503050406030204" pitchFamily="18" charset="0"/>
                           </a:rPr>
-                          <m:t>𝛽</m:t>
+                          <m:t>𝑏</m:t>
                         </m:r>
                       </m:e>
                       <m:sub>
@@ -30161,7 +29719,7 @@
             </p:txBody>
           </p:sp>
         </mc:Choice>
-        <mc:Fallback xmlns="">
+        <mc:Fallback>
           <p:sp>
             <p:nvSpPr>
               <p:cNvPr id="87" name="TextBox 86"/>
@@ -30181,7 +29739,7 @@
               <a:blipFill>
                 <a:blip r:embed="rId7"/>
                 <a:stretch>
-                  <a:fillRect l="-1238" t="-3226" b="-9677"/>
+                  <a:fillRect l="-1238" t="-3226" b="-7097"/>
                 </a:stretch>
               </a:blipFill>
             </p:spPr>
@@ -30255,13 +29813,8 @@
           <a:p>
             <a:r>
               <a:rPr lang="en-GB" dirty="0"/>
-              <a:t>d</a:t>
+              <a:t>days of sleep deprivation</a:t>
             </a:r>
-            <a:r>
-              <a:rPr lang="en-GB" dirty="0" smtClean="0"/>
-              <a:t>ays of sleep deprivation</a:t>
-            </a:r>
-            <a:endParaRPr lang="en-GB" dirty="0"/>
           </a:p>
         </p:txBody>
       </p:sp>
@@ -30441,7 +29994,6 @@
               <a:headEnd/>
               <a:tailEnd/>
             </a:ln>
-            <a:extLst/>
           </p:spPr>
           <p:txBody>
             <a:bodyPr vert="horz" wrap="square" lIns="91440" tIns="45720" rIns="91440" bIns="45720" numCol="1" anchor="t" anchorCtr="0" compatLnSpc="1">
@@ -30481,7 +30033,6 @@
               <a:headEnd/>
               <a:tailEnd/>
             </a:ln>
-            <a:extLst/>
           </p:spPr>
           <p:txBody>
             <a:bodyPr vert="horz" wrap="square" lIns="91440" tIns="45720" rIns="91440" bIns="45720" numCol="1" anchor="t" anchorCtr="0" compatLnSpc="1">
@@ -30521,7 +30072,6 @@
               <a:headEnd/>
               <a:tailEnd/>
             </a:ln>
-            <a:extLst/>
           </p:spPr>
           <p:txBody>
             <a:bodyPr vert="horz" wrap="square" lIns="91440" tIns="45720" rIns="91440" bIns="45720" numCol="1" anchor="t" anchorCtr="0" compatLnSpc="1">
@@ -30561,7 +30111,6 @@
               <a:headEnd/>
               <a:tailEnd/>
             </a:ln>
-            <a:extLst/>
           </p:spPr>
           <p:txBody>
             <a:bodyPr vert="horz" wrap="square" lIns="91440" tIns="45720" rIns="91440" bIns="45720" numCol="1" anchor="t" anchorCtr="0" compatLnSpc="1">
@@ -30601,7 +30150,6 @@
               <a:headEnd/>
               <a:tailEnd/>
             </a:ln>
-            <a:extLst/>
           </p:spPr>
           <p:txBody>
             <a:bodyPr vert="horz" wrap="square" lIns="91440" tIns="45720" rIns="91440" bIns="45720" numCol="1" anchor="t" anchorCtr="0" compatLnSpc="1">
@@ -30641,7 +30189,6 @@
               <a:headEnd/>
               <a:tailEnd/>
             </a:ln>
-            <a:extLst/>
           </p:spPr>
           <p:txBody>
             <a:bodyPr vert="horz" wrap="square" lIns="91440" tIns="45720" rIns="91440" bIns="45720" numCol="1" anchor="t" anchorCtr="0" compatLnSpc="1">
@@ -30681,7 +30228,6 @@
               <a:headEnd/>
               <a:tailEnd/>
             </a:ln>
-            <a:extLst/>
           </p:spPr>
           <p:txBody>
             <a:bodyPr vert="horz" wrap="square" lIns="91440" tIns="45720" rIns="91440" bIns="45720" numCol="1" anchor="t" anchorCtr="0" compatLnSpc="1">
@@ -30721,7 +30267,6 @@
               <a:headEnd/>
               <a:tailEnd/>
             </a:ln>
-            <a:extLst/>
           </p:spPr>
           <p:txBody>
             <a:bodyPr vert="horz" wrap="square" lIns="91440" tIns="45720" rIns="91440" bIns="45720" numCol="1" anchor="t" anchorCtr="0" compatLnSpc="1">
@@ -30761,7 +30306,6 @@
               <a:headEnd/>
               <a:tailEnd/>
             </a:ln>
-            <a:extLst/>
           </p:spPr>
           <p:txBody>
             <a:bodyPr vert="horz" wrap="square" lIns="91440" tIns="45720" rIns="91440" bIns="45720" numCol="1" anchor="t" anchorCtr="0" compatLnSpc="1">
@@ -32130,7 +31674,6 @@
               <a:headEnd/>
               <a:tailEnd/>
             </a:ln>
-            <a:extLst/>
           </p:spPr>
           <p:txBody>
             <a:bodyPr vert="horz" wrap="square" lIns="91440" tIns="45720" rIns="91440" bIns="45720" numCol="1" anchor="t" anchorCtr="0" compatLnSpc="1">
@@ -32170,7 +31713,6 @@
               <a:headEnd/>
               <a:tailEnd/>
             </a:ln>
-            <a:extLst/>
           </p:spPr>
           <p:txBody>
             <a:bodyPr vert="horz" wrap="square" lIns="91440" tIns="45720" rIns="91440" bIns="45720" numCol="1" anchor="t" anchorCtr="0" compatLnSpc="1">
@@ -32210,7 +31752,6 @@
               <a:headEnd/>
               <a:tailEnd/>
             </a:ln>
-            <a:extLst/>
           </p:spPr>
           <p:txBody>
             <a:bodyPr vert="horz" wrap="square" lIns="91440" tIns="45720" rIns="91440" bIns="45720" numCol="1" anchor="t" anchorCtr="0" compatLnSpc="1">
@@ -32250,7 +31791,6 @@
               <a:headEnd/>
               <a:tailEnd/>
             </a:ln>
-            <a:extLst/>
           </p:spPr>
           <p:txBody>
             <a:bodyPr vert="horz" wrap="square" lIns="91440" tIns="45720" rIns="91440" bIns="45720" numCol="1" anchor="t" anchorCtr="0" compatLnSpc="1">
@@ -32290,7 +31830,6 @@
               <a:headEnd/>
               <a:tailEnd/>
             </a:ln>
-            <a:extLst/>
           </p:spPr>
           <p:txBody>
             <a:bodyPr vert="horz" wrap="square" lIns="91440" tIns="45720" rIns="91440" bIns="45720" numCol="1" anchor="t" anchorCtr="0" compatLnSpc="1">
@@ -32330,7 +31869,6 @@
               <a:headEnd/>
               <a:tailEnd/>
             </a:ln>
-            <a:extLst/>
           </p:spPr>
           <p:txBody>
             <a:bodyPr vert="horz" wrap="square" lIns="91440" tIns="45720" rIns="91440" bIns="45720" numCol="1" anchor="t" anchorCtr="0" compatLnSpc="1">
@@ -32370,7 +31908,6 @@
               <a:headEnd/>
               <a:tailEnd/>
             </a:ln>
-            <a:extLst/>
           </p:spPr>
           <p:txBody>
             <a:bodyPr vert="horz" wrap="square" lIns="91440" tIns="45720" rIns="91440" bIns="45720" numCol="1" anchor="t" anchorCtr="0" compatLnSpc="1">
@@ -32410,7 +31947,6 @@
               <a:headEnd/>
               <a:tailEnd/>
             </a:ln>
-            <a:extLst/>
           </p:spPr>
           <p:txBody>
             <a:bodyPr vert="horz" wrap="square" lIns="91440" tIns="45720" rIns="91440" bIns="45720" numCol="1" anchor="t" anchorCtr="0" compatLnSpc="1">
@@ -32450,7 +31986,6 @@
               <a:headEnd/>
               <a:tailEnd/>
             </a:ln>
-            <a:extLst/>
           </p:spPr>
           <p:txBody>
             <a:bodyPr vert="horz" wrap="square" lIns="91440" tIns="45720" rIns="91440" bIns="45720" numCol="1" anchor="t" anchorCtr="0" compatLnSpc="1">
@@ -32588,10 +32123,9 @@
           <a:lstStyle/>
           <a:p>
             <a:r>
-              <a:rPr lang="en-GB" dirty="0" smtClean="0"/>
+              <a:rPr lang="en-GB" dirty="0"/>
               <a:t>Tom</a:t>
             </a:r>
-            <a:endParaRPr lang="en-GB" dirty="0"/>
           </a:p>
         </p:txBody>
       </p:sp>
@@ -32656,10 +32190,9 @@
           <a:lstStyle/>
           <a:p>
             <a:r>
-              <a:rPr lang="en-GB" dirty="0" smtClean="0"/>
+              <a:rPr lang="en-GB" dirty="0"/>
               <a:t>Josiah</a:t>
             </a:r>
-            <a:endParaRPr lang="en-GB" dirty="0"/>
           </a:p>
         </p:txBody>
       </p:sp>
@@ -32897,13 +32430,13 @@
         <p:grpSpPr>
           <a:xfrm>
             <a:off x="3301214" y="3396625"/>
-            <a:ext cx="833396" cy="491652"/>
+            <a:ext cx="826343" cy="491652"/>
             <a:chOff x="3301214" y="3396625"/>
-            <a:chExt cx="833396" cy="491652"/>
+            <a:chExt cx="826343" cy="491652"/>
           </a:xfrm>
         </p:grpSpPr>
-        <mc:AlternateContent xmlns:mc="http://schemas.openxmlformats.org/markup-compatibility/2006" xmlns:a14="http://schemas.microsoft.com/office/drawing/2010/main">
-          <mc:Choice Requires="a14">
+        <mc:AlternateContent xmlns:mc="http://schemas.openxmlformats.org/markup-compatibility/2006">
+          <mc:Choice xmlns:a14="http://schemas.microsoft.com/office/drawing/2010/main" Requires="a14">
             <p:sp>
               <p:nvSpPr>
                 <p:cNvPr id="75" name="TextBox 74"/>
@@ -32913,7 +32446,7 @@
               <p:spPr>
                 <a:xfrm>
                   <a:off x="3854918" y="3396625"/>
-                  <a:ext cx="279692" cy="276999"/>
+                  <a:ext cx="272639" cy="276999"/>
                 </a:xfrm>
                 <a:prstGeom prst="rect">
                   <a:avLst/>
@@ -32943,11 +32476,11 @@
                           </m:sSubPr>
                           <m:e>
                             <m:r>
-                              <a:rPr lang="en-GB" i="1" smtClean="0">
+                              <a:rPr lang="en-GB" b="0" i="1" smtClean="0">
                                 <a:latin typeface="Cambria Math" panose="02040503050406030204" pitchFamily="18" charset="0"/>
                                 <a:ea typeface="Cambria Math" panose="02040503050406030204" pitchFamily="18" charset="0"/>
                               </a:rPr>
-                              <m:t>𝛽</m:t>
+                              <m:t>𝑏</m:t>
                             </m:r>
                           </m:e>
                           <m:sub>
@@ -32967,7 +32500,7 @@
               </p:txBody>
             </p:sp>
           </mc:Choice>
-          <mc:Fallback xmlns="">
+          <mc:Fallback>
             <p:sp>
               <p:nvSpPr>
                 <p:cNvPr id="75" name="TextBox 74"/>
@@ -32979,7 +32512,7 @@
               <p:spPr>
                 <a:xfrm>
                   <a:off x="3854918" y="3396625"/>
-                  <a:ext cx="279692" cy="276999"/>
+                  <a:ext cx="272639" cy="276999"/>
                 </a:xfrm>
                 <a:prstGeom prst="rect">
                   <a:avLst/>
@@ -32987,7 +32520,7 @@
                 <a:blipFill>
                   <a:blip r:embed="rId3"/>
                   <a:stretch>
-                    <a:fillRect l="-30435" t="-2174" r="-8696" b="-32609"/>
+                    <a:fillRect l="-22222" r="-6667" b="-15217"/>
                   </a:stretch>
                 </a:blipFill>
               </p:spPr>
@@ -33100,10 +32633,9 @@
             <a:lstStyle/>
             <a:p>
               <a:r>
-                <a:rPr lang="en-GB" sz="1400" dirty="0" smtClean="0"/>
+                <a:rPr lang="en-GB" sz="1400" dirty="0"/>
                 <a:t>1</a:t>
               </a:r>
-              <a:endParaRPr lang="en-GB" sz="1400" dirty="0"/>
             </a:p>
           </p:txBody>
         </p:sp>
@@ -33131,10 +32663,9 @@
           <a:lstStyle/>
           <a:p>
             <a:r>
-              <a:rPr lang="en-GB" dirty="0" smtClean="0"/>
+              <a:rPr lang="en-GB" dirty="0"/>
               <a:t>RT</a:t>
             </a:r>
-            <a:endParaRPr lang="en-GB" dirty="0"/>
           </a:p>
         </p:txBody>
       </p:sp>
@@ -33198,8 +32729,8 @@
           </a:fontRef>
         </p:style>
       </p:cxnSp>
-      <mc:AlternateContent xmlns:mc="http://schemas.openxmlformats.org/markup-compatibility/2006" xmlns:a14="http://schemas.microsoft.com/office/drawing/2010/main">
-        <mc:Choice Requires="a14">
+      <mc:AlternateContent xmlns:mc="http://schemas.openxmlformats.org/markup-compatibility/2006">
+        <mc:Choice xmlns:a14="http://schemas.microsoft.com/office/drawing/2010/main" Requires="a14">
           <p:sp>
             <p:nvSpPr>
               <p:cNvPr id="84" name="TextBox 83"/>
@@ -33209,7 +32740,7 @@
             <p:spPr>
               <a:xfrm>
                 <a:off x="1879338" y="3441384"/>
-                <a:ext cx="278473" cy="301493"/>
+                <a:ext cx="279115" cy="276999"/>
               </a:xfrm>
               <a:prstGeom prst="rect">
                 <a:avLst/>
@@ -33248,10 +32779,11 @@
                         </m:e>
                         <m:sub>
                           <m:r>
-                            <a:rPr lang="en-GB" i="1" smtClean="0">
+                            <a:rPr lang="en-GB" b="0" i="1" smtClean="0">
                               <a:latin typeface="Cambria Math" panose="02040503050406030204" pitchFamily="18" charset="0"/>
+                              <a:ea typeface="Cambria Math" panose="02040503050406030204" pitchFamily="18" charset="0"/>
                             </a:rPr>
-                            <m:t>𝜁</m:t>
+                            <m:t>0</m:t>
                           </m:r>
                         </m:sub>
                       </m:sSub>
@@ -33263,7 +32795,7 @@
             </p:txBody>
           </p:sp>
         </mc:Choice>
-        <mc:Fallback xmlns="">
+        <mc:Fallback>
           <p:sp>
             <p:nvSpPr>
               <p:cNvPr id="84" name="TextBox 83"/>
@@ -33275,7 +32807,7 @@
             <p:spPr>
               <a:xfrm>
                 <a:off x="1879338" y="3441384"/>
-                <a:ext cx="278473" cy="301493"/>
+                <a:ext cx="279115" cy="276999"/>
               </a:xfrm>
               <a:prstGeom prst="rect">
                 <a:avLst/>
@@ -33283,7 +32815,7 @@
               <a:blipFill>
                 <a:blip r:embed="rId4"/>
                 <a:stretch>
-                  <a:fillRect l="-13043" r="-10870" b="-28571"/>
+                  <a:fillRect l="-13043" r="-6522" b="-15556"/>
                 </a:stretch>
               </a:blipFill>
             </p:spPr>
@@ -33735,7 +33267,7 @@
               <a:lstStyle/>
               <a:p>
                 <a:r>
-                  <a:rPr lang="en-GB" dirty="0" smtClean="0">
+                  <a:rPr lang="en-GB" dirty="0">
                     <a:latin typeface="Courier New" panose="02070309020205020404" pitchFamily="49" charset="0"/>
                     <a:cs typeface="Courier New" panose="02070309020205020404" pitchFamily="49" charset="0"/>
                   </a:rPr>
@@ -33744,7 +33276,7 @@
               </a:p>
               <a:p>
                 <a:r>
-                  <a:rPr lang="en-GB" dirty="0" smtClean="0"/>
+                  <a:rPr lang="en-GB" dirty="0"/>
                   <a:t>Intercept  </a:t>
                 </a:r>
                 <a14:m>
@@ -33824,23 +33356,24 @@
                       </m:e>
                       <m:sub>
                         <m:r>
-                          <a:rPr lang="en-GB" i="1" smtClean="0">
+                          <a:rPr lang="en-GB" b="0" i="1" smtClean="0">
                             <a:latin typeface="Cambria Math" panose="02040503050406030204" pitchFamily="18" charset="0"/>
+                            <a:ea typeface="Cambria Math" panose="02040503050406030204" pitchFamily="18" charset="0"/>
                           </a:rPr>
-                          <m:t>𝜁</m:t>
+                          <m:t>0</m:t>
                         </m:r>
                       </m:sub>
                     </m:sSub>
                   </m:oMath>
                 </a14:m>
                 <a:r>
-                  <a:rPr lang="en-GB" dirty="0" smtClean="0"/>
+                  <a:rPr lang="en-GB" dirty="0"/>
                   <a:t>)</a:t>
                 </a:r>
               </a:p>
               <a:p>
                 <a:r>
-                  <a:rPr lang="en-GB" dirty="0" smtClean="0"/>
+                  <a:rPr lang="en-GB" dirty="0"/>
                   <a:t>Slope = </a:t>
                 </a:r>
                 <a14:m>
@@ -33855,11 +33388,11 @@
                       </m:sSubPr>
                       <m:e>
                         <m:r>
-                          <a:rPr lang="en-GB" i="1" smtClean="0">
+                          <a:rPr lang="en-GB" b="0" i="1" smtClean="0">
                             <a:latin typeface="Cambria Math" panose="02040503050406030204" pitchFamily="18" charset="0"/>
                             <a:ea typeface="Cambria Math" panose="02040503050406030204" pitchFamily="18" charset="0"/>
                           </a:rPr>
-                          <m:t>𝛽</m:t>
+                          <m:t>𝑏</m:t>
                         </m:r>
                       </m:e>
                       <m:sub>
@@ -33899,7 +33432,7 @@
               <a:blipFill>
                 <a:blip r:embed="rId7"/>
                 <a:stretch>
-                  <a:fillRect l="-1238" t="-3226" b="-9677"/>
+                  <a:fillRect l="-1238" t="-3226" b="-7097"/>
                 </a:stretch>
               </a:blipFill>
             </p:spPr>
@@ -34119,18 +33652,13 @@
           <a:lstStyle/>
           <a:p>
             <a:r>
-              <a:rPr lang="en-GB" dirty="0" smtClean="0">
+              <a:rPr lang="en-GB" dirty="0">
                 <a:solidFill>
                   <a:srgbClr val="FF0000"/>
                 </a:solidFill>
               </a:rPr>
               <a:t>FIXED</a:t>
             </a:r>
-            <a:endParaRPr lang="en-GB" dirty="0">
-              <a:solidFill>
-                <a:srgbClr val="FF0000"/>
-              </a:solidFill>
-            </a:endParaRPr>
           </a:p>
         </p:txBody>
       </p:sp>
@@ -34207,7 +33735,7 @@
           <a:lstStyle/>
           <a:p>
             <a:r>
-              <a:rPr lang="en-GB" dirty="0" smtClean="0">
+              <a:rPr lang="en-GB" dirty="0">
                 <a:solidFill>
                   <a:schemeClr val="accent2"/>
                 </a:solidFill>
@@ -34215,7 +33743,7 @@
               <a:t>R</a:t>
             </a:r>
             <a:r>
-              <a:rPr lang="en-GB" dirty="0" smtClean="0">
+              <a:rPr lang="en-GB" dirty="0">
                 <a:solidFill>
                   <a:schemeClr val="accent6"/>
                 </a:solidFill>
@@ -34223,7 +33751,7 @@
               <a:t>A</a:t>
             </a:r>
             <a:r>
-              <a:rPr lang="en-GB" dirty="0" smtClean="0">
+              <a:rPr lang="en-GB" dirty="0">
                 <a:solidFill>
                   <a:schemeClr val="accent1"/>
                 </a:solidFill>
@@ -34231,7 +33759,7 @@
               <a:t>N</a:t>
             </a:r>
             <a:r>
-              <a:rPr lang="en-GB" dirty="0" smtClean="0">
+              <a:rPr lang="en-GB" dirty="0">
                 <a:solidFill>
                   <a:srgbClr val="7030A0"/>
                 </a:solidFill>
@@ -34239,7 +33767,7 @@
               <a:t>D</a:t>
             </a:r>
             <a:r>
-              <a:rPr lang="en-GB" dirty="0" smtClean="0">
+              <a:rPr lang="en-GB" dirty="0">
                 <a:solidFill>
                   <a:schemeClr val="bg2">
                     <a:lumMod val="75000"/>
@@ -34249,18 +33777,13 @@
               <a:t>O</a:t>
             </a:r>
             <a:r>
-              <a:rPr lang="en-GB" dirty="0" smtClean="0">
+              <a:rPr lang="en-GB" dirty="0">
                 <a:solidFill>
                   <a:srgbClr val="00B050"/>
                 </a:solidFill>
               </a:rPr>
               <a:t>M</a:t>
             </a:r>
-            <a:endParaRPr lang="en-GB" dirty="0">
-              <a:solidFill>
-                <a:srgbClr val="00B050"/>
-              </a:solidFill>
-            </a:endParaRPr>
           </a:p>
         </p:txBody>
       </p:sp>
@@ -34395,13 +33918,8 @@
           <a:p>
             <a:r>
               <a:rPr lang="en-GB" dirty="0"/>
-              <a:t>d</a:t>
+              <a:t>days of sleep deprivation</a:t>
             </a:r>
-            <a:r>
-              <a:rPr lang="en-GB" dirty="0" smtClean="0"/>
-              <a:t>ays of sleep deprivation</a:t>
-            </a:r>
-            <a:endParaRPr lang="en-GB" dirty="0"/>
           </a:p>
         </p:txBody>
       </p:sp>
@@ -34711,7 +34229,6 @@
               <a:headEnd/>
               <a:tailEnd/>
             </a:ln>
-            <a:extLst/>
           </p:spPr>
           <p:txBody>
             <a:bodyPr vert="horz" wrap="square" lIns="91440" tIns="45720" rIns="91440" bIns="45720" numCol="1" anchor="t" anchorCtr="0" compatLnSpc="1">
@@ -34751,7 +34268,6 @@
               <a:headEnd/>
               <a:tailEnd/>
             </a:ln>
-            <a:extLst/>
           </p:spPr>
           <p:txBody>
             <a:bodyPr vert="horz" wrap="square" lIns="91440" tIns="45720" rIns="91440" bIns="45720" numCol="1" anchor="t" anchorCtr="0" compatLnSpc="1">
@@ -34791,7 +34307,6 @@
               <a:headEnd/>
               <a:tailEnd/>
             </a:ln>
-            <a:extLst/>
           </p:spPr>
           <p:txBody>
             <a:bodyPr vert="horz" wrap="square" lIns="91440" tIns="45720" rIns="91440" bIns="45720" numCol="1" anchor="t" anchorCtr="0" compatLnSpc="1">
@@ -34831,7 +34346,6 @@
               <a:headEnd/>
               <a:tailEnd/>
             </a:ln>
-            <a:extLst/>
           </p:spPr>
           <p:txBody>
             <a:bodyPr vert="horz" wrap="square" lIns="91440" tIns="45720" rIns="91440" bIns="45720" numCol="1" anchor="t" anchorCtr="0" compatLnSpc="1">
@@ -34871,7 +34385,6 @@
               <a:headEnd/>
               <a:tailEnd/>
             </a:ln>
-            <a:extLst/>
           </p:spPr>
           <p:txBody>
             <a:bodyPr vert="horz" wrap="square" lIns="91440" tIns="45720" rIns="91440" bIns="45720" numCol="1" anchor="t" anchorCtr="0" compatLnSpc="1">
@@ -34911,7 +34424,6 @@
               <a:headEnd/>
               <a:tailEnd/>
             </a:ln>
-            <a:extLst/>
           </p:spPr>
           <p:txBody>
             <a:bodyPr vert="horz" wrap="square" lIns="91440" tIns="45720" rIns="91440" bIns="45720" numCol="1" anchor="t" anchorCtr="0" compatLnSpc="1">
@@ -34951,7 +34463,6 @@
               <a:headEnd/>
               <a:tailEnd/>
             </a:ln>
-            <a:extLst/>
           </p:spPr>
           <p:txBody>
             <a:bodyPr vert="horz" wrap="square" lIns="91440" tIns="45720" rIns="91440" bIns="45720" numCol="1" anchor="t" anchorCtr="0" compatLnSpc="1">
@@ -34991,7 +34502,6 @@
               <a:headEnd/>
               <a:tailEnd/>
             </a:ln>
-            <a:extLst/>
           </p:spPr>
           <p:txBody>
             <a:bodyPr vert="horz" wrap="square" lIns="91440" tIns="45720" rIns="91440" bIns="45720" numCol="1" anchor="t" anchorCtr="0" compatLnSpc="1">
@@ -35031,7 +34541,6 @@
               <a:headEnd/>
               <a:tailEnd/>
             </a:ln>
-            <a:extLst/>
           </p:spPr>
           <p:txBody>
             <a:bodyPr vert="horz" wrap="square" lIns="91440" tIns="45720" rIns="91440" bIns="45720" numCol="1" anchor="t" anchorCtr="0" compatLnSpc="1">
@@ -36400,7 +35909,6 @@
               <a:headEnd/>
               <a:tailEnd/>
             </a:ln>
-            <a:extLst/>
           </p:spPr>
           <p:txBody>
             <a:bodyPr vert="horz" wrap="square" lIns="91440" tIns="45720" rIns="91440" bIns="45720" numCol="1" anchor="t" anchorCtr="0" compatLnSpc="1">
@@ -36440,7 +35948,6 @@
               <a:headEnd/>
               <a:tailEnd/>
             </a:ln>
-            <a:extLst/>
           </p:spPr>
           <p:txBody>
             <a:bodyPr vert="horz" wrap="square" lIns="91440" tIns="45720" rIns="91440" bIns="45720" numCol="1" anchor="t" anchorCtr="0" compatLnSpc="1">
@@ -36480,7 +35987,6 @@
               <a:headEnd/>
               <a:tailEnd/>
             </a:ln>
-            <a:extLst/>
           </p:spPr>
           <p:txBody>
             <a:bodyPr vert="horz" wrap="square" lIns="91440" tIns="45720" rIns="91440" bIns="45720" numCol="1" anchor="t" anchorCtr="0" compatLnSpc="1">
@@ -36520,7 +36026,6 @@
               <a:headEnd/>
               <a:tailEnd/>
             </a:ln>
-            <a:extLst/>
           </p:spPr>
           <p:txBody>
             <a:bodyPr vert="horz" wrap="square" lIns="91440" tIns="45720" rIns="91440" bIns="45720" numCol="1" anchor="t" anchorCtr="0" compatLnSpc="1">
@@ -36560,7 +36065,6 @@
               <a:headEnd/>
               <a:tailEnd/>
             </a:ln>
-            <a:extLst/>
           </p:spPr>
           <p:txBody>
             <a:bodyPr vert="horz" wrap="square" lIns="91440" tIns="45720" rIns="91440" bIns="45720" numCol="1" anchor="t" anchorCtr="0" compatLnSpc="1">
@@ -36600,7 +36104,6 @@
               <a:headEnd/>
               <a:tailEnd/>
             </a:ln>
-            <a:extLst/>
           </p:spPr>
           <p:txBody>
             <a:bodyPr vert="horz" wrap="square" lIns="91440" tIns="45720" rIns="91440" bIns="45720" numCol="1" anchor="t" anchorCtr="0" compatLnSpc="1">
@@ -36640,7 +36143,6 @@
               <a:headEnd/>
               <a:tailEnd/>
             </a:ln>
-            <a:extLst/>
           </p:spPr>
           <p:txBody>
             <a:bodyPr vert="horz" wrap="square" lIns="91440" tIns="45720" rIns="91440" bIns="45720" numCol="1" anchor="t" anchorCtr="0" compatLnSpc="1">
@@ -36680,7 +36182,6 @@
               <a:headEnd/>
               <a:tailEnd/>
             </a:ln>
-            <a:extLst/>
           </p:spPr>
           <p:txBody>
             <a:bodyPr vert="horz" wrap="square" lIns="91440" tIns="45720" rIns="91440" bIns="45720" numCol="1" anchor="t" anchorCtr="0" compatLnSpc="1">
@@ -36720,7 +36221,6 @@
               <a:headEnd/>
               <a:tailEnd/>
             </a:ln>
-            <a:extLst/>
           </p:spPr>
           <p:txBody>
             <a:bodyPr vert="horz" wrap="square" lIns="91440" tIns="45720" rIns="91440" bIns="45720" numCol="1" anchor="t" anchorCtr="0" compatLnSpc="1">
@@ -36858,10 +36358,9 @@
           <a:lstStyle/>
           <a:p>
             <a:r>
-              <a:rPr lang="en-GB" dirty="0" smtClean="0"/>
+              <a:rPr lang="en-GB" dirty="0"/>
               <a:t>Tom</a:t>
             </a:r>
-            <a:endParaRPr lang="en-GB" dirty="0"/>
           </a:p>
         </p:txBody>
       </p:sp>
@@ -36926,10 +36425,9 @@
           <a:lstStyle/>
           <a:p>
             <a:r>
-              <a:rPr lang="en-GB" dirty="0" smtClean="0"/>
+              <a:rPr lang="en-GB" dirty="0"/>
               <a:t>Josiah</a:t>
             </a:r>
-            <a:endParaRPr lang="en-GB" dirty="0"/>
           </a:p>
         </p:txBody>
       </p:sp>
@@ -37172,8 +36670,8 @@
             <a:chExt cx="833396" cy="491652"/>
           </a:xfrm>
         </p:grpSpPr>
-        <mc:AlternateContent xmlns:mc="http://schemas.openxmlformats.org/markup-compatibility/2006" xmlns:a14="http://schemas.microsoft.com/office/drawing/2010/main">
-          <mc:Choice Requires="a14">
+        <mc:AlternateContent xmlns:mc="http://schemas.openxmlformats.org/markup-compatibility/2006">
+          <mc:Choice xmlns:a14="http://schemas.microsoft.com/office/drawing/2010/main" Requires="a14">
             <p:sp>
               <p:nvSpPr>
                 <p:cNvPr id="75" name="TextBox 74"/>
@@ -37213,11 +36711,11 @@
                           </m:sSubPr>
                           <m:e>
                             <m:r>
-                              <a:rPr lang="en-GB" i="1" smtClean="0">
+                              <a:rPr lang="en-GB" b="0" i="1" smtClean="0">
                                 <a:latin typeface="Cambria Math" panose="02040503050406030204" pitchFamily="18" charset="0"/>
                                 <a:ea typeface="Cambria Math" panose="02040503050406030204" pitchFamily="18" charset="0"/>
                               </a:rPr>
-                              <m:t>𝛽</m:t>
+                              <m:t>𝑏</m:t>
                             </m:r>
                           </m:e>
                           <m:sub>
@@ -37237,7 +36735,7 @@
               </p:txBody>
             </p:sp>
           </mc:Choice>
-          <mc:Fallback xmlns="">
+          <mc:Fallback>
             <p:sp>
               <p:nvSpPr>
                 <p:cNvPr id="75" name="TextBox 74"/>
@@ -37257,7 +36755,7 @@
                 <a:blipFill>
                   <a:blip r:embed="rId3"/>
                   <a:stretch>
-                    <a:fillRect l="-30435" t="-2174" r="-8696" b="-32609"/>
+                    <a:fillRect l="-19565" r="-6522" b="-15217"/>
                   </a:stretch>
                 </a:blipFill>
               </p:spPr>
@@ -37370,10 +36868,9 @@
             <a:lstStyle/>
             <a:p>
               <a:r>
-                <a:rPr lang="en-GB" sz="1400" dirty="0" smtClean="0"/>
+                <a:rPr lang="en-GB" sz="1400" dirty="0"/>
                 <a:t>1</a:t>
               </a:r>
-              <a:endParaRPr lang="en-GB" sz="1400" dirty="0"/>
             </a:p>
           </p:txBody>
         </p:sp>
@@ -37401,10 +36898,9 @@
           <a:lstStyle/>
           <a:p>
             <a:r>
-              <a:rPr lang="en-GB" dirty="0" smtClean="0"/>
+              <a:rPr lang="en-GB" dirty="0"/>
               <a:t>RT</a:t>
             </a:r>
-            <a:endParaRPr lang="en-GB" dirty="0"/>
           </a:p>
         </p:txBody>
       </p:sp>
@@ -37468,8 +36964,8 @@
           </a:fontRef>
         </p:style>
       </p:cxnSp>
-      <mc:AlternateContent xmlns:mc="http://schemas.openxmlformats.org/markup-compatibility/2006" xmlns:a14="http://schemas.microsoft.com/office/drawing/2010/main">
-        <mc:Choice Requires="a14">
+      <mc:AlternateContent xmlns:mc="http://schemas.openxmlformats.org/markup-compatibility/2006">
+        <mc:Choice xmlns:a14="http://schemas.microsoft.com/office/drawing/2010/main" Requires="a14">
           <p:sp>
             <p:nvSpPr>
               <p:cNvPr id="84" name="TextBox 83"/>
@@ -37479,7 +36975,7 @@
             <p:spPr>
               <a:xfrm>
                 <a:off x="1879338" y="3441384"/>
-                <a:ext cx="278473" cy="301493"/>
+                <a:ext cx="279114" cy="276999"/>
               </a:xfrm>
               <a:prstGeom prst="rect">
                 <a:avLst/>
@@ -37518,10 +37014,10 @@
                         </m:e>
                         <m:sub>
                           <m:r>
-                            <a:rPr lang="en-GB" i="1" smtClean="0">
+                            <a:rPr lang="en-GB" b="0" i="1" smtClean="0">
                               <a:latin typeface="Cambria Math" panose="02040503050406030204" pitchFamily="18" charset="0"/>
                             </a:rPr>
-                            <m:t>𝜁</m:t>
+                            <m:t>0</m:t>
                           </m:r>
                         </m:sub>
                       </m:sSub>
@@ -37533,7 +37029,7 @@
             </p:txBody>
           </p:sp>
         </mc:Choice>
-        <mc:Fallback xmlns="">
+        <mc:Fallback>
           <p:sp>
             <p:nvSpPr>
               <p:cNvPr id="84" name="TextBox 83"/>
@@ -37545,7 +37041,7 @@
             <p:spPr>
               <a:xfrm>
                 <a:off x="1879338" y="3441384"/>
-                <a:ext cx="278473" cy="301493"/>
+                <a:ext cx="279114" cy="276999"/>
               </a:xfrm>
               <a:prstGeom prst="rect">
                 <a:avLst/>
@@ -37553,7 +37049,7 @@
               <a:blipFill>
                 <a:blip r:embed="rId4"/>
                 <a:stretch>
-                  <a:fillRect l="-13043" r="-10870" b="-28571"/>
+                  <a:fillRect l="-13043" r="-6522" b="-15556"/>
                 </a:stretch>
               </a:blipFill>
             </p:spPr>
@@ -37980,8 +37476,8 @@
           </p:sp>
         </mc:Fallback>
       </mc:AlternateContent>
-      <mc:AlternateContent xmlns:mc="http://schemas.openxmlformats.org/markup-compatibility/2006" xmlns:a14="http://schemas.microsoft.com/office/drawing/2010/main">
-        <mc:Choice Requires="a14">
+      <mc:AlternateContent xmlns:mc="http://schemas.openxmlformats.org/markup-compatibility/2006">
+        <mc:Choice xmlns:a14="http://schemas.microsoft.com/office/drawing/2010/main" Requires="a14">
           <p:sp>
             <p:nvSpPr>
               <p:cNvPr id="87" name="TextBox 86"/>
@@ -38005,7 +37501,7 @@
               <a:lstStyle/>
               <a:p>
                 <a:r>
-                  <a:rPr lang="en-GB" dirty="0" smtClean="0">
+                  <a:rPr lang="en-GB" dirty="0">
                     <a:latin typeface="Courier New" panose="02070309020205020404" pitchFamily="49" charset="0"/>
                     <a:cs typeface="Courier New" panose="02070309020205020404" pitchFamily="49" charset="0"/>
                   </a:rPr>
@@ -38014,7 +37510,7 @@
               </a:p>
               <a:p>
                 <a:r>
-                  <a:rPr lang="en-GB" dirty="0" smtClean="0"/>
+                  <a:rPr lang="en-GB" dirty="0"/>
                   <a:t>Intercept  </a:t>
                 </a:r>
                 <a14:m>
@@ -38094,23 +37590,23 @@
                       </m:e>
                       <m:sub>
                         <m:r>
-                          <a:rPr lang="en-GB" i="1" smtClean="0">
+                          <a:rPr lang="en-GB" b="0" i="1" smtClean="0">
                             <a:latin typeface="Cambria Math" panose="02040503050406030204" pitchFamily="18" charset="0"/>
                           </a:rPr>
-                          <m:t>𝜁</m:t>
+                          <m:t>0</m:t>
                         </m:r>
                       </m:sub>
                     </m:sSub>
                   </m:oMath>
                 </a14:m>
                 <a:r>
-                  <a:rPr lang="en-GB" dirty="0" smtClean="0"/>
+                  <a:rPr lang="en-GB" dirty="0"/>
                   <a:t>)</a:t>
                 </a:r>
               </a:p>
               <a:p>
                 <a:r>
-                  <a:rPr lang="en-GB" dirty="0" smtClean="0"/>
+                  <a:rPr lang="en-GB" dirty="0"/>
                   <a:t>Slope = </a:t>
                 </a:r>
                 <a14:m>
@@ -38125,11 +37621,11 @@
                       </m:sSubPr>
                       <m:e>
                         <m:r>
-                          <a:rPr lang="en-GB" i="1" smtClean="0">
+                          <a:rPr lang="en-GB" b="0" i="1" smtClean="0">
                             <a:latin typeface="Cambria Math" panose="02040503050406030204" pitchFamily="18" charset="0"/>
                             <a:ea typeface="Cambria Math" panose="02040503050406030204" pitchFamily="18" charset="0"/>
                           </a:rPr>
-                          <m:t>𝛽</m:t>
+                          <m:t>𝑏</m:t>
                         </m:r>
                       </m:e>
                       <m:sub>
@@ -38149,7 +37645,7 @@
             </p:txBody>
           </p:sp>
         </mc:Choice>
-        <mc:Fallback xmlns="">
+        <mc:Fallback>
           <p:sp>
             <p:nvSpPr>
               <p:cNvPr id="87" name="TextBox 86"/>
@@ -38169,7 +37665,7 @@
               <a:blipFill>
                 <a:blip r:embed="rId7"/>
                 <a:stretch>
-                  <a:fillRect l="-1238" t="-3226" b="-9677"/>
+                  <a:fillRect l="-1238" t="-3226" b="-7097"/>
                 </a:stretch>
               </a:blipFill>
             </p:spPr>
@@ -38202,8 +37698,8 @@
             <a:chExt cx="833396" cy="491652"/>
           </a:xfrm>
         </p:grpSpPr>
-        <mc:AlternateContent xmlns:mc="http://schemas.openxmlformats.org/markup-compatibility/2006" xmlns:a14="http://schemas.microsoft.com/office/drawing/2010/main">
-          <mc:Choice Requires="a14">
+        <mc:AlternateContent xmlns:mc="http://schemas.openxmlformats.org/markup-compatibility/2006">
+          <mc:Choice xmlns:a14="http://schemas.microsoft.com/office/drawing/2010/main" Requires="a14">
             <p:sp>
               <p:nvSpPr>
                 <p:cNvPr id="83" name="TextBox 82"/>
@@ -38243,11 +37739,11 @@
                           </m:sSubPr>
                           <m:e>
                             <m:r>
-                              <a:rPr lang="en-GB" i="1" smtClean="0">
+                              <a:rPr lang="en-GB" b="0" i="1" smtClean="0">
                                 <a:latin typeface="Cambria Math" panose="02040503050406030204" pitchFamily="18" charset="0"/>
                                 <a:ea typeface="Cambria Math" panose="02040503050406030204" pitchFamily="18" charset="0"/>
                               </a:rPr>
-                              <m:t>𝛽</m:t>
+                              <m:t>𝑏</m:t>
                             </m:r>
                           </m:e>
                           <m:sub>
@@ -38267,7 +37763,7 @@
               </p:txBody>
             </p:sp>
           </mc:Choice>
-          <mc:Fallback xmlns="">
+          <mc:Fallback>
             <p:sp>
               <p:nvSpPr>
                 <p:cNvPr id="83" name="TextBox 82"/>
@@ -38287,7 +37783,7 @@
                 <a:blipFill>
                   <a:blip r:embed="rId8"/>
                   <a:stretch>
-                    <a:fillRect l="-30435" t="-2222" r="-8696" b="-35556"/>
+                    <a:fillRect l="-19565" r="-6522" b="-17778"/>
                   </a:stretch>
                 </a:blipFill>
               </p:spPr>
@@ -38400,10 +37896,9 @@
             <a:lstStyle/>
             <a:p>
               <a:r>
-                <a:rPr lang="en-GB" sz="1400" dirty="0" smtClean="0"/>
+                <a:rPr lang="en-GB" sz="1400" dirty="0"/>
                 <a:t>1</a:t>
               </a:r>
-              <a:endParaRPr lang="en-GB" sz="1400" dirty="0"/>
             </a:p>
           </p:txBody>
         </p:sp>
@@ -38422,8 +37917,8 @@
             <a:chExt cx="833396" cy="491652"/>
           </a:xfrm>
         </p:grpSpPr>
-        <mc:AlternateContent xmlns:mc="http://schemas.openxmlformats.org/markup-compatibility/2006" xmlns:a14="http://schemas.microsoft.com/office/drawing/2010/main">
-          <mc:Choice Requires="a14">
+        <mc:AlternateContent xmlns:mc="http://schemas.openxmlformats.org/markup-compatibility/2006">
+          <mc:Choice xmlns:a14="http://schemas.microsoft.com/office/drawing/2010/main" Requires="a14">
             <p:sp>
               <p:nvSpPr>
                 <p:cNvPr id="124" name="TextBox 123"/>
@@ -38463,11 +37958,11 @@
                           </m:sSubPr>
                           <m:e>
                             <m:r>
-                              <a:rPr lang="en-GB" i="1" smtClean="0">
+                              <a:rPr lang="en-GB" b="0" i="1" smtClean="0">
                                 <a:latin typeface="Cambria Math" panose="02040503050406030204" pitchFamily="18" charset="0"/>
                                 <a:ea typeface="Cambria Math" panose="02040503050406030204" pitchFamily="18" charset="0"/>
                               </a:rPr>
-                              <m:t>𝛽</m:t>
+                              <m:t>𝑏</m:t>
                             </m:r>
                           </m:e>
                           <m:sub>
@@ -38487,7 +37982,7 @@
               </p:txBody>
             </p:sp>
           </mc:Choice>
-          <mc:Fallback xmlns="">
+          <mc:Fallback>
             <p:sp>
               <p:nvSpPr>
                 <p:cNvPr id="124" name="TextBox 123"/>
@@ -38507,7 +38002,7 @@
                 <a:blipFill>
                   <a:blip r:embed="rId9"/>
                   <a:stretch>
-                    <a:fillRect l="-30435" t="-2174" r="-8696" b="-32609"/>
+                    <a:fillRect l="-19565" r="-6522" b="-15217"/>
                   </a:stretch>
                 </a:blipFill>
               </p:spPr>
@@ -38620,10 +38115,9 @@
             <a:lstStyle/>
             <a:p>
               <a:r>
-                <a:rPr lang="en-GB" sz="1400" dirty="0" smtClean="0"/>
+                <a:rPr lang="en-GB" sz="1400" dirty="0"/>
                 <a:t>1</a:t>
               </a:r>
-              <a:endParaRPr lang="en-GB" sz="1400" dirty="0"/>
             </a:p>
           </p:txBody>
         </p:sp>
@@ -38642,8 +38136,8 @@
             <a:chExt cx="833396" cy="491652"/>
           </a:xfrm>
         </p:grpSpPr>
-        <mc:AlternateContent xmlns:mc="http://schemas.openxmlformats.org/markup-compatibility/2006" xmlns:a14="http://schemas.microsoft.com/office/drawing/2010/main">
-          <mc:Choice Requires="a14">
+        <mc:AlternateContent xmlns:mc="http://schemas.openxmlformats.org/markup-compatibility/2006">
+          <mc:Choice xmlns:a14="http://schemas.microsoft.com/office/drawing/2010/main" Requires="a14">
             <p:sp>
               <p:nvSpPr>
                 <p:cNvPr id="129" name="TextBox 128"/>
@@ -38683,11 +38177,11 @@
                           </m:sSubPr>
                           <m:e>
                             <m:r>
-                              <a:rPr lang="en-GB" i="1" smtClean="0">
+                              <a:rPr lang="en-GB" b="0" i="1" smtClean="0">
                                 <a:latin typeface="Cambria Math" panose="02040503050406030204" pitchFamily="18" charset="0"/>
                                 <a:ea typeface="Cambria Math" panose="02040503050406030204" pitchFamily="18" charset="0"/>
                               </a:rPr>
-                              <m:t>𝛽</m:t>
+                              <m:t>𝑏</m:t>
                             </m:r>
                           </m:e>
                           <m:sub>
@@ -38707,7 +38201,7 @@
               </p:txBody>
             </p:sp>
           </mc:Choice>
-          <mc:Fallback xmlns="">
+          <mc:Fallback>
             <p:sp>
               <p:nvSpPr>
                 <p:cNvPr id="129" name="TextBox 128"/>
@@ -38727,7 +38221,7 @@
                 <a:blipFill>
                   <a:blip r:embed="rId10"/>
                   <a:stretch>
-                    <a:fillRect l="-30435" t="-4444" r="-6522" b="-35556"/>
+                    <a:fillRect l="-19565" r="-4348" b="-15556"/>
                   </a:stretch>
                 </a:blipFill>
               </p:spPr>
@@ -38840,10 +38334,9 @@
             <a:lstStyle/>
             <a:p>
               <a:r>
-                <a:rPr lang="en-GB" sz="1400" dirty="0" smtClean="0"/>
+                <a:rPr lang="en-GB" sz="1400" dirty="0"/>
                 <a:t>1</a:t>
               </a:r>
-              <a:endParaRPr lang="en-GB" sz="1400" dirty="0"/>
             </a:p>
           </p:txBody>
         </p:sp>
@@ -38862,8 +38355,8 @@
             <a:chExt cx="833396" cy="491652"/>
           </a:xfrm>
         </p:grpSpPr>
-        <mc:AlternateContent xmlns:mc="http://schemas.openxmlformats.org/markup-compatibility/2006" xmlns:a14="http://schemas.microsoft.com/office/drawing/2010/main">
-          <mc:Choice Requires="a14">
+        <mc:AlternateContent xmlns:mc="http://schemas.openxmlformats.org/markup-compatibility/2006">
+          <mc:Choice xmlns:a14="http://schemas.microsoft.com/office/drawing/2010/main" Requires="a14">
             <p:sp>
               <p:nvSpPr>
                 <p:cNvPr id="134" name="TextBox 133"/>
@@ -38903,11 +38396,11 @@
                           </m:sSubPr>
                           <m:e>
                             <m:r>
-                              <a:rPr lang="en-GB" i="1" smtClean="0">
+                              <a:rPr lang="en-GB" b="0" i="1" smtClean="0">
                                 <a:latin typeface="Cambria Math" panose="02040503050406030204" pitchFamily="18" charset="0"/>
                                 <a:ea typeface="Cambria Math" panose="02040503050406030204" pitchFamily="18" charset="0"/>
                               </a:rPr>
-                              <m:t>𝛽</m:t>
+                              <m:t>𝑏</m:t>
                             </m:r>
                           </m:e>
                           <m:sub>
@@ -38927,7 +38420,7 @@
               </p:txBody>
             </p:sp>
           </mc:Choice>
-          <mc:Fallback xmlns="">
+          <mc:Fallback>
             <p:sp>
               <p:nvSpPr>
                 <p:cNvPr id="134" name="TextBox 133"/>
@@ -38947,7 +38440,7 @@
                 <a:blipFill>
                   <a:blip r:embed="rId11"/>
                   <a:stretch>
-                    <a:fillRect l="-30435" t="-2174" r="-8696" b="-32609"/>
+                    <a:fillRect l="-19565" r="-6522" b="-15217"/>
                   </a:stretch>
                 </a:blipFill>
               </p:spPr>
@@ -39060,10 +38553,9 @@
             <a:lstStyle/>
             <a:p>
               <a:r>
-                <a:rPr lang="en-GB" sz="1400" dirty="0" smtClean="0"/>
+                <a:rPr lang="en-GB" sz="1400" dirty="0"/>
                 <a:t>1</a:t>
               </a:r>
-              <a:endParaRPr lang="en-GB" sz="1400" dirty="0"/>
             </a:p>
           </p:txBody>
         </p:sp>
@@ -39092,13 +38584,8 @@
           <a:p>
             <a:r>
               <a:rPr lang="en-GB" dirty="0"/>
-              <a:t>d</a:t>
+              <a:t>days of sleep deprivation</a:t>
             </a:r>
-            <a:r>
-              <a:rPr lang="en-GB" dirty="0" smtClean="0"/>
-              <a:t>ays of sleep deprivation</a:t>
-            </a:r>
-            <a:endParaRPr lang="en-GB" dirty="0"/>
           </a:p>
         </p:txBody>
       </p:sp>
@@ -39309,7 +38796,6 @@
               <a:headEnd/>
               <a:tailEnd/>
             </a:ln>
-            <a:extLst/>
           </p:spPr>
           <p:txBody>
             <a:bodyPr vert="horz" wrap="square" lIns="91440" tIns="45720" rIns="91440" bIns="45720" numCol="1" anchor="t" anchorCtr="0" compatLnSpc="1">
@@ -39349,7 +38835,6 @@
               <a:headEnd/>
               <a:tailEnd/>
             </a:ln>
-            <a:extLst/>
           </p:spPr>
           <p:txBody>
             <a:bodyPr vert="horz" wrap="square" lIns="91440" tIns="45720" rIns="91440" bIns="45720" numCol="1" anchor="t" anchorCtr="0" compatLnSpc="1">
@@ -39389,7 +38874,6 @@
               <a:headEnd/>
               <a:tailEnd/>
             </a:ln>
-            <a:extLst/>
           </p:spPr>
           <p:txBody>
             <a:bodyPr vert="horz" wrap="square" lIns="91440" tIns="45720" rIns="91440" bIns="45720" numCol="1" anchor="t" anchorCtr="0" compatLnSpc="1">
@@ -39429,7 +38913,6 @@
               <a:headEnd/>
               <a:tailEnd/>
             </a:ln>
-            <a:extLst/>
           </p:spPr>
           <p:txBody>
             <a:bodyPr vert="horz" wrap="square" lIns="91440" tIns="45720" rIns="91440" bIns="45720" numCol="1" anchor="t" anchorCtr="0" compatLnSpc="1">
@@ -39469,7 +38952,6 @@
               <a:headEnd/>
               <a:tailEnd/>
             </a:ln>
-            <a:extLst/>
           </p:spPr>
           <p:txBody>
             <a:bodyPr vert="horz" wrap="square" lIns="91440" tIns="45720" rIns="91440" bIns="45720" numCol="1" anchor="t" anchorCtr="0" compatLnSpc="1">
@@ -39509,7 +38991,6 @@
               <a:headEnd/>
               <a:tailEnd/>
             </a:ln>
-            <a:extLst/>
           </p:spPr>
           <p:txBody>
             <a:bodyPr vert="horz" wrap="square" lIns="91440" tIns="45720" rIns="91440" bIns="45720" numCol="1" anchor="t" anchorCtr="0" compatLnSpc="1">
@@ -39549,7 +39030,6 @@
               <a:headEnd/>
               <a:tailEnd/>
             </a:ln>
-            <a:extLst/>
           </p:spPr>
           <p:txBody>
             <a:bodyPr vert="horz" wrap="square" lIns="91440" tIns="45720" rIns="91440" bIns="45720" numCol="1" anchor="t" anchorCtr="0" compatLnSpc="1">
@@ -39589,7 +39069,6 @@
               <a:headEnd/>
               <a:tailEnd/>
             </a:ln>
-            <a:extLst/>
           </p:spPr>
           <p:txBody>
             <a:bodyPr vert="horz" wrap="square" lIns="91440" tIns="45720" rIns="91440" bIns="45720" numCol="1" anchor="t" anchorCtr="0" compatLnSpc="1">
@@ -39629,7 +39108,6 @@
               <a:headEnd/>
               <a:tailEnd/>
             </a:ln>
-            <a:extLst/>
           </p:spPr>
           <p:txBody>
             <a:bodyPr vert="horz" wrap="square" lIns="91440" tIns="45720" rIns="91440" bIns="45720" numCol="1" anchor="t" anchorCtr="0" compatLnSpc="1">
@@ -40998,7 +40476,6 @@
               <a:headEnd/>
               <a:tailEnd/>
             </a:ln>
-            <a:extLst/>
           </p:spPr>
           <p:txBody>
             <a:bodyPr vert="horz" wrap="square" lIns="91440" tIns="45720" rIns="91440" bIns="45720" numCol="1" anchor="t" anchorCtr="0" compatLnSpc="1">
@@ -41038,7 +40515,6 @@
               <a:headEnd/>
               <a:tailEnd/>
             </a:ln>
-            <a:extLst/>
           </p:spPr>
           <p:txBody>
             <a:bodyPr vert="horz" wrap="square" lIns="91440" tIns="45720" rIns="91440" bIns="45720" numCol="1" anchor="t" anchorCtr="0" compatLnSpc="1">
@@ -41078,7 +40554,6 @@
               <a:headEnd/>
               <a:tailEnd/>
             </a:ln>
-            <a:extLst/>
           </p:spPr>
           <p:txBody>
             <a:bodyPr vert="horz" wrap="square" lIns="91440" tIns="45720" rIns="91440" bIns="45720" numCol="1" anchor="t" anchorCtr="0" compatLnSpc="1">
@@ -41118,7 +40593,6 @@
               <a:headEnd/>
               <a:tailEnd/>
             </a:ln>
-            <a:extLst/>
           </p:spPr>
           <p:txBody>
             <a:bodyPr vert="horz" wrap="square" lIns="91440" tIns="45720" rIns="91440" bIns="45720" numCol="1" anchor="t" anchorCtr="0" compatLnSpc="1">
@@ -41158,7 +40632,6 @@
               <a:headEnd/>
               <a:tailEnd/>
             </a:ln>
-            <a:extLst/>
           </p:spPr>
           <p:txBody>
             <a:bodyPr vert="horz" wrap="square" lIns="91440" tIns="45720" rIns="91440" bIns="45720" numCol="1" anchor="t" anchorCtr="0" compatLnSpc="1">
@@ -41198,7 +40671,6 @@
               <a:headEnd/>
               <a:tailEnd/>
             </a:ln>
-            <a:extLst/>
           </p:spPr>
           <p:txBody>
             <a:bodyPr vert="horz" wrap="square" lIns="91440" tIns="45720" rIns="91440" bIns="45720" numCol="1" anchor="t" anchorCtr="0" compatLnSpc="1">
@@ -41238,7 +40710,6 @@
               <a:headEnd/>
               <a:tailEnd/>
             </a:ln>
-            <a:extLst/>
           </p:spPr>
           <p:txBody>
             <a:bodyPr vert="horz" wrap="square" lIns="91440" tIns="45720" rIns="91440" bIns="45720" numCol="1" anchor="t" anchorCtr="0" compatLnSpc="1">
@@ -41278,7 +40749,6 @@
               <a:headEnd/>
               <a:tailEnd/>
             </a:ln>
-            <a:extLst/>
           </p:spPr>
           <p:txBody>
             <a:bodyPr vert="horz" wrap="square" lIns="91440" tIns="45720" rIns="91440" bIns="45720" numCol="1" anchor="t" anchorCtr="0" compatLnSpc="1">
@@ -41318,7 +40788,6 @@
               <a:headEnd/>
               <a:tailEnd/>
             </a:ln>
-            <a:extLst/>
           </p:spPr>
           <p:txBody>
             <a:bodyPr vert="horz" wrap="square" lIns="91440" tIns="45720" rIns="91440" bIns="45720" numCol="1" anchor="t" anchorCtr="0" compatLnSpc="1">
@@ -41456,10 +40925,9 @@
           <a:lstStyle/>
           <a:p>
             <a:r>
-              <a:rPr lang="en-GB" dirty="0" smtClean="0"/>
+              <a:rPr lang="en-GB" dirty="0"/>
               <a:t>Tom</a:t>
             </a:r>
-            <a:endParaRPr lang="en-GB" dirty="0"/>
           </a:p>
         </p:txBody>
       </p:sp>
@@ -41524,10 +40992,9 @@
           <a:lstStyle/>
           <a:p>
             <a:r>
-              <a:rPr lang="en-GB" dirty="0" smtClean="0"/>
+              <a:rPr lang="en-GB" dirty="0"/>
               <a:t>Josiah</a:t>
             </a:r>
-            <a:endParaRPr lang="en-GB" dirty="0"/>
           </a:p>
         </p:txBody>
       </p:sp>
@@ -41770,8 +41237,8 @@
             <a:chExt cx="833396" cy="491652"/>
           </a:xfrm>
         </p:grpSpPr>
-        <mc:AlternateContent xmlns:mc="http://schemas.openxmlformats.org/markup-compatibility/2006" xmlns:a14="http://schemas.microsoft.com/office/drawing/2010/main">
-          <mc:Choice Requires="a14">
+        <mc:AlternateContent xmlns:mc="http://schemas.openxmlformats.org/markup-compatibility/2006">
+          <mc:Choice xmlns:a14="http://schemas.microsoft.com/office/drawing/2010/main" Requires="a14">
             <p:sp>
               <p:nvSpPr>
                 <p:cNvPr id="75" name="TextBox 74"/>
@@ -41811,11 +41278,11 @@
                           </m:sSubPr>
                           <m:e>
                             <m:r>
-                              <a:rPr lang="en-GB" i="1" smtClean="0">
+                              <a:rPr lang="en-GB" b="0" i="1" smtClean="0">
                                 <a:latin typeface="Cambria Math" panose="02040503050406030204" pitchFamily="18" charset="0"/>
                                 <a:ea typeface="Cambria Math" panose="02040503050406030204" pitchFamily="18" charset="0"/>
                               </a:rPr>
-                              <m:t>𝛽</m:t>
+                              <m:t>𝑏</m:t>
                             </m:r>
                           </m:e>
                           <m:sub>
@@ -41835,7 +41302,7 @@
               </p:txBody>
             </p:sp>
           </mc:Choice>
-          <mc:Fallback xmlns="">
+          <mc:Fallback>
             <p:sp>
               <p:nvSpPr>
                 <p:cNvPr id="75" name="TextBox 74"/>
@@ -41855,7 +41322,7 @@
                 <a:blipFill>
                   <a:blip r:embed="rId3"/>
                   <a:stretch>
-                    <a:fillRect l="-30435" t="-2174" r="-8696" b="-32609"/>
+                    <a:fillRect l="-19565" r="-6522" b="-15217"/>
                   </a:stretch>
                 </a:blipFill>
               </p:spPr>
@@ -41968,10 +41435,9 @@
             <a:lstStyle/>
             <a:p>
               <a:r>
-                <a:rPr lang="en-GB" sz="1400" dirty="0" smtClean="0"/>
+                <a:rPr lang="en-GB" sz="1400" dirty="0"/>
                 <a:t>1</a:t>
               </a:r>
-              <a:endParaRPr lang="en-GB" sz="1400" dirty="0"/>
             </a:p>
           </p:txBody>
         </p:sp>
@@ -41999,10 +41465,9 @@
           <a:lstStyle/>
           <a:p>
             <a:r>
-              <a:rPr lang="en-GB" dirty="0" smtClean="0"/>
+              <a:rPr lang="en-GB" dirty="0"/>
               <a:t>RT</a:t>
             </a:r>
-            <a:endParaRPr lang="en-GB" dirty="0"/>
           </a:p>
         </p:txBody>
       </p:sp>
@@ -42066,8 +41531,8 @@
           </a:fontRef>
         </p:style>
       </p:cxnSp>
-      <mc:AlternateContent xmlns:mc="http://schemas.openxmlformats.org/markup-compatibility/2006" xmlns:a14="http://schemas.microsoft.com/office/drawing/2010/main">
-        <mc:Choice Requires="a14">
+      <mc:AlternateContent xmlns:mc="http://schemas.openxmlformats.org/markup-compatibility/2006">
+        <mc:Choice xmlns:a14="http://schemas.microsoft.com/office/drawing/2010/main" Requires="a14">
           <p:sp>
             <p:nvSpPr>
               <p:cNvPr id="84" name="TextBox 83"/>
@@ -42077,7 +41542,7 @@
             <p:spPr>
               <a:xfrm>
                 <a:off x="1879338" y="3441384"/>
-                <a:ext cx="278473" cy="301493"/>
+                <a:ext cx="279114" cy="276999"/>
               </a:xfrm>
               <a:prstGeom prst="rect">
                 <a:avLst/>
@@ -42116,10 +41581,10 @@
                         </m:e>
                         <m:sub>
                           <m:r>
-                            <a:rPr lang="en-GB" i="1" smtClean="0">
+                            <a:rPr lang="en-GB" b="0" i="1" smtClean="0">
                               <a:latin typeface="Cambria Math" panose="02040503050406030204" pitchFamily="18" charset="0"/>
                             </a:rPr>
-                            <m:t>𝜁</m:t>
+                            <m:t>0</m:t>
                           </m:r>
                         </m:sub>
                       </m:sSub>
@@ -42131,7 +41596,7 @@
             </p:txBody>
           </p:sp>
         </mc:Choice>
-        <mc:Fallback xmlns="">
+        <mc:Fallback>
           <p:sp>
             <p:nvSpPr>
               <p:cNvPr id="84" name="TextBox 83"/>
@@ -42143,7 +41608,7 @@
             <p:spPr>
               <a:xfrm>
                 <a:off x="1879338" y="3441384"/>
-                <a:ext cx="278473" cy="301493"/>
+                <a:ext cx="279114" cy="276999"/>
               </a:xfrm>
               <a:prstGeom prst="rect">
                 <a:avLst/>
@@ -42151,7 +41616,7 @@
               <a:blipFill>
                 <a:blip r:embed="rId4"/>
                 <a:stretch>
-                  <a:fillRect l="-13043" r="-10870" b="-28571"/>
+                  <a:fillRect l="-13043" r="-6522" b="-15556"/>
                 </a:stretch>
               </a:blipFill>
             </p:spPr>
@@ -42578,8 +42043,8 @@
           </p:sp>
         </mc:Fallback>
       </mc:AlternateContent>
-      <mc:AlternateContent xmlns:mc="http://schemas.openxmlformats.org/markup-compatibility/2006" xmlns:a14="http://schemas.microsoft.com/office/drawing/2010/main">
-        <mc:Choice Requires="a14">
+      <mc:AlternateContent xmlns:mc="http://schemas.openxmlformats.org/markup-compatibility/2006">
+        <mc:Choice xmlns:a14="http://schemas.microsoft.com/office/drawing/2010/main" Requires="a14">
           <p:sp>
             <p:nvSpPr>
               <p:cNvPr id="87" name="TextBox 86"/>
@@ -42603,7 +42068,7 @@
               <a:lstStyle/>
               <a:p>
                 <a:r>
-                  <a:rPr lang="en-GB" dirty="0" smtClean="0">
+                  <a:rPr lang="en-GB" dirty="0">
                     <a:latin typeface="Courier New" panose="02070309020205020404" pitchFamily="49" charset="0"/>
                     <a:cs typeface="Courier New" panose="02070309020205020404" pitchFamily="49" charset="0"/>
                   </a:rPr>
@@ -42612,7 +42077,7 @@
               </a:p>
               <a:p>
                 <a:r>
-                  <a:rPr lang="en-GB" dirty="0" smtClean="0"/>
+                  <a:rPr lang="en-GB" dirty="0"/>
                   <a:t>Intercept  </a:t>
                 </a:r>
                 <a14:m>
@@ -42692,23 +42157,23 @@
                       </m:e>
                       <m:sub>
                         <m:r>
-                          <a:rPr lang="en-GB" i="1" smtClean="0">
+                          <a:rPr lang="en-GB" b="0" i="1" smtClean="0">
                             <a:latin typeface="Cambria Math" panose="02040503050406030204" pitchFamily="18" charset="0"/>
                           </a:rPr>
-                          <m:t>𝜁</m:t>
+                          <m:t>0</m:t>
                         </m:r>
                       </m:sub>
                     </m:sSub>
                   </m:oMath>
                 </a14:m>
                 <a:r>
-                  <a:rPr lang="en-GB" dirty="0" smtClean="0"/>
+                  <a:rPr lang="en-GB" dirty="0"/>
                   <a:t>)</a:t>
                 </a:r>
               </a:p>
               <a:p>
                 <a:r>
-                  <a:rPr lang="en-GB" dirty="0" smtClean="0"/>
+                  <a:rPr lang="en-GB" dirty="0"/>
                   <a:t>Slope = </a:t>
                 </a:r>
                 <a14:m>
@@ -42723,11 +42188,11 @@
                       </m:sSubPr>
                       <m:e>
                         <m:r>
-                          <a:rPr lang="en-GB" i="1" smtClean="0">
+                          <a:rPr lang="en-GB" b="0" i="1" smtClean="0">
                             <a:latin typeface="Cambria Math" panose="02040503050406030204" pitchFamily="18" charset="0"/>
                             <a:ea typeface="Cambria Math" panose="02040503050406030204" pitchFamily="18" charset="0"/>
                           </a:rPr>
-                          <m:t>𝛽</m:t>
+                          <m:t>𝑏</m:t>
                         </m:r>
                       </m:e>
                       <m:sub>
@@ -42747,7 +42212,7 @@
             </p:txBody>
           </p:sp>
         </mc:Choice>
-        <mc:Fallback xmlns="">
+        <mc:Fallback>
           <p:sp>
             <p:nvSpPr>
               <p:cNvPr id="87" name="TextBox 86"/>
@@ -42767,7 +42232,7 @@
               <a:blipFill>
                 <a:blip r:embed="rId7"/>
                 <a:stretch>
-                  <a:fillRect l="-1238" t="-3226" b="-9677"/>
+                  <a:fillRect l="-1238" t="-3226" b="-7097"/>
                 </a:stretch>
               </a:blipFill>
             </p:spPr>
@@ -42800,8 +42265,8 @@
             <a:chExt cx="833396" cy="491652"/>
           </a:xfrm>
         </p:grpSpPr>
-        <mc:AlternateContent xmlns:mc="http://schemas.openxmlformats.org/markup-compatibility/2006" xmlns:a14="http://schemas.microsoft.com/office/drawing/2010/main">
-          <mc:Choice Requires="a14">
+        <mc:AlternateContent xmlns:mc="http://schemas.openxmlformats.org/markup-compatibility/2006">
+          <mc:Choice xmlns:a14="http://schemas.microsoft.com/office/drawing/2010/main" Requires="a14">
             <p:sp>
               <p:nvSpPr>
                 <p:cNvPr id="83" name="TextBox 82"/>
@@ -42841,11 +42306,11 @@
                           </m:sSubPr>
                           <m:e>
                             <m:r>
-                              <a:rPr lang="en-GB" i="1" smtClean="0">
+                              <a:rPr lang="en-GB" b="0" i="1" smtClean="0">
                                 <a:latin typeface="Cambria Math" panose="02040503050406030204" pitchFamily="18" charset="0"/>
                                 <a:ea typeface="Cambria Math" panose="02040503050406030204" pitchFamily="18" charset="0"/>
                               </a:rPr>
-                              <m:t>𝛽</m:t>
+                              <m:t>𝑏</m:t>
                             </m:r>
                           </m:e>
                           <m:sub>
@@ -42865,7 +42330,7 @@
               </p:txBody>
             </p:sp>
           </mc:Choice>
-          <mc:Fallback xmlns="">
+          <mc:Fallback>
             <p:sp>
               <p:nvSpPr>
                 <p:cNvPr id="83" name="TextBox 82"/>
@@ -42885,7 +42350,7 @@
                 <a:blipFill>
                   <a:blip r:embed="rId8"/>
                   <a:stretch>
-                    <a:fillRect l="-30435" t="-2222" r="-8696" b="-35556"/>
+                    <a:fillRect l="-19565" r="-6522" b="-17778"/>
                   </a:stretch>
                 </a:blipFill>
               </p:spPr>
@@ -42998,10 +42463,9 @@
             <a:lstStyle/>
             <a:p>
               <a:r>
-                <a:rPr lang="en-GB" sz="1400" dirty="0" smtClean="0"/>
+                <a:rPr lang="en-GB" sz="1400" dirty="0"/>
                 <a:t>1</a:t>
               </a:r>
-              <a:endParaRPr lang="en-GB" sz="1400" dirty="0"/>
             </a:p>
           </p:txBody>
         </p:sp>
@@ -43020,8 +42484,8 @@
             <a:chExt cx="833396" cy="491652"/>
           </a:xfrm>
         </p:grpSpPr>
-        <mc:AlternateContent xmlns:mc="http://schemas.openxmlformats.org/markup-compatibility/2006" xmlns:a14="http://schemas.microsoft.com/office/drawing/2010/main">
-          <mc:Choice Requires="a14">
+        <mc:AlternateContent xmlns:mc="http://schemas.openxmlformats.org/markup-compatibility/2006">
+          <mc:Choice xmlns:a14="http://schemas.microsoft.com/office/drawing/2010/main" Requires="a14">
             <p:sp>
               <p:nvSpPr>
                 <p:cNvPr id="124" name="TextBox 123"/>
@@ -43061,11 +42525,11 @@
                           </m:sSubPr>
                           <m:e>
                             <m:r>
-                              <a:rPr lang="en-GB" i="1" smtClean="0">
+                              <a:rPr lang="en-GB" b="0" i="1" smtClean="0">
                                 <a:latin typeface="Cambria Math" panose="02040503050406030204" pitchFamily="18" charset="0"/>
                                 <a:ea typeface="Cambria Math" panose="02040503050406030204" pitchFamily="18" charset="0"/>
                               </a:rPr>
-                              <m:t>𝛽</m:t>
+                              <m:t>𝑏</m:t>
                             </m:r>
                           </m:e>
                           <m:sub>
@@ -43085,7 +42549,7 @@
               </p:txBody>
             </p:sp>
           </mc:Choice>
-          <mc:Fallback xmlns="">
+          <mc:Fallback>
             <p:sp>
               <p:nvSpPr>
                 <p:cNvPr id="124" name="TextBox 123"/>
@@ -43105,7 +42569,7 @@
                 <a:blipFill>
                   <a:blip r:embed="rId9"/>
                   <a:stretch>
-                    <a:fillRect l="-30435" t="-2174" r="-8696" b="-32609"/>
+                    <a:fillRect l="-19565" r="-6522" b="-15217"/>
                   </a:stretch>
                 </a:blipFill>
               </p:spPr>
@@ -43218,10 +42682,9 @@
             <a:lstStyle/>
             <a:p>
               <a:r>
-                <a:rPr lang="en-GB" sz="1400" dirty="0" smtClean="0"/>
+                <a:rPr lang="en-GB" sz="1400" dirty="0"/>
                 <a:t>1</a:t>
               </a:r>
-              <a:endParaRPr lang="en-GB" sz="1400" dirty="0"/>
             </a:p>
           </p:txBody>
         </p:sp>
@@ -43240,8 +42703,8 @@
             <a:chExt cx="833396" cy="491652"/>
           </a:xfrm>
         </p:grpSpPr>
-        <mc:AlternateContent xmlns:mc="http://schemas.openxmlformats.org/markup-compatibility/2006" xmlns:a14="http://schemas.microsoft.com/office/drawing/2010/main">
-          <mc:Choice Requires="a14">
+        <mc:AlternateContent xmlns:mc="http://schemas.openxmlformats.org/markup-compatibility/2006">
+          <mc:Choice xmlns:a14="http://schemas.microsoft.com/office/drawing/2010/main" Requires="a14">
             <p:sp>
               <p:nvSpPr>
                 <p:cNvPr id="129" name="TextBox 128"/>
@@ -43281,11 +42744,11 @@
                           </m:sSubPr>
                           <m:e>
                             <m:r>
-                              <a:rPr lang="en-GB" i="1" smtClean="0">
+                              <a:rPr lang="en-GB" b="0" i="1" smtClean="0">
                                 <a:latin typeface="Cambria Math" panose="02040503050406030204" pitchFamily="18" charset="0"/>
                                 <a:ea typeface="Cambria Math" panose="02040503050406030204" pitchFamily="18" charset="0"/>
                               </a:rPr>
-                              <m:t>𝛽</m:t>
+                              <m:t>𝑏</m:t>
                             </m:r>
                           </m:e>
                           <m:sub>
@@ -43305,7 +42768,7 @@
               </p:txBody>
             </p:sp>
           </mc:Choice>
-          <mc:Fallback xmlns="">
+          <mc:Fallback>
             <p:sp>
               <p:nvSpPr>
                 <p:cNvPr id="129" name="TextBox 128"/>
@@ -43325,7 +42788,7 @@
                 <a:blipFill>
                   <a:blip r:embed="rId10"/>
                   <a:stretch>
-                    <a:fillRect l="-30435" t="-4444" r="-6522" b="-35556"/>
+                    <a:fillRect l="-19565" r="-4348" b="-15556"/>
                   </a:stretch>
                 </a:blipFill>
               </p:spPr>
@@ -43438,10 +42901,9 @@
             <a:lstStyle/>
             <a:p>
               <a:r>
-                <a:rPr lang="en-GB" sz="1400" dirty="0" smtClean="0"/>
+                <a:rPr lang="en-GB" sz="1400" dirty="0"/>
                 <a:t>1</a:t>
               </a:r>
-              <a:endParaRPr lang="en-GB" sz="1400" dirty="0"/>
             </a:p>
           </p:txBody>
         </p:sp>
@@ -43460,8 +42922,8 @@
             <a:chExt cx="833396" cy="491652"/>
           </a:xfrm>
         </p:grpSpPr>
-        <mc:AlternateContent xmlns:mc="http://schemas.openxmlformats.org/markup-compatibility/2006" xmlns:a14="http://schemas.microsoft.com/office/drawing/2010/main">
-          <mc:Choice Requires="a14">
+        <mc:AlternateContent xmlns:mc="http://schemas.openxmlformats.org/markup-compatibility/2006">
+          <mc:Choice xmlns:a14="http://schemas.microsoft.com/office/drawing/2010/main" Requires="a14">
             <p:sp>
               <p:nvSpPr>
                 <p:cNvPr id="134" name="TextBox 133"/>
@@ -43501,11 +42963,11 @@
                           </m:sSubPr>
                           <m:e>
                             <m:r>
-                              <a:rPr lang="en-GB" i="1" smtClean="0">
+                              <a:rPr lang="en-GB" b="0" i="1" smtClean="0">
                                 <a:latin typeface="Cambria Math" panose="02040503050406030204" pitchFamily="18" charset="0"/>
                                 <a:ea typeface="Cambria Math" panose="02040503050406030204" pitchFamily="18" charset="0"/>
                               </a:rPr>
-                              <m:t>𝛽</m:t>
+                              <m:t>𝑏</m:t>
                             </m:r>
                           </m:e>
                           <m:sub>
@@ -43525,7 +42987,7 @@
               </p:txBody>
             </p:sp>
           </mc:Choice>
-          <mc:Fallback xmlns="">
+          <mc:Fallback>
             <p:sp>
               <p:nvSpPr>
                 <p:cNvPr id="134" name="TextBox 133"/>
@@ -43545,7 +43007,7 @@
                 <a:blipFill>
                   <a:blip r:embed="rId11"/>
                   <a:stretch>
-                    <a:fillRect l="-30435" t="-2174" r="-8696" b="-32609"/>
+                    <a:fillRect l="-19565" r="-6522" b="-15217"/>
                   </a:stretch>
                 </a:blipFill>
               </p:spPr>
@@ -43658,10 +43120,9 @@
             <a:lstStyle/>
             <a:p>
               <a:r>
-                <a:rPr lang="en-GB" sz="1400" dirty="0" smtClean="0"/>
+                <a:rPr lang="en-GB" sz="1400" dirty="0"/>
                 <a:t>1</a:t>
               </a:r>
-              <a:endParaRPr lang="en-GB" sz="1400" dirty="0"/>
             </a:p>
           </p:txBody>
         </p:sp>
@@ -43735,18 +43196,13 @@
           <a:lstStyle/>
           <a:p>
             <a:r>
-              <a:rPr lang="en-GB" dirty="0" smtClean="0">
+              <a:rPr lang="en-GB" dirty="0">
                 <a:solidFill>
                   <a:srgbClr val="FF0000"/>
                 </a:solidFill>
               </a:rPr>
               <a:t>FIXED</a:t>
             </a:r>
-            <a:endParaRPr lang="en-GB" dirty="0">
-              <a:solidFill>
-                <a:srgbClr val="FF0000"/>
-              </a:solidFill>
-            </a:endParaRPr>
           </a:p>
         </p:txBody>
       </p:sp>
@@ -43858,13 +43314,8 @@
           <a:p>
             <a:r>
               <a:rPr lang="en-GB" dirty="0"/>
-              <a:t>d</a:t>
+              <a:t>days of sleep deprivation</a:t>
             </a:r>
-            <a:r>
-              <a:rPr lang="en-GB" dirty="0" smtClean="0"/>
-              <a:t>ays of sleep deprivation</a:t>
-            </a:r>
-            <a:endParaRPr lang="en-GB" dirty="0"/>
           </a:p>
         </p:txBody>
       </p:sp>
@@ -44044,7 +43495,6 @@
               <a:headEnd/>
               <a:tailEnd/>
             </a:ln>
-            <a:extLst/>
           </p:spPr>
           <p:txBody>
             <a:bodyPr vert="horz" wrap="square" lIns="91440" tIns="45720" rIns="91440" bIns="45720" numCol="1" anchor="t" anchorCtr="0" compatLnSpc="1">
@@ -44084,7 +43534,6 @@
               <a:headEnd/>
               <a:tailEnd/>
             </a:ln>
-            <a:extLst/>
           </p:spPr>
           <p:txBody>
             <a:bodyPr vert="horz" wrap="square" lIns="91440" tIns="45720" rIns="91440" bIns="45720" numCol="1" anchor="t" anchorCtr="0" compatLnSpc="1">
@@ -44124,7 +43573,6 @@
               <a:headEnd/>
               <a:tailEnd/>
             </a:ln>
-            <a:extLst/>
           </p:spPr>
           <p:txBody>
             <a:bodyPr vert="horz" wrap="square" lIns="91440" tIns="45720" rIns="91440" bIns="45720" numCol="1" anchor="t" anchorCtr="0" compatLnSpc="1">
@@ -44164,7 +43612,6 @@
               <a:headEnd/>
               <a:tailEnd/>
             </a:ln>
-            <a:extLst/>
           </p:spPr>
           <p:txBody>
             <a:bodyPr vert="horz" wrap="square" lIns="91440" tIns="45720" rIns="91440" bIns="45720" numCol="1" anchor="t" anchorCtr="0" compatLnSpc="1">
@@ -44204,7 +43651,6 @@
               <a:headEnd/>
               <a:tailEnd/>
             </a:ln>
-            <a:extLst/>
           </p:spPr>
           <p:txBody>
             <a:bodyPr vert="horz" wrap="square" lIns="91440" tIns="45720" rIns="91440" bIns="45720" numCol="1" anchor="t" anchorCtr="0" compatLnSpc="1">
@@ -44244,7 +43690,6 @@
               <a:headEnd/>
               <a:tailEnd/>
             </a:ln>
-            <a:extLst/>
           </p:spPr>
           <p:txBody>
             <a:bodyPr vert="horz" wrap="square" lIns="91440" tIns="45720" rIns="91440" bIns="45720" numCol="1" anchor="t" anchorCtr="0" compatLnSpc="1">
@@ -44284,7 +43729,6 @@
               <a:headEnd/>
               <a:tailEnd/>
             </a:ln>
-            <a:extLst/>
           </p:spPr>
           <p:txBody>
             <a:bodyPr vert="horz" wrap="square" lIns="91440" tIns="45720" rIns="91440" bIns="45720" numCol="1" anchor="t" anchorCtr="0" compatLnSpc="1">
@@ -44324,7 +43768,6 @@
               <a:headEnd/>
               <a:tailEnd/>
             </a:ln>
-            <a:extLst/>
           </p:spPr>
           <p:txBody>
             <a:bodyPr vert="horz" wrap="square" lIns="91440" tIns="45720" rIns="91440" bIns="45720" numCol="1" anchor="t" anchorCtr="0" compatLnSpc="1">
@@ -44364,7 +43807,6 @@
               <a:headEnd/>
               <a:tailEnd/>
             </a:ln>
-            <a:extLst/>
           </p:spPr>
           <p:txBody>
             <a:bodyPr vert="horz" wrap="square" lIns="91440" tIns="45720" rIns="91440" bIns="45720" numCol="1" anchor="t" anchorCtr="0" compatLnSpc="1">
@@ -45733,7 +45175,6 @@
               <a:headEnd/>
               <a:tailEnd/>
             </a:ln>
-            <a:extLst/>
           </p:spPr>
           <p:txBody>
             <a:bodyPr vert="horz" wrap="square" lIns="91440" tIns="45720" rIns="91440" bIns="45720" numCol="1" anchor="t" anchorCtr="0" compatLnSpc="1">
@@ -45773,7 +45214,6 @@
               <a:headEnd/>
               <a:tailEnd/>
             </a:ln>
-            <a:extLst/>
           </p:spPr>
           <p:txBody>
             <a:bodyPr vert="horz" wrap="square" lIns="91440" tIns="45720" rIns="91440" bIns="45720" numCol="1" anchor="t" anchorCtr="0" compatLnSpc="1">
@@ -45813,7 +45253,6 @@
               <a:headEnd/>
               <a:tailEnd/>
             </a:ln>
-            <a:extLst/>
           </p:spPr>
           <p:txBody>
             <a:bodyPr vert="horz" wrap="square" lIns="91440" tIns="45720" rIns="91440" bIns="45720" numCol="1" anchor="t" anchorCtr="0" compatLnSpc="1">
@@ -45853,7 +45292,6 @@
               <a:headEnd/>
               <a:tailEnd/>
             </a:ln>
-            <a:extLst/>
           </p:spPr>
           <p:txBody>
             <a:bodyPr vert="horz" wrap="square" lIns="91440" tIns="45720" rIns="91440" bIns="45720" numCol="1" anchor="t" anchorCtr="0" compatLnSpc="1">
@@ -45893,7 +45331,6 @@
               <a:headEnd/>
               <a:tailEnd/>
             </a:ln>
-            <a:extLst/>
           </p:spPr>
           <p:txBody>
             <a:bodyPr vert="horz" wrap="square" lIns="91440" tIns="45720" rIns="91440" bIns="45720" numCol="1" anchor="t" anchorCtr="0" compatLnSpc="1">
@@ -45933,7 +45370,6 @@
               <a:headEnd/>
               <a:tailEnd/>
             </a:ln>
-            <a:extLst/>
           </p:spPr>
           <p:txBody>
             <a:bodyPr vert="horz" wrap="square" lIns="91440" tIns="45720" rIns="91440" bIns="45720" numCol="1" anchor="t" anchorCtr="0" compatLnSpc="1">
@@ -45973,7 +45409,6 @@
               <a:headEnd/>
               <a:tailEnd/>
             </a:ln>
-            <a:extLst/>
           </p:spPr>
           <p:txBody>
             <a:bodyPr vert="horz" wrap="square" lIns="91440" tIns="45720" rIns="91440" bIns="45720" numCol="1" anchor="t" anchorCtr="0" compatLnSpc="1">
@@ -46013,7 +45448,6 @@
               <a:headEnd/>
               <a:tailEnd/>
             </a:ln>
-            <a:extLst/>
           </p:spPr>
           <p:txBody>
             <a:bodyPr vert="horz" wrap="square" lIns="91440" tIns="45720" rIns="91440" bIns="45720" numCol="1" anchor="t" anchorCtr="0" compatLnSpc="1">
@@ -46053,7 +45487,6 @@
               <a:headEnd/>
               <a:tailEnd/>
             </a:ln>
-            <a:extLst/>
           </p:spPr>
           <p:txBody>
             <a:bodyPr vert="horz" wrap="square" lIns="91440" tIns="45720" rIns="91440" bIns="45720" numCol="1" anchor="t" anchorCtr="0" compatLnSpc="1">
@@ -46191,10 +45624,9 @@
           <a:lstStyle/>
           <a:p>
             <a:r>
-              <a:rPr lang="en-GB" dirty="0" smtClean="0"/>
+              <a:rPr lang="en-GB" dirty="0"/>
               <a:t>Tom</a:t>
             </a:r>
-            <a:endParaRPr lang="en-GB" dirty="0"/>
           </a:p>
         </p:txBody>
       </p:sp>
@@ -46259,10 +45691,9 @@
           <a:lstStyle/>
           <a:p>
             <a:r>
-              <a:rPr lang="en-GB" dirty="0" smtClean="0"/>
+              <a:rPr lang="en-GB" dirty="0"/>
               <a:t>Josiah</a:t>
             </a:r>
-            <a:endParaRPr lang="en-GB" dirty="0"/>
           </a:p>
         </p:txBody>
       </p:sp>
@@ -46514,10 +45945,9 @@
           <a:lstStyle/>
           <a:p>
             <a:r>
-              <a:rPr lang="en-GB" dirty="0" smtClean="0"/>
+              <a:rPr lang="en-GB" dirty="0"/>
               <a:t>RT</a:t>
             </a:r>
-            <a:endParaRPr lang="en-GB" dirty="0"/>
           </a:p>
         </p:txBody>
       </p:sp>
@@ -46581,8 +46011,8 @@
           </a:fontRef>
         </p:style>
       </p:cxnSp>
-      <mc:AlternateContent xmlns:mc="http://schemas.openxmlformats.org/markup-compatibility/2006" xmlns:a14="http://schemas.microsoft.com/office/drawing/2010/main">
-        <mc:Choice Requires="a14">
+      <mc:AlternateContent xmlns:mc="http://schemas.openxmlformats.org/markup-compatibility/2006">
+        <mc:Choice xmlns:a14="http://schemas.microsoft.com/office/drawing/2010/main" Requires="a14">
           <p:sp>
             <p:nvSpPr>
               <p:cNvPr id="84" name="TextBox 83"/>
@@ -46592,7 +46022,7 @@
             <p:spPr>
               <a:xfrm>
                 <a:off x="1792968" y="3441528"/>
-                <a:ext cx="368884" cy="301493"/>
+                <a:ext cx="279115" cy="276999"/>
               </a:xfrm>
               <a:prstGeom prst="rect">
                 <a:avLst/>
@@ -46631,12 +46061,6 @@
                         </m:e>
                         <m:sub>
                           <m:r>
-                            <a:rPr lang="en-GB" i="1" smtClean="0">
-                              <a:latin typeface="Cambria Math" panose="02040503050406030204" pitchFamily="18" charset="0"/>
-                            </a:rPr>
-                            <m:t>𝜁</m:t>
-                          </m:r>
-                          <m:r>
                             <a:rPr lang="en-GB" b="0" i="1" smtClean="0">
                               <a:latin typeface="Cambria Math" panose="02040503050406030204" pitchFamily="18" charset="0"/>
                             </a:rPr>
@@ -46652,7 +46076,7 @@
             </p:txBody>
           </p:sp>
         </mc:Choice>
-        <mc:Fallback xmlns="">
+        <mc:Fallback>
           <p:sp>
             <p:nvSpPr>
               <p:cNvPr id="84" name="TextBox 83"/>
@@ -46664,7 +46088,7 @@
             <p:spPr>
               <a:xfrm>
                 <a:off x="1792968" y="3441528"/>
-                <a:ext cx="368884" cy="301493"/>
+                <a:ext cx="279115" cy="276999"/>
               </a:xfrm>
               <a:prstGeom prst="rect">
                 <a:avLst/>
@@ -46672,7 +46096,7 @@
               <a:blipFill>
                 <a:blip r:embed="rId3"/>
                 <a:stretch>
-                  <a:fillRect l="-8197" r="-6557" b="-28571"/>
+                  <a:fillRect l="-13043" r="-6522" b="-15556"/>
                 </a:stretch>
               </a:blipFill>
             </p:spPr>
@@ -47119,8 +46543,8 @@
           </p:sp>
         </mc:Fallback>
       </mc:AlternateContent>
-      <mc:AlternateContent xmlns:mc="http://schemas.openxmlformats.org/markup-compatibility/2006" xmlns:a14="http://schemas.microsoft.com/office/drawing/2010/main">
-        <mc:Choice Requires="a14">
+      <mc:AlternateContent xmlns:mc="http://schemas.openxmlformats.org/markup-compatibility/2006">
+        <mc:Choice xmlns:a14="http://schemas.microsoft.com/office/drawing/2010/main" Requires="a14">
           <p:sp>
             <p:nvSpPr>
               <p:cNvPr id="87" name="TextBox 86"/>
@@ -47130,7 +46554,7 @@
             <p:spPr>
               <a:xfrm>
                 <a:off x="2568632" y="555296"/>
-                <a:ext cx="5041217" cy="972317"/>
+                <a:ext cx="5041217" cy="923330"/>
               </a:xfrm>
               <a:prstGeom prst="rect">
                 <a:avLst/>
@@ -47144,21 +46568,21 @@
               <a:lstStyle/>
               <a:p>
                 <a:r>
-                  <a:rPr lang="en-GB" dirty="0" smtClean="0">
+                  <a:rPr lang="en-GB" dirty="0">
                     <a:latin typeface="Courier New" panose="02070309020205020404" pitchFamily="49" charset="0"/>
                     <a:cs typeface="Courier New" panose="02070309020205020404" pitchFamily="49" charset="0"/>
                   </a:rPr>
                   <a:t>lmer(RT ~ 1 + Days + (1 + </a:t>
                 </a:r>
                 <a:r>
-                  <a:rPr lang="en-GB" dirty="0" err="1" smtClean="0">
+                  <a:rPr lang="en-GB" dirty="0" err="1">
                     <a:latin typeface="Courier New" panose="02070309020205020404" pitchFamily="49" charset="0"/>
                     <a:cs typeface="Courier New" panose="02070309020205020404" pitchFamily="49" charset="0"/>
                   </a:rPr>
                   <a:t>Days|ID</a:t>
                 </a:r>
                 <a:r>
-                  <a:rPr lang="en-GB" dirty="0" smtClean="0">
+                  <a:rPr lang="en-GB" dirty="0">
                     <a:latin typeface="Courier New" panose="02070309020205020404" pitchFamily="49" charset="0"/>
                     <a:cs typeface="Courier New" panose="02070309020205020404" pitchFamily="49" charset="0"/>
                   </a:rPr>
@@ -47167,7 +46591,7 @@
               </a:p>
               <a:p>
                 <a:r>
-                  <a:rPr lang="en-GB" dirty="0" smtClean="0"/>
+                  <a:rPr lang="en-GB" dirty="0"/>
                   <a:t>Intercept  </a:t>
                 </a:r>
                 <a14:m>
@@ -47247,12 +46671,6 @@
                       </m:e>
                       <m:sub>
                         <m:r>
-                          <a:rPr lang="en-GB" i="1" smtClean="0">
-                            <a:latin typeface="Cambria Math" panose="02040503050406030204" pitchFamily="18" charset="0"/>
-                          </a:rPr>
-                          <m:t>𝜁</m:t>
-                        </m:r>
-                        <m:r>
                           <a:rPr lang="en-GB" b="0" i="1" smtClean="0">
                             <a:latin typeface="Cambria Math" panose="02040503050406030204" pitchFamily="18" charset="0"/>
                           </a:rPr>
@@ -47263,13 +46681,13 @@
                   </m:oMath>
                 </a14:m>
                 <a:r>
-                  <a:rPr lang="en-GB" dirty="0" smtClean="0"/>
+                  <a:rPr lang="en-GB" dirty="0"/>
                   <a:t>)</a:t>
                 </a:r>
               </a:p>
               <a:p>
                 <a:r>
-                  <a:rPr lang="en-GB" dirty="0" smtClean="0"/>
+                  <a:rPr lang="en-GB" dirty="0"/>
                   <a:t>Slope = </a:t>
                 </a:r>
                 <a14:m>
@@ -47342,12 +46760,6 @@
                       </m:e>
                       <m:sub>
                         <m:r>
-                          <a:rPr lang="en-GB" i="1" smtClean="0">
-                            <a:latin typeface="Cambria Math" panose="02040503050406030204" pitchFamily="18" charset="0"/>
-                          </a:rPr>
-                          <m:t>𝜁</m:t>
-                        </m:r>
-                        <m:r>
                           <a:rPr lang="en-GB" b="0" i="1" smtClean="0">
                             <a:latin typeface="Cambria Math" panose="02040503050406030204" pitchFamily="18" charset="0"/>
                           </a:rPr>
@@ -47358,14 +46770,14 @@
                   </m:oMath>
                 </a14:m>
                 <a:r>
-                  <a:rPr lang="en-GB" dirty="0" smtClean="0"/>
+                  <a:rPr lang="en-GB" dirty="0"/>
                   <a:t>)</a:t>
                 </a:r>
               </a:p>
             </p:txBody>
           </p:sp>
         </mc:Choice>
-        <mc:Fallback xmlns="">
+        <mc:Fallback>
           <p:sp>
             <p:nvSpPr>
               <p:cNvPr id="87" name="TextBox 86"/>
@@ -47377,7 +46789,7 @@
             <p:spPr>
               <a:xfrm>
                 <a:off x="2568632" y="555296"/>
-                <a:ext cx="5041217" cy="972317"/>
+                <a:ext cx="5041217" cy="923330"/>
               </a:xfrm>
               <a:prstGeom prst="rect">
                 <a:avLst/>
@@ -47385,7 +46797,7 @@
               <a:blipFill>
                 <a:blip r:embed="rId6"/>
                 <a:stretch>
-                  <a:fillRect l="-967" t="-3125" b="-6875"/>
+                  <a:fillRect l="-967" t="-3289" b="-9211"/>
                 </a:stretch>
               </a:blipFill>
             </p:spPr>
@@ -47615,10 +47027,9 @@
             <a:lstStyle/>
             <a:p>
               <a:r>
-                <a:rPr lang="en-GB" sz="1400" dirty="0" smtClean="0"/>
+                <a:rPr lang="en-GB" sz="1400" dirty="0"/>
                 <a:t>1</a:t>
               </a:r>
-              <a:endParaRPr lang="en-GB" sz="1400" dirty="0"/>
             </a:p>
           </p:txBody>
         </p:sp>
@@ -47691,7 +47102,7 @@
                     </m:oMath>
                   </a14:m>
                   <a:r>
-                    <a:rPr lang="en-GB" dirty="0" smtClean="0"/>
+                    <a:rPr lang="en-GB" dirty="0"/>
                     <a:t> + </a:t>
                   </a:r>
                   <a14:m>
@@ -47887,10 +47298,9 @@
             <a:lstStyle/>
             <a:p>
               <a:r>
-                <a:rPr lang="en-GB" sz="1400" dirty="0" smtClean="0"/>
+                <a:rPr lang="en-GB" sz="1400" dirty="0"/>
                 <a:t>1</a:t>
               </a:r>
-              <a:endParaRPr lang="en-GB" sz="1400" dirty="0"/>
             </a:p>
           </p:txBody>
         </p:sp>
@@ -47963,7 +47373,7 @@
                     </m:oMath>
                   </a14:m>
                   <a:r>
-                    <a:rPr lang="en-GB" dirty="0" smtClean="0"/>
+                    <a:rPr lang="en-GB" dirty="0"/>
                     <a:t> +</a:t>
                   </a:r>
                   <a14:m>
@@ -48168,10 +47578,9 @@
             <a:lstStyle/>
             <a:p>
               <a:r>
-                <a:rPr lang="en-GB" sz="1400" dirty="0" smtClean="0"/>
+                <a:rPr lang="en-GB" sz="1400" dirty="0"/>
                 <a:t>1</a:t>
               </a:r>
-              <a:endParaRPr lang="en-GB" sz="1400" dirty="0"/>
             </a:p>
           </p:txBody>
         </p:sp>
@@ -48231,13 +47640,8 @@
           <a:p>
             <a:r>
               <a:rPr lang="en-GB" dirty="0"/>
-              <a:t>d</a:t>
+              <a:t>days of sleep deprivation</a:t>
             </a:r>
-            <a:r>
-              <a:rPr lang="en-GB" dirty="0" smtClean="0"/>
-              <a:t>ays of sleep deprivation</a:t>
-            </a:r>
-            <a:endParaRPr lang="en-GB" dirty="0"/>
           </a:p>
         </p:txBody>
       </p:sp>
@@ -48417,7 +47821,6 @@
               <a:headEnd/>
               <a:tailEnd/>
             </a:ln>
-            <a:extLst/>
           </p:spPr>
           <p:txBody>
             <a:bodyPr vert="horz" wrap="square" lIns="91440" tIns="45720" rIns="91440" bIns="45720" numCol="1" anchor="t" anchorCtr="0" compatLnSpc="1">
@@ -48457,7 +47860,6 @@
               <a:headEnd/>
               <a:tailEnd/>
             </a:ln>
-            <a:extLst/>
           </p:spPr>
           <p:txBody>
             <a:bodyPr vert="horz" wrap="square" lIns="91440" tIns="45720" rIns="91440" bIns="45720" numCol="1" anchor="t" anchorCtr="0" compatLnSpc="1">
@@ -48497,7 +47899,6 @@
               <a:headEnd/>
               <a:tailEnd/>
             </a:ln>
-            <a:extLst/>
           </p:spPr>
           <p:txBody>
             <a:bodyPr vert="horz" wrap="square" lIns="91440" tIns="45720" rIns="91440" bIns="45720" numCol="1" anchor="t" anchorCtr="0" compatLnSpc="1">
@@ -48537,7 +47938,6 @@
               <a:headEnd/>
               <a:tailEnd/>
             </a:ln>
-            <a:extLst/>
           </p:spPr>
           <p:txBody>
             <a:bodyPr vert="horz" wrap="square" lIns="91440" tIns="45720" rIns="91440" bIns="45720" numCol="1" anchor="t" anchorCtr="0" compatLnSpc="1">
@@ -48577,7 +47977,6 @@
               <a:headEnd/>
               <a:tailEnd/>
             </a:ln>
-            <a:extLst/>
           </p:spPr>
           <p:txBody>
             <a:bodyPr vert="horz" wrap="square" lIns="91440" tIns="45720" rIns="91440" bIns="45720" numCol="1" anchor="t" anchorCtr="0" compatLnSpc="1">
@@ -48617,7 +48016,6 @@
               <a:headEnd/>
               <a:tailEnd/>
             </a:ln>
-            <a:extLst/>
           </p:spPr>
           <p:txBody>
             <a:bodyPr vert="horz" wrap="square" lIns="91440" tIns="45720" rIns="91440" bIns="45720" numCol="1" anchor="t" anchorCtr="0" compatLnSpc="1">
@@ -48657,7 +48055,6 @@
               <a:headEnd/>
               <a:tailEnd/>
             </a:ln>
-            <a:extLst/>
           </p:spPr>
           <p:txBody>
             <a:bodyPr vert="horz" wrap="square" lIns="91440" tIns="45720" rIns="91440" bIns="45720" numCol="1" anchor="t" anchorCtr="0" compatLnSpc="1">
@@ -48697,7 +48094,6 @@
               <a:headEnd/>
               <a:tailEnd/>
             </a:ln>
-            <a:extLst/>
           </p:spPr>
           <p:txBody>
             <a:bodyPr vert="horz" wrap="square" lIns="91440" tIns="45720" rIns="91440" bIns="45720" numCol="1" anchor="t" anchorCtr="0" compatLnSpc="1">
@@ -48737,7 +48133,6 @@
               <a:headEnd/>
               <a:tailEnd/>
             </a:ln>
-            <a:extLst/>
           </p:spPr>
           <p:txBody>
             <a:bodyPr vert="horz" wrap="square" lIns="91440" tIns="45720" rIns="91440" bIns="45720" numCol="1" anchor="t" anchorCtr="0" compatLnSpc="1">
@@ -50106,7 +49501,6 @@
               <a:headEnd/>
               <a:tailEnd/>
             </a:ln>
-            <a:extLst/>
           </p:spPr>
           <p:txBody>
             <a:bodyPr vert="horz" wrap="square" lIns="91440" tIns="45720" rIns="91440" bIns="45720" numCol="1" anchor="t" anchorCtr="0" compatLnSpc="1">
@@ -50146,7 +49540,6 @@
               <a:headEnd/>
               <a:tailEnd/>
             </a:ln>
-            <a:extLst/>
           </p:spPr>
           <p:txBody>
             <a:bodyPr vert="horz" wrap="square" lIns="91440" tIns="45720" rIns="91440" bIns="45720" numCol="1" anchor="t" anchorCtr="0" compatLnSpc="1">
@@ -50186,7 +49579,6 @@
               <a:headEnd/>
               <a:tailEnd/>
             </a:ln>
-            <a:extLst/>
           </p:spPr>
           <p:txBody>
             <a:bodyPr vert="horz" wrap="square" lIns="91440" tIns="45720" rIns="91440" bIns="45720" numCol="1" anchor="t" anchorCtr="0" compatLnSpc="1">
@@ -50226,7 +49618,6 @@
               <a:headEnd/>
               <a:tailEnd/>
             </a:ln>
-            <a:extLst/>
           </p:spPr>
           <p:txBody>
             <a:bodyPr vert="horz" wrap="square" lIns="91440" tIns="45720" rIns="91440" bIns="45720" numCol="1" anchor="t" anchorCtr="0" compatLnSpc="1">
@@ -50266,7 +49657,6 @@
               <a:headEnd/>
               <a:tailEnd/>
             </a:ln>
-            <a:extLst/>
           </p:spPr>
           <p:txBody>
             <a:bodyPr vert="horz" wrap="square" lIns="91440" tIns="45720" rIns="91440" bIns="45720" numCol="1" anchor="t" anchorCtr="0" compatLnSpc="1">
@@ -50306,7 +49696,6 @@
               <a:headEnd/>
               <a:tailEnd/>
             </a:ln>
-            <a:extLst/>
           </p:spPr>
           <p:txBody>
             <a:bodyPr vert="horz" wrap="square" lIns="91440" tIns="45720" rIns="91440" bIns="45720" numCol="1" anchor="t" anchorCtr="0" compatLnSpc="1">
@@ -50346,7 +49735,6 @@
               <a:headEnd/>
               <a:tailEnd/>
             </a:ln>
-            <a:extLst/>
           </p:spPr>
           <p:txBody>
             <a:bodyPr vert="horz" wrap="square" lIns="91440" tIns="45720" rIns="91440" bIns="45720" numCol="1" anchor="t" anchorCtr="0" compatLnSpc="1">
@@ -50386,7 +49774,6 @@
               <a:headEnd/>
               <a:tailEnd/>
             </a:ln>
-            <a:extLst/>
           </p:spPr>
           <p:txBody>
             <a:bodyPr vert="horz" wrap="square" lIns="91440" tIns="45720" rIns="91440" bIns="45720" numCol="1" anchor="t" anchorCtr="0" compatLnSpc="1">
@@ -50426,7 +49813,6 @@
               <a:headEnd/>
               <a:tailEnd/>
             </a:ln>
-            <a:extLst/>
           </p:spPr>
           <p:txBody>
             <a:bodyPr vert="horz" wrap="square" lIns="91440" tIns="45720" rIns="91440" bIns="45720" numCol="1" anchor="t" anchorCtr="0" compatLnSpc="1">
@@ -50564,10 +49950,9 @@
           <a:lstStyle/>
           <a:p>
             <a:r>
-              <a:rPr lang="en-GB" dirty="0" smtClean="0"/>
+              <a:rPr lang="en-GB" dirty="0"/>
               <a:t>Tom</a:t>
             </a:r>
-            <a:endParaRPr lang="en-GB" dirty="0"/>
           </a:p>
         </p:txBody>
       </p:sp>
@@ -50632,10 +50017,9 @@
           <a:lstStyle/>
           <a:p>
             <a:r>
-              <a:rPr lang="en-GB" dirty="0" smtClean="0"/>
+              <a:rPr lang="en-GB" dirty="0"/>
               <a:t>Josiah</a:t>
             </a:r>
-            <a:endParaRPr lang="en-GB" dirty="0"/>
           </a:p>
         </p:txBody>
       </p:sp>
@@ -50887,10 +50271,9 @@
           <a:lstStyle/>
           <a:p>
             <a:r>
-              <a:rPr lang="en-GB" dirty="0" smtClean="0"/>
+              <a:rPr lang="en-GB" dirty="0"/>
               <a:t>RT</a:t>
             </a:r>
-            <a:endParaRPr lang="en-GB" dirty="0"/>
           </a:p>
         </p:txBody>
       </p:sp>
@@ -50954,8 +50337,8 @@
           </a:fontRef>
         </p:style>
       </p:cxnSp>
-      <mc:AlternateContent xmlns:mc="http://schemas.openxmlformats.org/markup-compatibility/2006" xmlns:a14="http://schemas.microsoft.com/office/drawing/2010/main">
-        <mc:Choice Requires="a14">
+      <mc:AlternateContent xmlns:mc="http://schemas.openxmlformats.org/markup-compatibility/2006">
+        <mc:Choice xmlns:a14="http://schemas.microsoft.com/office/drawing/2010/main" Requires="a14">
           <p:sp>
             <p:nvSpPr>
               <p:cNvPr id="84" name="TextBox 83"/>
@@ -50965,7 +50348,7 @@
             <p:spPr>
               <a:xfrm>
                 <a:off x="1792968" y="3441528"/>
-                <a:ext cx="368884" cy="301493"/>
+                <a:ext cx="279115" cy="276999"/>
               </a:xfrm>
               <a:prstGeom prst="rect">
                 <a:avLst/>
@@ -51004,12 +50387,6 @@
                         </m:e>
                         <m:sub>
                           <m:r>
-                            <a:rPr lang="en-GB" i="1" smtClean="0">
-                              <a:latin typeface="Cambria Math" panose="02040503050406030204" pitchFamily="18" charset="0"/>
-                            </a:rPr>
-                            <m:t>𝜁</m:t>
-                          </m:r>
-                          <m:r>
                             <a:rPr lang="en-GB" b="0" i="1" smtClean="0">
                               <a:latin typeface="Cambria Math" panose="02040503050406030204" pitchFamily="18" charset="0"/>
                             </a:rPr>
@@ -51025,7 +50402,7 @@
             </p:txBody>
           </p:sp>
         </mc:Choice>
-        <mc:Fallback xmlns="">
+        <mc:Fallback>
           <p:sp>
             <p:nvSpPr>
               <p:cNvPr id="84" name="TextBox 83"/>
@@ -51037,7 +50414,7 @@
             <p:spPr>
               <a:xfrm>
                 <a:off x="1792968" y="3441528"/>
-                <a:ext cx="368884" cy="301493"/>
+                <a:ext cx="279115" cy="276999"/>
               </a:xfrm>
               <a:prstGeom prst="rect">
                 <a:avLst/>
@@ -51045,7 +50422,7 @@
               <a:blipFill>
                 <a:blip r:embed="rId3"/>
                 <a:stretch>
-                  <a:fillRect l="-8197" r="-6557" b="-28571"/>
+                  <a:fillRect l="-13043" r="-6522" b="-15556"/>
                 </a:stretch>
               </a:blipFill>
             </p:spPr>
@@ -51492,8 +50869,8 @@
           </p:sp>
         </mc:Fallback>
       </mc:AlternateContent>
-      <mc:AlternateContent xmlns:mc="http://schemas.openxmlformats.org/markup-compatibility/2006" xmlns:a14="http://schemas.microsoft.com/office/drawing/2010/main">
-        <mc:Choice Requires="a14">
+      <mc:AlternateContent xmlns:mc="http://schemas.openxmlformats.org/markup-compatibility/2006">
+        <mc:Choice xmlns:a14="http://schemas.microsoft.com/office/drawing/2010/main" Requires="a14">
           <p:sp>
             <p:nvSpPr>
               <p:cNvPr id="87" name="TextBox 86"/>
@@ -51503,7 +50880,7 @@
             <p:spPr>
               <a:xfrm>
                 <a:off x="2568632" y="555296"/>
-                <a:ext cx="5041217" cy="972317"/>
+                <a:ext cx="5041217" cy="923330"/>
               </a:xfrm>
               <a:prstGeom prst="rect">
                 <a:avLst/>
@@ -51517,21 +50894,21 @@
               <a:lstStyle/>
               <a:p>
                 <a:r>
-                  <a:rPr lang="en-GB" dirty="0" smtClean="0">
+                  <a:rPr lang="en-GB" dirty="0">
                     <a:latin typeface="Courier New" panose="02070309020205020404" pitchFamily="49" charset="0"/>
                     <a:cs typeface="Courier New" panose="02070309020205020404" pitchFamily="49" charset="0"/>
                   </a:rPr>
                   <a:t>lmer(RT ~ 1 + Days + (1 + </a:t>
                 </a:r>
                 <a:r>
-                  <a:rPr lang="en-GB" dirty="0" err="1" smtClean="0">
+                  <a:rPr lang="en-GB" dirty="0" err="1">
                     <a:latin typeface="Courier New" panose="02070309020205020404" pitchFamily="49" charset="0"/>
                     <a:cs typeface="Courier New" panose="02070309020205020404" pitchFamily="49" charset="0"/>
                   </a:rPr>
                   <a:t>Days|ID</a:t>
                 </a:r>
                 <a:r>
-                  <a:rPr lang="en-GB" dirty="0" smtClean="0">
+                  <a:rPr lang="en-GB" dirty="0">
                     <a:latin typeface="Courier New" panose="02070309020205020404" pitchFamily="49" charset="0"/>
                     <a:cs typeface="Courier New" panose="02070309020205020404" pitchFamily="49" charset="0"/>
                   </a:rPr>
@@ -51540,7 +50917,7 @@
               </a:p>
               <a:p>
                 <a:r>
-                  <a:rPr lang="en-GB" dirty="0" smtClean="0"/>
+                  <a:rPr lang="en-GB" dirty="0"/>
                   <a:t>Intercept  </a:t>
                 </a:r>
                 <a14:m>
@@ -51620,12 +50997,6 @@
                       </m:e>
                       <m:sub>
                         <m:r>
-                          <a:rPr lang="en-GB" i="1" smtClean="0">
-                            <a:latin typeface="Cambria Math" panose="02040503050406030204" pitchFamily="18" charset="0"/>
-                          </a:rPr>
-                          <m:t>𝜁</m:t>
-                        </m:r>
-                        <m:r>
                           <a:rPr lang="en-GB" b="0" i="1" smtClean="0">
                             <a:latin typeface="Cambria Math" panose="02040503050406030204" pitchFamily="18" charset="0"/>
                           </a:rPr>
@@ -51636,13 +51007,13 @@
                   </m:oMath>
                 </a14:m>
                 <a:r>
-                  <a:rPr lang="en-GB" dirty="0" smtClean="0"/>
+                  <a:rPr lang="en-GB" dirty="0"/>
                   <a:t>)</a:t>
                 </a:r>
               </a:p>
               <a:p>
                 <a:r>
-                  <a:rPr lang="en-GB" dirty="0" smtClean="0"/>
+                  <a:rPr lang="en-GB" dirty="0"/>
                   <a:t>Slope = </a:t>
                 </a:r>
                 <a14:m>
@@ -51715,12 +51086,6 @@
                       </m:e>
                       <m:sub>
                         <m:r>
-                          <a:rPr lang="en-GB" i="1" smtClean="0">
-                            <a:latin typeface="Cambria Math" panose="02040503050406030204" pitchFamily="18" charset="0"/>
-                          </a:rPr>
-                          <m:t>𝜁</m:t>
-                        </m:r>
-                        <m:r>
                           <a:rPr lang="en-GB" b="0" i="1" smtClean="0">
                             <a:latin typeface="Cambria Math" panose="02040503050406030204" pitchFamily="18" charset="0"/>
                           </a:rPr>
@@ -51731,14 +51096,14 @@
                   </m:oMath>
                 </a14:m>
                 <a:r>
-                  <a:rPr lang="en-GB" dirty="0" smtClean="0"/>
+                  <a:rPr lang="en-GB" dirty="0"/>
                   <a:t>)</a:t>
                 </a:r>
               </a:p>
             </p:txBody>
           </p:sp>
         </mc:Choice>
-        <mc:Fallback xmlns="">
+        <mc:Fallback>
           <p:sp>
             <p:nvSpPr>
               <p:cNvPr id="87" name="TextBox 86"/>
@@ -51750,7 +51115,7 @@
             <p:spPr>
               <a:xfrm>
                 <a:off x="2568632" y="555296"/>
-                <a:ext cx="5041217" cy="972317"/>
+                <a:ext cx="5041217" cy="923330"/>
               </a:xfrm>
               <a:prstGeom prst="rect">
                 <a:avLst/>
@@ -51758,7 +51123,7 @@
               <a:blipFill>
                 <a:blip r:embed="rId6"/>
                 <a:stretch>
-                  <a:fillRect l="-967" t="-3125" b="-6875"/>
+                  <a:fillRect l="-967" t="-3289" b="-9211"/>
                 </a:stretch>
               </a:blipFill>
             </p:spPr>
@@ -51988,10 +51353,9 @@
             <a:lstStyle/>
             <a:p>
               <a:r>
-                <a:rPr lang="en-GB" sz="1400" dirty="0" smtClean="0"/>
+                <a:rPr lang="en-GB" sz="1400" dirty="0"/>
                 <a:t>1</a:t>
               </a:r>
-              <a:endParaRPr lang="en-GB" sz="1400" dirty="0"/>
             </a:p>
           </p:txBody>
         </p:sp>
@@ -52064,7 +51428,7 @@
                     </m:oMath>
                   </a14:m>
                   <a:r>
-                    <a:rPr lang="en-GB" dirty="0" smtClean="0"/>
+                    <a:rPr lang="en-GB" dirty="0"/>
                     <a:t> + </a:t>
                   </a:r>
                   <a14:m>
@@ -52260,10 +51624,9 @@
             <a:lstStyle/>
             <a:p>
               <a:r>
-                <a:rPr lang="en-GB" sz="1400" dirty="0" smtClean="0"/>
+                <a:rPr lang="en-GB" sz="1400" dirty="0"/>
                 <a:t>1</a:t>
               </a:r>
-              <a:endParaRPr lang="en-GB" sz="1400" dirty="0"/>
             </a:p>
           </p:txBody>
         </p:sp>
@@ -52336,7 +51699,7 @@
                     </m:oMath>
                   </a14:m>
                   <a:r>
-                    <a:rPr lang="en-GB" dirty="0" smtClean="0"/>
+                    <a:rPr lang="en-GB" dirty="0"/>
                     <a:t> +</a:t>
                   </a:r>
                   <a14:m>
@@ -52541,10 +51904,9 @@
             <a:lstStyle/>
             <a:p>
               <a:r>
-                <a:rPr lang="en-GB" sz="1400" dirty="0" smtClean="0"/>
+                <a:rPr lang="en-GB" sz="1400" dirty="0"/>
                 <a:t>1</a:t>
               </a:r>
-              <a:endParaRPr lang="en-GB" sz="1400" dirty="0"/>
             </a:p>
           </p:txBody>
         </p:sp>
@@ -52850,8 +52212,8 @@
           </p:sp>
         </mc:Fallback>
       </mc:AlternateContent>
-      <mc:AlternateContent xmlns:mc="http://schemas.openxmlformats.org/markup-compatibility/2006" xmlns:a14="http://schemas.microsoft.com/office/drawing/2010/main">
-        <mc:Choice Requires="a14">
+      <mc:AlternateContent xmlns:mc="http://schemas.openxmlformats.org/markup-compatibility/2006">
+        <mc:Choice xmlns:a14="http://schemas.microsoft.com/office/drawing/2010/main" Requires="a14">
           <p:sp>
             <p:nvSpPr>
               <p:cNvPr id="157" name="TextBox 156"/>
@@ -52861,7 +52223,7 @@
             <p:spPr>
               <a:xfrm>
                 <a:off x="9541014" y="3779609"/>
-                <a:ext cx="368884" cy="301493"/>
+                <a:ext cx="273793" cy="276999"/>
               </a:xfrm>
               <a:prstGeom prst="rect">
                 <a:avLst/>
@@ -52900,12 +52262,6 @@
                         </m:e>
                         <m:sub>
                           <m:r>
-                            <a:rPr lang="en-GB" i="1" smtClean="0">
-                              <a:latin typeface="Cambria Math" panose="02040503050406030204" pitchFamily="18" charset="0"/>
-                            </a:rPr>
-                            <m:t>𝜁</m:t>
-                          </m:r>
-                          <m:r>
                             <a:rPr lang="en-GB" b="0" i="1" smtClean="0">
                               <a:latin typeface="Cambria Math" panose="02040503050406030204" pitchFamily="18" charset="0"/>
                             </a:rPr>
@@ -52921,7 +52277,7 @@
             </p:txBody>
           </p:sp>
         </mc:Choice>
-        <mc:Fallback xmlns="">
+        <mc:Fallback>
           <p:sp>
             <p:nvSpPr>
               <p:cNvPr id="157" name="TextBox 156"/>
@@ -52933,7 +52289,7 @@
             <p:spPr>
               <a:xfrm>
                 <a:off x="9541014" y="3779609"/>
-                <a:ext cx="368884" cy="301493"/>
+                <a:ext cx="273793" cy="276999"/>
               </a:xfrm>
               <a:prstGeom prst="rect">
                 <a:avLst/>
@@ -52941,7 +52297,7 @@
               <a:blipFill>
                 <a:blip r:embed="rId11"/>
                 <a:stretch>
-                  <a:fillRect l="-8197" r="-6557" b="-28571"/>
+                  <a:fillRect l="-13333" r="-6667" b="-17778"/>
                 </a:stretch>
               </a:blipFill>
             </p:spPr>
@@ -53015,13 +52371,8 @@
           <a:p>
             <a:r>
               <a:rPr lang="en-GB" dirty="0"/>
-              <a:t>d</a:t>
+              <a:t>days of sleep deprivation</a:t>
             </a:r>
-            <a:r>
-              <a:rPr lang="en-GB" dirty="0" smtClean="0"/>
-              <a:t>ays of sleep deprivation</a:t>
-            </a:r>
-            <a:endParaRPr lang="en-GB" dirty="0"/>
           </a:p>
         </p:txBody>
       </p:sp>
@@ -53047,7 +52398,7 @@
           <a:lstStyle/>
           <a:p>
             <a:r>
-              <a:rPr lang="en-GB" sz="800" b="0" dirty="0" smtClean="0">
+              <a:rPr lang="en-GB" sz="800" b="0" dirty="0">
                 <a:solidFill>
                   <a:schemeClr val="accent2"/>
                 </a:solidFill>
